--- a/powerpoint/steve-3wa-pos.pptx
+++ b/powerpoint/steve-3wa-pos.pptx
@@ -5,27 +5,26 @@
     <p:sldMasterId id="2147483744" r:id="rId1"/>
   </p:sldMasterIdLst>
   <p:notesMasterIdLst>
-    <p:notesMasterId r:id="rId20"/>
+    <p:notesMasterId r:id="rId19"/>
   </p:notesMasterIdLst>
   <p:sldIdLst>
-    <p:sldId id="256" r:id="rId2"/>
+    <p:sldId id="279" r:id="rId2"/>
     <p:sldId id="258" r:id="rId3"/>
     <p:sldId id="266" r:id="rId4"/>
     <p:sldId id="257" r:id="rId5"/>
     <p:sldId id="267" r:id="rId6"/>
-    <p:sldId id="275" r:id="rId7"/>
-    <p:sldId id="276" r:id="rId8"/>
-    <p:sldId id="277" r:id="rId9"/>
-    <p:sldId id="259" r:id="rId10"/>
-    <p:sldId id="260" r:id="rId11"/>
-    <p:sldId id="269" r:id="rId12"/>
-    <p:sldId id="272" r:id="rId13"/>
-    <p:sldId id="270" r:id="rId14"/>
-    <p:sldId id="271" r:id="rId15"/>
-    <p:sldId id="273" r:id="rId16"/>
-    <p:sldId id="274" r:id="rId17"/>
-    <p:sldId id="278" r:id="rId18"/>
-    <p:sldId id="268" r:id="rId19"/>
+    <p:sldId id="280" r:id="rId7"/>
+    <p:sldId id="275" r:id="rId8"/>
+    <p:sldId id="259" r:id="rId9"/>
+    <p:sldId id="276" r:id="rId10"/>
+    <p:sldId id="272" r:id="rId11"/>
+    <p:sldId id="277" r:id="rId12"/>
+    <p:sldId id="260" r:id="rId13"/>
+    <p:sldId id="269" r:id="rId14"/>
+    <p:sldId id="270" r:id="rId15"/>
+    <p:sldId id="271" r:id="rId16"/>
+    <p:sldId id="281" r:id="rId17"/>
+    <p:sldId id="268" r:id="rId18"/>
   </p:sldIdLst>
   <p:sldSz cx="12192000" cy="6858000"/>
   <p:notesSz cx="6858000" cy="9144000"/>
@@ -1639,753 +1638,6 @@
 </file>
 
 <file path=ppt/diagrams/colors3.xml><?xml version="1.0" encoding="utf-8"?>
-<dgm:colorsDef xmlns:dgm="http://schemas.openxmlformats.org/drawingml/2006/diagram" xmlns:a="http://schemas.openxmlformats.org/drawingml/2006/main" uniqueId="urn:microsoft.com/office/officeart/2005/8/colors/accent1_2">
-  <dgm:title val=""/>
-  <dgm:desc val=""/>
-  <dgm:catLst>
-    <dgm:cat type="accent1" pri="11200"/>
-  </dgm:catLst>
-  <dgm:styleLbl name="node0">
-    <dgm:fillClrLst meth="repeat">
-      <a:schemeClr val="accent1"/>
-    </dgm:fillClrLst>
-    <dgm:linClrLst meth="repeat">
-      <a:schemeClr val="lt1"/>
-    </dgm:linClrLst>
-    <dgm:effectClrLst/>
-    <dgm:txLinClrLst/>
-    <dgm:txFillClrLst/>
-    <dgm:txEffectClrLst/>
-  </dgm:styleLbl>
-  <dgm:styleLbl name="alignNode1">
-    <dgm:fillClrLst meth="repeat">
-      <a:schemeClr val="accent1"/>
-    </dgm:fillClrLst>
-    <dgm:linClrLst meth="repeat">
-      <a:schemeClr val="accent1"/>
-    </dgm:linClrLst>
-    <dgm:effectClrLst/>
-    <dgm:txLinClrLst/>
-    <dgm:txFillClrLst/>
-    <dgm:txEffectClrLst/>
-  </dgm:styleLbl>
-  <dgm:styleLbl name="node1">
-    <dgm:fillClrLst meth="repeat">
-      <a:schemeClr val="accent1"/>
-    </dgm:fillClrLst>
-    <dgm:linClrLst meth="repeat">
-      <a:schemeClr val="lt1"/>
-    </dgm:linClrLst>
-    <dgm:effectClrLst/>
-    <dgm:txLinClrLst/>
-    <dgm:txFillClrLst/>
-    <dgm:txEffectClrLst/>
-  </dgm:styleLbl>
-  <dgm:styleLbl name="lnNode1">
-    <dgm:fillClrLst meth="repeat">
-      <a:schemeClr val="accent1"/>
-    </dgm:fillClrLst>
-    <dgm:linClrLst meth="repeat">
-      <a:schemeClr val="lt1"/>
-    </dgm:linClrLst>
-    <dgm:effectClrLst/>
-    <dgm:txLinClrLst/>
-    <dgm:txFillClrLst/>
-    <dgm:txEffectClrLst/>
-  </dgm:styleLbl>
-  <dgm:styleLbl name="vennNode1">
-    <dgm:fillClrLst meth="repeat">
-      <a:schemeClr val="accent1">
-        <a:alpha val="50000"/>
-      </a:schemeClr>
-    </dgm:fillClrLst>
-    <dgm:linClrLst meth="repeat">
-      <a:schemeClr val="lt1"/>
-    </dgm:linClrLst>
-    <dgm:effectClrLst/>
-    <dgm:txLinClrLst/>
-    <dgm:txFillClrLst/>
-    <dgm:txEffectClrLst/>
-  </dgm:styleLbl>
-  <dgm:styleLbl name="node2">
-    <dgm:fillClrLst meth="repeat">
-      <a:schemeClr val="accent1"/>
-    </dgm:fillClrLst>
-    <dgm:linClrLst meth="repeat">
-      <a:schemeClr val="lt1"/>
-    </dgm:linClrLst>
-    <dgm:effectClrLst/>
-    <dgm:txLinClrLst/>
-    <dgm:txFillClrLst/>
-    <dgm:txEffectClrLst/>
-  </dgm:styleLbl>
-  <dgm:styleLbl name="node3">
-    <dgm:fillClrLst meth="repeat">
-      <a:schemeClr val="accent1"/>
-    </dgm:fillClrLst>
-    <dgm:linClrLst meth="repeat">
-      <a:schemeClr val="lt1"/>
-    </dgm:linClrLst>
-    <dgm:effectClrLst/>
-    <dgm:txLinClrLst/>
-    <dgm:txFillClrLst/>
-    <dgm:txEffectClrLst/>
-  </dgm:styleLbl>
-  <dgm:styleLbl name="node4">
-    <dgm:fillClrLst meth="repeat">
-      <a:schemeClr val="accent1"/>
-    </dgm:fillClrLst>
-    <dgm:linClrLst meth="repeat">
-      <a:schemeClr val="lt1"/>
-    </dgm:linClrLst>
-    <dgm:effectClrLst/>
-    <dgm:txLinClrLst/>
-    <dgm:txFillClrLst/>
-    <dgm:txEffectClrLst/>
-  </dgm:styleLbl>
-  <dgm:styleLbl name="fgImgPlace1">
-    <dgm:fillClrLst meth="repeat">
-      <a:schemeClr val="accent1">
-        <a:tint val="50000"/>
-      </a:schemeClr>
-    </dgm:fillClrLst>
-    <dgm:linClrLst meth="repeat">
-      <a:schemeClr val="lt1"/>
-    </dgm:linClrLst>
-    <dgm:effectClrLst/>
-    <dgm:txLinClrLst/>
-    <dgm:txFillClrLst meth="repeat">
-      <a:schemeClr val="lt1"/>
-    </dgm:txFillClrLst>
-    <dgm:txEffectClrLst/>
-  </dgm:styleLbl>
-  <dgm:styleLbl name="alignImgPlace1">
-    <dgm:fillClrLst meth="repeat">
-      <a:schemeClr val="accent1">
-        <a:tint val="50000"/>
-      </a:schemeClr>
-    </dgm:fillClrLst>
-    <dgm:linClrLst meth="repeat">
-      <a:schemeClr val="lt1"/>
-    </dgm:linClrLst>
-    <dgm:effectClrLst/>
-    <dgm:txLinClrLst/>
-    <dgm:txFillClrLst meth="repeat">
-      <a:schemeClr val="lt1"/>
-    </dgm:txFillClrLst>
-    <dgm:txEffectClrLst/>
-  </dgm:styleLbl>
-  <dgm:styleLbl name="bgImgPlace1">
-    <dgm:fillClrLst meth="repeat">
-      <a:schemeClr val="accent1">
-        <a:tint val="50000"/>
-      </a:schemeClr>
-    </dgm:fillClrLst>
-    <dgm:linClrLst meth="repeat">
-      <a:schemeClr val="lt1"/>
-    </dgm:linClrLst>
-    <dgm:effectClrLst/>
-    <dgm:txLinClrLst/>
-    <dgm:txFillClrLst meth="repeat">
-      <a:schemeClr val="lt1"/>
-    </dgm:txFillClrLst>
-    <dgm:txEffectClrLst/>
-  </dgm:styleLbl>
-  <dgm:styleLbl name="sibTrans2D1">
-    <dgm:fillClrLst meth="repeat">
-      <a:schemeClr val="accent1">
-        <a:tint val="60000"/>
-      </a:schemeClr>
-    </dgm:fillClrLst>
-    <dgm:linClrLst meth="repeat">
-      <a:schemeClr val="accent1">
-        <a:tint val="60000"/>
-      </a:schemeClr>
-    </dgm:linClrLst>
-    <dgm:effectClrLst/>
-    <dgm:txLinClrLst/>
-    <dgm:txFillClrLst/>
-    <dgm:txEffectClrLst/>
-  </dgm:styleLbl>
-  <dgm:styleLbl name="fgSibTrans2D1">
-    <dgm:fillClrLst meth="repeat">
-      <a:schemeClr val="accent1">
-        <a:tint val="60000"/>
-      </a:schemeClr>
-    </dgm:fillClrLst>
-    <dgm:linClrLst meth="repeat">
-      <a:schemeClr val="accent1">
-        <a:tint val="60000"/>
-      </a:schemeClr>
-    </dgm:linClrLst>
-    <dgm:effectClrLst/>
-    <dgm:txLinClrLst/>
-    <dgm:txFillClrLst/>
-    <dgm:txEffectClrLst/>
-  </dgm:styleLbl>
-  <dgm:styleLbl name="bgSibTrans2D1">
-    <dgm:fillClrLst meth="repeat">
-      <a:schemeClr val="accent1">
-        <a:tint val="60000"/>
-      </a:schemeClr>
-    </dgm:fillClrLst>
-    <dgm:linClrLst meth="repeat">
-      <a:schemeClr val="accent1">
-        <a:tint val="60000"/>
-      </a:schemeClr>
-    </dgm:linClrLst>
-    <dgm:effectClrLst/>
-    <dgm:txLinClrLst/>
-    <dgm:txFillClrLst/>
-    <dgm:txEffectClrLst/>
-  </dgm:styleLbl>
-  <dgm:styleLbl name="sibTrans1D1">
-    <dgm:fillClrLst meth="repeat">
-      <a:schemeClr val="accent1"/>
-    </dgm:fillClrLst>
-    <dgm:linClrLst meth="repeat">
-      <a:schemeClr val="accent1"/>
-    </dgm:linClrLst>
-    <dgm:effectClrLst/>
-    <dgm:txLinClrLst/>
-    <dgm:txFillClrLst meth="repeat">
-      <a:schemeClr val="tx1"/>
-    </dgm:txFillClrLst>
-    <dgm:txEffectClrLst/>
-  </dgm:styleLbl>
-  <dgm:styleLbl name="callout">
-    <dgm:fillClrLst meth="repeat">
-      <a:schemeClr val="accent1"/>
-    </dgm:fillClrLst>
-    <dgm:linClrLst meth="repeat">
-      <a:schemeClr val="accent1">
-        <a:tint val="50000"/>
-      </a:schemeClr>
-    </dgm:linClrLst>
-    <dgm:effectClrLst/>
-    <dgm:txLinClrLst/>
-    <dgm:txFillClrLst meth="repeat">
-      <a:schemeClr val="tx1"/>
-    </dgm:txFillClrLst>
-    <dgm:txEffectClrLst/>
-  </dgm:styleLbl>
-  <dgm:styleLbl name="asst0">
-    <dgm:fillClrLst meth="repeat">
-      <a:schemeClr val="accent1"/>
-    </dgm:fillClrLst>
-    <dgm:linClrLst meth="repeat">
-      <a:schemeClr val="lt1"/>
-    </dgm:linClrLst>
-    <dgm:effectClrLst/>
-    <dgm:txLinClrLst/>
-    <dgm:txFillClrLst/>
-    <dgm:txEffectClrLst/>
-  </dgm:styleLbl>
-  <dgm:styleLbl name="asst1">
-    <dgm:fillClrLst meth="repeat">
-      <a:schemeClr val="accent1"/>
-    </dgm:fillClrLst>
-    <dgm:linClrLst meth="repeat">
-      <a:schemeClr val="lt1"/>
-    </dgm:linClrLst>
-    <dgm:effectClrLst/>
-    <dgm:txLinClrLst/>
-    <dgm:txFillClrLst/>
-    <dgm:txEffectClrLst/>
-  </dgm:styleLbl>
-  <dgm:styleLbl name="asst2">
-    <dgm:fillClrLst meth="repeat">
-      <a:schemeClr val="accent1"/>
-    </dgm:fillClrLst>
-    <dgm:linClrLst meth="repeat">
-      <a:schemeClr val="lt1"/>
-    </dgm:linClrLst>
-    <dgm:effectClrLst/>
-    <dgm:txLinClrLst/>
-    <dgm:txFillClrLst/>
-    <dgm:txEffectClrLst/>
-  </dgm:styleLbl>
-  <dgm:styleLbl name="asst3">
-    <dgm:fillClrLst meth="repeat">
-      <a:schemeClr val="accent1"/>
-    </dgm:fillClrLst>
-    <dgm:linClrLst meth="repeat">
-      <a:schemeClr val="lt1"/>
-    </dgm:linClrLst>
-    <dgm:effectClrLst/>
-    <dgm:txLinClrLst/>
-    <dgm:txFillClrLst/>
-    <dgm:txEffectClrLst/>
-  </dgm:styleLbl>
-  <dgm:styleLbl name="asst4">
-    <dgm:fillClrLst meth="repeat">
-      <a:schemeClr val="accent1"/>
-    </dgm:fillClrLst>
-    <dgm:linClrLst meth="repeat">
-      <a:schemeClr val="lt1"/>
-    </dgm:linClrLst>
-    <dgm:effectClrLst/>
-    <dgm:txLinClrLst/>
-    <dgm:txFillClrLst/>
-    <dgm:txEffectClrLst/>
-  </dgm:styleLbl>
-  <dgm:styleLbl name="parChTrans2D1">
-    <dgm:fillClrLst meth="repeat">
-      <a:schemeClr val="accent1">
-        <a:tint val="60000"/>
-      </a:schemeClr>
-    </dgm:fillClrLst>
-    <dgm:linClrLst meth="repeat">
-      <a:schemeClr val="accent1">
-        <a:tint val="60000"/>
-      </a:schemeClr>
-    </dgm:linClrLst>
-    <dgm:effectClrLst/>
-    <dgm:txLinClrLst/>
-    <dgm:txFillClrLst meth="repeat">
-      <a:schemeClr val="lt1"/>
-    </dgm:txFillClrLst>
-    <dgm:txEffectClrLst/>
-  </dgm:styleLbl>
-  <dgm:styleLbl name="parChTrans2D2">
-    <dgm:fillClrLst meth="repeat">
-      <a:schemeClr val="accent1"/>
-    </dgm:fillClrLst>
-    <dgm:linClrLst meth="repeat">
-      <a:schemeClr val="accent1"/>
-    </dgm:linClrLst>
-    <dgm:effectClrLst/>
-    <dgm:txLinClrLst/>
-    <dgm:txFillClrLst meth="repeat">
-      <a:schemeClr val="lt1"/>
-    </dgm:txFillClrLst>
-    <dgm:txEffectClrLst/>
-  </dgm:styleLbl>
-  <dgm:styleLbl name="parChTrans2D3">
-    <dgm:fillClrLst meth="repeat">
-      <a:schemeClr val="accent1"/>
-    </dgm:fillClrLst>
-    <dgm:linClrLst meth="repeat">
-      <a:schemeClr val="accent1"/>
-    </dgm:linClrLst>
-    <dgm:effectClrLst/>
-    <dgm:txLinClrLst/>
-    <dgm:txFillClrLst meth="repeat">
-      <a:schemeClr val="lt1"/>
-    </dgm:txFillClrLst>
-    <dgm:txEffectClrLst/>
-  </dgm:styleLbl>
-  <dgm:styleLbl name="parChTrans2D4">
-    <dgm:fillClrLst meth="repeat">
-      <a:schemeClr val="accent1"/>
-    </dgm:fillClrLst>
-    <dgm:linClrLst meth="repeat">
-      <a:schemeClr val="accent1"/>
-    </dgm:linClrLst>
-    <dgm:effectClrLst/>
-    <dgm:txLinClrLst/>
-    <dgm:txFillClrLst meth="repeat">
-      <a:schemeClr val="lt1"/>
-    </dgm:txFillClrLst>
-    <dgm:txEffectClrLst/>
-  </dgm:styleLbl>
-  <dgm:styleLbl name="parChTrans1D1">
-    <dgm:fillClrLst meth="repeat">
-      <a:schemeClr val="accent1"/>
-    </dgm:fillClrLst>
-    <dgm:linClrLst meth="repeat">
-      <a:schemeClr val="accent1">
-        <a:shade val="60000"/>
-      </a:schemeClr>
-    </dgm:linClrLst>
-    <dgm:effectClrLst/>
-    <dgm:txLinClrLst/>
-    <dgm:txFillClrLst meth="repeat">
-      <a:schemeClr val="tx1"/>
-    </dgm:txFillClrLst>
-    <dgm:txEffectClrLst/>
-  </dgm:styleLbl>
-  <dgm:styleLbl name="parChTrans1D2">
-    <dgm:fillClrLst meth="repeat">
-      <a:schemeClr val="accent1"/>
-    </dgm:fillClrLst>
-    <dgm:linClrLst meth="repeat">
-      <a:schemeClr val="accent1">
-        <a:shade val="60000"/>
-      </a:schemeClr>
-    </dgm:linClrLst>
-    <dgm:effectClrLst/>
-    <dgm:txLinClrLst/>
-    <dgm:txFillClrLst meth="repeat">
-      <a:schemeClr val="tx1"/>
-    </dgm:txFillClrLst>
-    <dgm:txEffectClrLst/>
-  </dgm:styleLbl>
-  <dgm:styleLbl name="parChTrans1D3">
-    <dgm:fillClrLst meth="repeat">
-      <a:schemeClr val="accent1"/>
-    </dgm:fillClrLst>
-    <dgm:linClrLst meth="repeat">
-      <a:schemeClr val="accent1">
-        <a:shade val="80000"/>
-      </a:schemeClr>
-    </dgm:linClrLst>
-    <dgm:effectClrLst/>
-    <dgm:txLinClrLst/>
-    <dgm:txFillClrLst meth="repeat">
-      <a:schemeClr val="tx1"/>
-    </dgm:txFillClrLst>
-    <dgm:txEffectClrLst/>
-  </dgm:styleLbl>
-  <dgm:styleLbl name="parChTrans1D4">
-    <dgm:fillClrLst meth="repeat">
-      <a:schemeClr val="accent1"/>
-    </dgm:fillClrLst>
-    <dgm:linClrLst meth="repeat">
-      <a:schemeClr val="accent1">
-        <a:shade val="80000"/>
-      </a:schemeClr>
-    </dgm:linClrLst>
-    <dgm:effectClrLst/>
-    <dgm:txLinClrLst/>
-    <dgm:txFillClrLst meth="repeat">
-      <a:schemeClr val="tx1"/>
-    </dgm:txFillClrLst>
-    <dgm:txEffectClrLst/>
-  </dgm:styleLbl>
-  <dgm:styleLbl name="fgAcc1">
-    <dgm:fillClrLst meth="repeat">
-      <a:schemeClr val="lt1">
-        <a:alpha val="90000"/>
-      </a:schemeClr>
-    </dgm:fillClrLst>
-    <dgm:linClrLst meth="repeat">
-      <a:schemeClr val="accent1"/>
-    </dgm:linClrLst>
-    <dgm:effectClrLst/>
-    <dgm:txLinClrLst/>
-    <dgm:txFillClrLst meth="repeat">
-      <a:schemeClr val="dk1"/>
-    </dgm:txFillClrLst>
-    <dgm:txEffectClrLst/>
-  </dgm:styleLbl>
-  <dgm:styleLbl name="conFgAcc1">
-    <dgm:fillClrLst meth="repeat">
-      <a:schemeClr val="lt1">
-        <a:alpha val="90000"/>
-      </a:schemeClr>
-    </dgm:fillClrLst>
-    <dgm:linClrLst meth="repeat">
-      <a:schemeClr val="accent1"/>
-    </dgm:linClrLst>
-    <dgm:effectClrLst/>
-    <dgm:txLinClrLst/>
-    <dgm:txFillClrLst meth="repeat">
-      <a:schemeClr val="dk1"/>
-    </dgm:txFillClrLst>
-    <dgm:txEffectClrLst/>
-  </dgm:styleLbl>
-  <dgm:styleLbl name="alignAcc1">
-    <dgm:fillClrLst meth="repeat">
-      <a:schemeClr val="lt1">
-        <a:alpha val="90000"/>
-      </a:schemeClr>
-    </dgm:fillClrLst>
-    <dgm:linClrLst meth="repeat">
-      <a:schemeClr val="accent1"/>
-    </dgm:linClrLst>
-    <dgm:effectClrLst/>
-    <dgm:txLinClrLst/>
-    <dgm:txFillClrLst meth="repeat">
-      <a:schemeClr val="dk1"/>
-    </dgm:txFillClrLst>
-    <dgm:txEffectClrLst/>
-  </dgm:styleLbl>
-  <dgm:styleLbl name="trAlignAcc1">
-    <dgm:fillClrLst meth="repeat">
-      <a:schemeClr val="lt1">
-        <a:alpha val="40000"/>
-      </a:schemeClr>
-    </dgm:fillClrLst>
-    <dgm:linClrLst meth="repeat">
-      <a:schemeClr val="accent1"/>
-    </dgm:linClrLst>
-    <dgm:effectClrLst/>
-    <dgm:txLinClrLst/>
-    <dgm:txFillClrLst meth="repeat">
-      <a:schemeClr val="dk1"/>
-    </dgm:txFillClrLst>
-    <dgm:txEffectClrLst/>
-  </dgm:styleLbl>
-  <dgm:styleLbl name="bgAcc1">
-    <dgm:fillClrLst meth="repeat">
-      <a:schemeClr val="lt1">
-        <a:alpha val="90000"/>
-      </a:schemeClr>
-    </dgm:fillClrLst>
-    <dgm:linClrLst meth="repeat">
-      <a:schemeClr val="accent1"/>
-    </dgm:linClrLst>
-    <dgm:effectClrLst/>
-    <dgm:txLinClrLst/>
-    <dgm:txFillClrLst meth="repeat">
-      <a:schemeClr val="dk1"/>
-    </dgm:txFillClrLst>
-    <dgm:txEffectClrLst/>
-  </dgm:styleLbl>
-  <dgm:styleLbl name="solidFgAcc1">
-    <dgm:fillClrLst meth="repeat">
-      <a:schemeClr val="lt1"/>
-    </dgm:fillClrLst>
-    <dgm:linClrLst meth="repeat">
-      <a:schemeClr val="accent1"/>
-    </dgm:linClrLst>
-    <dgm:effectClrLst/>
-    <dgm:txLinClrLst/>
-    <dgm:txFillClrLst meth="repeat">
-      <a:schemeClr val="dk1"/>
-    </dgm:txFillClrLst>
-    <dgm:txEffectClrLst/>
-  </dgm:styleLbl>
-  <dgm:styleLbl name="solidAlignAcc1">
-    <dgm:fillClrLst meth="repeat">
-      <a:schemeClr val="lt1"/>
-    </dgm:fillClrLst>
-    <dgm:linClrLst meth="repeat">
-      <a:schemeClr val="accent1"/>
-    </dgm:linClrLst>
-    <dgm:effectClrLst/>
-    <dgm:txLinClrLst/>
-    <dgm:txFillClrLst meth="repeat">
-      <a:schemeClr val="dk1"/>
-    </dgm:txFillClrLst>
-    <dgm:txEffectClrLst/>
-  </dgm:styleLbl>
-  <dgm:styleLbl name="solidBgAcc1">
-    <dgm:fillClrLst meth="repeat">
-      <a:schemeClr val="lt1"/>
-    </dgm:fillClrLst>
-    <dgm:linClrLst meth="repeat">
-      <a:schemeClr val="accent1"/>
-    </dgm:linClrLst>
-    <dgm:effectClrLst/>
-    <dgm:txLinClrLst/>
-    <dgm:txFillClrLst meth="repeat">
-      <a:schemeClr val="dk1"/>
-    </dgm:txFillClrLst>
-    <dgm:txEffectClrLst/>
-  </dgm:styleLbl>
-  <dgm:styleLbl name="fgAccFollowNode1">
-    <dgm:fillClrLst meth="repeat">
-      <a:schemeClr val="accent1">
-        <a:alpha val="90000"/>
-        <a:tint val="40000"/>
-      </a:schemeClr>
-    </dgm:fillClrLst>
-    <dgm:linClrLst meth="repeat">
-      <a:schemeClr val="accent1">
-        <a:alpha val="90000"/>
-        <a:tint val="40000"/>
-      </a:schemeClr>
-    </dgm:linClrLst>
-    <dgm:effectClrLst/>
-    <dgm:txLinClrLst/>
-    <dgm:txFillClrLst meth="repeat">
-      <a:schemeClr val="dk1"/>
-    </dgm:txFillClrLst>
-    <dgm:txEffectClrLst/>
-  </dgm:styleLbl>
-  <dgm:styleLbl name="alignAccFollowNode1">
-    <dgm:fillClrLst meth="repeat">
-      <a:schemeClr val="accent1">
-        <a:alpha val="90000"/>
-        <a:tint val="40000"/>
-      </a:schemeClr>
-    </dgm:fillClrLst>
-    <dgm:linClrLst meth="repeat">
-      <a:schemeClr val="accent1">
-        <a:alpha val="90000"/>
-        <a:tint val="40000"/>
-      </a:schemeClr>
-    </dgm:linClrLst>
-    <dgm:effectClrLst/>
-    <dgm:txLinClrLst/>
-    <dgm:txFillClrLst meth="repeat">
-      <a:schemeClr val="dk1"/>
-    </dgm:txFillClrLst>
-    <dgm:txEffectClrLst/>
-  </dgm:styleLbl>
-  <dgm:styleLbl name="bgAccFollowNode1">
-    <dgm:fillClrLst meth="repeat">
-      <a:schemeClr val="accent1">
-        <a:alpha val="90000"/>
-        <a:tint val="40000"/>
-      </a:schemeClr>
-    </dgm:fillClrLst>
-    <dgm:linClrLst meth="repeat">
-      <a:schemeClr val="accent1">
-        <a:alpha val="90000"/>
-        <a:tint val="40000"/>
-      </a:schemeClr>
-    </dgm:linClrLst>
-    <dgm:effectClrLst/>
-    <dgm:txLinClrLst/>
-    <dgm:txFillClrLst meth="repeat">
-      <a:schemeClr val="dk1"/>
-    </dgm:txFillClrLst>
-    <dgm:txEffectClrLst/>
-  </dgm:styleLbl>
-  <dgm:styleLbl name="fgAcc0">
-    <dgm:fillClrLst meth="repeat">
-      <a:schemeClr val="lt1">
-        <a:alpha val="90000"/>
-      </a:schemeClr>
-    </dgm:fillClrLst>
-    <dgm:linClrLst meth="repeat">
-      <a:schemeClr val="accent1"/>
-    </dgm:linClrLst>
-    <dgm:effectClrLst/>
-    <dgm:txLinClrLst/>
-    <dgm:txFillClrLst meth="repeat">
-      <a:schemeClr val="dk1"/>
-    </dgm:txFillClrLst>
-    <dgm:txEffectClrLst/>
-  </dgm:styleLbl>
-  <dgm:styleLbl name="fgAcc2">
-    <dgm:fillClrLst meth="repeat">
-      <a:schemeClr val="lt1">
-        <a:alpha val="90000"/>
-      </a:schemeClr>
-    </dgm:fillClrLst>
-    <dgm:linClrLst meth="repeat">
-      <a:schemeClr val="accent1"/>
-    </dgm:linClrLst>
-    <dgm:effectClrLst/>
-    <dgm:txLinClrLst/>
-    <dgm:txFillClrLst meth="repeat">
-      <a:schemeClr val="dk1"/>
-    </dgm:txFillClrLst>
-    <dgm:txEffectClrLst/>
-  </dgm:styleLbl>
-  <dgm:styleLbl name="fgAcc3">
-    <dgm:fillClrLst meth="repeat">
-      <a:schemeClr val="lt1">
-        <a:alpha val="90000"/>
-      </a:schemeClr>
-    </dgm:fillClrLst>
-    <dgm:linClrLst meth="repeat">
-      <a:schemeClr val="accent1"/>
-    </dgm:linClrLst>
-    <dgm:effectClrLst/>
-    <dgm:txLinClrLst/>
-    <dgm:txFillClrLst meth="repeat">
-      <a:schemeClr val="dk1"/>
-    </dgm:txFillClrLst>
-    <dgm:txEffectClrLst/>
-  </dgm:styleLbl>
-  <dgm:styleLbl name="fgAcc4">
-    <dgm:fillClrLst meth="repeat">
-      <a:schemeClr val="lt1">
-        <a:alpha val="90000"/>
-      </a:schemeClr>
-    </dgm:fillClrLst>
-    <dgm:linClrLst meth="repeat">
-      <a:schemeClr val="accent1"/>
-    </dgm:linClrLst>
-    <dgm:effectClrLst/>
-    <dgm:txLinClrLst/>
-    <dgm:txFillClrLst meth="repeat">
-      <a:schemeClr val="dk1"/>
-    </dgm:txFillClrLst>
-    <dgm:txEffectClrLst/>
-  </dgm:styleLbl>
-  <dgm:styleLbl name="bgShp">
-    <dgm:fillClrLst meth="repeat">
-      <a:schemeClr val="accent1">
-        <a:tint val="40000"/>
-      </a:schemeClr>
-    </dgm:fillClrLst>
-    <dgm:linClrLst meth="repeat">
-      <a:schemeClr val="accent1"/>
-    </dgm:linClrLst>
-    <dgm:effectClrLst/>
-    <dgm:txLinClrLst/>
-    <dgm:txFillClrLst meth="repeat">
-      <a:schemeClr val="dk1"/>
-    </dgm:txFillClrLst>
-    <dgm:txEffectClrLst/>
-  </dgm:styleLbl>
-  <dgm:styleLbl name="dkBgShp">
-    <dgm:fillClrLst meth="repeat">
-      <a:schemeClr val="accent1">
-        <a:shade val="80000"/>
-      </a:schemeClr>
-    </dgm:fillClrLst>
-    <dgm:linClrLst meth="repeat">
-      <a:schemeClr val="accent1"/>
-    </dgm:linClrLst>
-    <dgm:effectClrLst/>
-    <dgm:txLinClrLst/>
-    <dgm:txFillClrLst meth="repeat">
-      <a:schemeClr val="lt1"/>
-    </dgm:txFillClrLst>
-    <dgm:txEffectClrLst/>
-  </dgm:styleLbl>
-  <dgm:styleLbl name="trBgShp">
-    <dgm:fillClrLst meth="repeat">
-      <a:schemeClr val="accent1">
-        <a:tint val="50000"/>
-        <a:alpha val="40000"/>
-      </a:schemeClr>
-    </dgm:fillClrLst>
-    <dgm:linClrLst meth="repeat">
-      <a:schemeClr val="accent1"/>
-    </dgm:linClrLst>
-    <dgm:effectClrLst/>
-    <dgm:txLinClrLst/>
-    <dgm:txFillClrLst meth="repeat">
-      <a:schemeClr val="lt1"/>
-    </dgm:txFillClrLst>
-    <dgm:txEffectClrLst/>
-  </dgm:styleLbl>
-  <dgm:styleLbl name="fgShp">
-    <dgm:fillClrLst meth="repeat">
-      <a:schemeClr val="accent1">
-        <a:tint val="60000"/>
-      </a:schemeClr>
-    </dgm:fillClrLst>
-    <dgm:linClrLst meth="repeat">
-      <a:schemeClr val="lt1"/>
-    </dgm:linClrLst>
-    <dgm:effectClrLst/>
-    <dgm:txLinClrLst/>
-    <dgm:txFillClrLst meth="repeat">
-      <a:schemeClr val="dk1"/>
-    </dgm:txFillClrLst>
-    <dgm:txEffectClrLst/>
-  </dgm:styleLbl>
-  <dgm:styleLbl name="revTx">
-    <dgm:fillClrLst meth="repeat">
-      <a:schemeClr val="lt1">
-        <a:alpha val="0"/>
-      </a:schemeClr>
-    </dgm:fillClrLst>
-    <dgm:linClrLst meth="repeat">
-      <a:schemeClr val="dk1">
-        <a:alpha val="0"/>
-      </a:schemeClr>
-    </dgm:linClrLst>
-    <dgm:effectClrLst/>
-    <dgm:txLinClrLst/>
-    <dgm:txFillClrLst meth="repeat">
-      <a:schemeClr val="tx1"/>
-    </dgm:txFillClrLst>
-    <dgm:txEffectClrLst/>
-  </dgm:styleLbl>
-</dgm:colorsDef>
-</file>
-
-<file path=ppt/diagrams/colors4.xml><?xml version="1.0" encoding="utf-8"?>
 <dgm:colorsDef xmlns:dgm="http://schemas.openxmlformats.org/drawingml/2006/diagram" xmlns:a="http://schemas.openxmlformats.org/drawingml/2006/main" uniqueId="urn:microsoft.com/office/officeart/2005/8/colors/accent1_2">
   <dgm:title val=""/>
   <dgm:desc val=""/>
@@ -3431,101 +2683,6 @@
   <dgm:extLst>
     <a:ext uri="http://schemas.microsoft.com/office/drawing/2008/diagram">
       <dsp:dataModelExt xmlns:dsp="http://schemas.microsoft.com/office/drawing/2008/diagram" relId="rId11" minVer="http://schemas.openxmlformats.org/drawingml/2006/diagram"/>
-    </a:ext>
-  </dgm:extLst>
-</dgm:dataModel>
-</file>
-
-<file path=ppt/diagrams/data4.xml><?xml version="1.0" encoding="utf-8"?>
-<dgm:dataModel xmlns:dgm="http://schemas.openxmlformats.org/drawingml/2006/diagram" xmlns:a="http://schemas.openxmlformats.org/drawingml/2006/main">
-  <dgm:ptLst>
-    <dgm:pt modelId="{55BC3AA2-CE07-4267-815F-B711320B54D5}" type="doc">
-      <dgm:prSet loTypeId="urn:microsoft.com/office/officeart/2005/8/layout/vList3" loCatId="list" qsTypeId="urn:microsoft.com/office/officeart/2005/8/quickstyle/simple3" qsCatId="simple" csTypeId="urn:microsoft.com/office/officeart/2005/8/colors/accent1_2" csCatId="accent1" phldr="1"/>
-      <dgm:spPr/>
-    </dgm:pt>
-    <dgm:pt modelId="{5241FDB0-3D50-4F64-AE36-2389A7F5F1F5}">
-      <dgm:prSet phldrT="[Texte]" custT="1"/>
-      <dgm:spPr/>
-      <dgm:t>
-        <a:bodyPr/>
-        <a:lstStyle/>
-        <a:p>
-          <a:r>
-            <a:rPr lang="fr-FR" sz="4100" b="1" dirty="0"/>
-            <a:t>POS</a:t>
-          </a:r>
-        </a:p>
-      </dgm:t>
-    </dgm:pt>
-    <dgm:pt modelId="{33DA70F2-9EAD-4044-B83B-FE821D2103EF}" type="sibTrans" cxnId="{A98BD369-9608-4DD8-B1F8-7E473ADBB5A4}">
-      <dgm:prSet/>
-      <dgm:spPr/>
-      <dgm:t>
-        <a:bodyPr/>
-        <a:lstStyle/>
-        <a:p>
-          <a:endParaRPr lang="fr-FR"/>
-        </a:p>
-      </dgm:t>
-    </dgm:pt>
-    <dgm:pt modelId="{DCCF930F-40ED-4700-806C-7FBCB1D62187}" type="parTrans" cxnId="{A98BD369-9608-4DD8-B1F8-7E473ADBB5A4}">
-      <dgm:prSet/>
-      <dgm:spPr/>
-      <dgm:t>
-        <a:bodyPr/>
-        <a:lstStyle/>
-        <a:p>
-          <a:endParaRPr lang="fr-FR"/>
-        </a:p>
-      </dgm:t>
-    </dgm:pt>
-    <dgm:pt modelId="{093F9B0A-3228-47E3-B8B2-0953D91D1506}" type="pres">
-      <dgm:prSet presAssocID="{55BC3AA2-CE07-4267-815F-B711320B54D5}" presName="linearFlow" presStyleCnt="0">
-        <dgm:presLayoutVars>
-          <dgm:dir/>
-          <dgm:resizeHandles val="exact"/>
-        </dgm:presLayoutVars>
-      </dgm:prSet>
-      <dgm:spPr/>
-    </dgm:pt>
-    <dgm:pt modelId="{C2313BB0-7483-42B2-8C40-3B94CE61C3FB}" type="pres">
-      <dgm:prSet presAssocID="{5241FDB0-3D50-4F64-AE36-2389A7F5F1F5}" presName="composite" presStyleCnt="0"/>
-      <dgm:spPr/>
-    </dgm:pt>
-    <dgm:pt modelId="{00D34079-AB31-4940-B429-DD3A525AC5AC}" type="pres">
-      <dgm:prSet presAssocID="{5241FDB0-3D50-4F64-AE36-2389A7F5F1F5}" presName="imgShp" presStyleLbl="fgImgPlace1" presStyleIdx="0" presStyleCnt="1" custScaleX="145449" custScaleY="135720"/>
-      <dgm:spPr>
-        <a:blipFill rotWithShape="1">
-          <a:blip xmlns:r="http://schemas.openxmlformats.org/officeDocument/2006/relationships" r:embed="rId1"/>
-          <a:srcRect/>
-          <a:stretch>
-            <a:fillRect l="-55000" r="-55000"/>
-          </a:stretch>
-        </a:blipFill>
-      </dgm:spPr>
-    </dgm:pt>
-    <dgm:pt modelId="{B7443F3F-4A26-4BEB-82A1-6B2CEDA8F1C2}" type="pres">
-      <dgm:prSet presAssocID="{5241FDB0-3D50-4F64-AE36-2389A7F5F1F5}" presName="txShp" presStyleLbl="node1" presStyleIdx="0" presStyleCnt="1" custLinFactNeighborX="7519" custLinFactNeighborY="1816">
-        <dgm:presLayoutVars>
-          <dgm:bulletEnabled val="1"/>
-        </dgm:presLayoutVars>
-      </dgm:prSet>
-      <dgm:spPr/>
-    </dgm:pt>
-  </dgm:ptLst>
-  <dgm:cxnLst>
-    <dgm:cxn modelId="{D2A0AD19-47DD-46D3-B641-5C675DA6737C}" type="presOf" srcId="{5241FDB0-3D50-4F64-AE36-2389A7F5F1F5}" destId="{B7443F3F-4A26-4BEB-82A1-6B2CEDA8F1C2}" srcOrd="0" destOrd="0" presId="urn:microsoft.com/office/officeart/2005/8/layout/vList3"/>
-    <dgm:cxn modelId="{A98BD369-9608-4DD8-B1F8-7E473ADBB5A4}" srcId="{55BC3AA2-CE07-4267-815F-B711320B54D5}" destId="{5241FDB0-3D50-4F64-AE36-2389A7F5F1F5}" srcOrd="0" destOrd="0" parTransId="{DCCF930F-40ED-4700-806C-7FBCB1D62187}" sibTransId="{33DA70F2-9EAD-4044-B83B-FE821D2103EF}"/>
-    <dgm:cxn modelId="{8D28FEC5-1FA1-4E13-B927-DF0B3C51B268}" type="presOf" srcId="{55BC3AA2-CE07-4267-815F-B711320B54D5}" destId="{093F9B0A-3228-47E3-B8B2-0953D91D1506}" srcOrd="0" destOrd="0" presId="urn:microsoft.com/office/officeart/2005/8/layout/vList3"/>
-    <dgm:cxn modelId="{46E49CA0-7973-4C0B-8576-0379AA7264E3}" type="presParOf" srcId="{093F9B0A-3228-47E3-B8B2-0953D91D1506}" destId="{C2313BB0-7483-42B2-8C40-3B94CE61C3FB}" srcOrd="0" destOrd="0" presId="urn:microsoft.com/office/officeart/2005/8/layout/vList3"/>
-    <dgm:cxn modelId="{432D8710-A78A-4EBA-BAA1-DF3A1A03A2F4}" type="presParOf" srcId="{C2313BB0-7483-42B2-8C40-3B94CE61C3FB}" destId="{00D34079-AB31-4940-B429-DD3A525AC5AC}" srcOrd="0" destOrd="0" presId="urn:microsoft.com/office/officeart/2005/8/layout/vList3"/>
-    <dgm:cxn modelId="{03A9DEE0-B631-4CBD-81F0-2CC2751CE3FF}" type="presParOf" srcId="{C2313BB0-7483-42B2-8C40-3B94CE61C3FB}" destId="{B7443F3F-4A26-4BEB-82A1-6B2CEDA8F1C2}" srcOrd="1" destOrd="0" presId="urn:microsoft.com/office/officeart/2005/8/layout/vList3"/>
-  </dgm:cxnLst>
-  <dgm:bg/>
-  <dgm:whole/>
-  <dgm:extLst>
-    <a:ext uri="http://schemas.microsoft.com/office/drawing/2008/diagram">
-      <dsp:dataModelExt xmlns:dsp="http://schemas.microsoft.com/office/drawing/2008/diagram" relId="rId6" minVer="http://schemas.openxmlformats.org/drawingml/2006/diagram"/>
     </a:ext>
   </dgm:extLst>
 </dgm:dataModel>
@@ -3996,140 +3153,6 @@
           <a:scrgbClr r="0" g="0" b="0"/>
         </a:fillRef>
         <a:effectRef idx="0">
-          <a:scrgbClr r="0" g="0" b="0"/>
-        </a:effectRef>
-        <a:fontRef idx="minor"/>
-      </dsp:style>
-    </dsp:sp>
-  </dsp:spTree>
-</dsp:drawing>
-</file>
-
-<file path=ppt/diagrams/drawing4.xml><?xml version="1.0" encoding="utf-8"?>
-<dsp:drawing xmlns:dgm="http://schemas.openxmlformats.org/drawingml/2006/diagram" xmlns:dsp="http://schemas.microsoft.com/office/drawing/2008/diagram" xmlns:a="http://schemas.openxmlformats.org/drawingml/2006/main">
-  <dsp:spTree>
-    <dsp:nvGrpSpPr>
-      <dsp:cNvPr id="0" name=""/>
-      <dsp:cNvGrpSpPr/>
-    </dsp:nvGrpSpPr>
-    <dsp:grpSpPr/>
-    <dsp:sp modelId="{B7443F3F-4A26-4BEB-82A1-6B2CEDA8F1C2}">
-      <dsp:nvSpPr>
-        <dsp:cNvPr id="0" name=""/>
-        <dsp:cNvSpPr/>
-      </dsp:nvSpPr>
-      <dsp:spPr>
-        <a:xfrm rot="10800000">
-          <a:off x="3181056" y="1100712"/>
-          <a:ext cx="6314635" cy="3181056"/>
-        </a:xfrm>
-        <a:prstGeom prst="homePlate">
-          <a:avLst/>
-        </a:prstGeom>
-        <a:solidFill>
-          <a:schemeClr val="accent1">
-            <a:hueOff val="0"/>
-            <a:satOff val="0"/>
-            <a:lumOff val="0"/>
-            <a:alphaOff val="0"/>
-          </a:schemeClr>
-        </a:solidFill>
-        <a:ln>
-          <a:noFill/>
-        </a:ln>
-        <a:effectLst/>
-        <a:scene3d>
-          <a:camera prst="orthographicFront"/>
-          <a:lightRig rig="flat" dir="t"/>
-        </a:scene3d>
-        <a:sp3d prstMaterial="dkEdge">
-          <a:bevelT w="8200" h="38100"/>
-        </a:sp3d>
-      </dsp:spPr>
-      <dsp:style>
-        <a:lnRef idx="0">
-          <a:scrgbClr r="0" g="0" b="0"/>
-        </a:lnRef>
-        <a:fillRef idx="2">
-          <a:scrgbClr r="0" g="0" b="0"/>
-        </a:fillRef>
-        <a:effectRef idx="1">
-          <a:scrgbClr r="0" g="0" b="0"/>
-        </a:effectRef>
-        <a:fontRef idx="minor">
-          <a:schemeClr val="dk1"/>
-        </a:fontRef>
-      </dsp:style>
-      <dsp:txBody>
-        <a:bodyPr spcFirstLastPara="0" vert="horz" wrap="square" lIns="1402758" tIns="156210" rIns="291592" bIns="156210" numCol="1" spcCol="1270" anchor="ctr" anchorCtr="0">
-          <a:noAutofit/>
-        </a:bodyPr>
-        <a:lstStyle/>
-        <a:p>
-          <a:pPr marL="0" lvl="0" indent="0" algn="ctr" defTabSz="1822450">
-            <a:lnSpc>
-              <a:spcPct val="90000"/>
-            </a:lnSpc>
-            <a:spcBef>
-              <a:spcPct val="0"/>
-            </a:spcBef>
-            <a:spcAft>
-              <a:spcPct val="35000"/>
-            </a:spcAft>
-            <a:buNone/>
-          </a:pPr>
-          <a:r>
-            <a:rPr lang="fr-FR" sz="4100" b="1" kern="1200" dirty="0"/>
-            <a:t>POS</a:t>
-          </a:r>
-        </a:p>
-      </dsp:txBody>
-      <dsp:txXfrm rot="10800000">
-        <a:off x="3976320" y="1100712"/>
-        <a:ext cx="5519371" cy="3181056"/>
-      </dsp:txXfrm>
-    </dsp:sp>
-    <dsp:sp modelId="{00D34079-AB31-4940-B429-DD3A525AC5AC}">
-      <dsp:nvSpPr>
-        <dsp:cNvPr id="0" name=""/>
-        <dsp:cNvSpPr/>
-      </dsp:nvSpPr>
-      <dsp:spPr>
-        <a:xfrm>
-          <a:off x="433824" y="474807"/>
-          <a:ext cx="4626815" cy="4317330"/>
-        </a:xfrm>
-        <a:prstGeom prst="ellipse">
-          <a:avLst/>
-        </a:prstGeom>
-        <a:blipFill rotWithShape="1">
-          <a:blip xmlns:r="http://schemas.openxmlformats.org/officeDocument/2006/relationships" r:embed="rId1"/>
-          <a:srcRect/>
-          <a:stretch>
-            <a:fillRect l="-55000" r="-55000"/>
-          </a:stretch>
-        </a:blipFill>
-        <a:ln w="9525" cap="rnd" cmpd="sng" algn="ctr">
-          <a:solidFill>
-            <a:schemeClr val="lt1">
-              <a:hueOff val="0"/>
-              <a:satOff val="0"/>
-              <a:lumOff val="0"/>
-              <a:alphaOff val="0"/>
-            </a:schemeClr>
-          </a:solidFill>
-          <a:prstDash val="solid"/>
-        </a:ln>
-        <a:effectLst/>
-      </dsp:spPr>
-      <dsp:style>
-        <a:lnRef idx="1">
-          <a:scrgbClr r="0" g="0" b="0"/>
-        </a:lnRef>
-        <a:fillRef idx="1">
-          <a:scrgbClr r="0" g="0" b="0"/>
-        </a:fillRef>
-        <a:effectRef idx="1">
           <a:scrgbClr r="0" g="0" b="0"/>
         </a:effectRef>
         <a:fontRef idx="minor"/>
@@ -8531,169 +7554,6 @@
 </dgm:layoutDef>
 </file>
 
-<file path=ppt/diagrams/layout4.xml><?xml version="1.0" encoding="utf-8"?>
-<dgm:layoutDef xmlns:dgm="http://schemas.openxmlformats.org/drawingml/2006/diagram" xmlns:a="http://schemas.openxmlformats.org/drawingml/2006/main" uniqueId="urn:microsoft.com/office/officeart/2005/8/layout/vList3">
-  <dgm:title val=""/>
-  <dgm:desc val=""/>
-  <dgm:catLst>
-    <dgm:cat type="list" pri="14000"/>
-    <dgm:cat type="convert" pri="3000"/>
-    <dgm:cat type="picture" pri="27000"/>
-    <dgm:cat type="pictureconvert" pri="27000"/>
-  </dgm:catLst>
-  <dgm:sampData useDef="1">
-    <dgm:dataModel>
-      <dgm:ptLst/>
-      <dgm:bg/>
-      <dgm:whole/>
-    </dgm:dataModel>
-  </dgm:sampData>
-  <dgm:styleData>
-    <dgm:dataModel>
-      <dgm:ptLst>
-        <dgm:pt modelId="0" type="doc"/>
-        <dgm:pt modelId="1"/>
-        <dgm:pt modelId="2"/>
-      </dgm:ptLst>
-      <dgm:cxnLst>
-        <dgm:cxn modelId="3" srcId="0" destId="1" srcOrd="0" destOrd="0"/>
-        <dgm:cxn modelId="4" srcId="0" destId="2" srcOrd="1" destOrd="0"/>
-      </dgm:cxnLst>
-      <dgm:bg/>
-      <dgm:whole/>
-    </dgm:dataModel>
-  </dgm:styleData>
-  <dgm:clrData>
-    <dgm:dataModel>
-      <dgm:ptLst>
-        <dgm:pt modelId="0" type="doc"/>
-        <dgm:pt modelId="1"/>
-        <dgm:pt modelId="2"/>
-        <dgm:pt modelId="3"/>
-        <dgm:pt modelId="4"/>
-      </dgm:ptLst>
-      <dgm:cxnLst>
-        <dgm:cxn modelId="5" srcId="0" destId="1" srcOrd="0" destOrd="0"/>
-        <dgm:cxn modelId="6" srcId="0" destId="2" srcOrd="1" destOrd="0"/>
-        <dgm:cxn modelId="7" srcId="0" destId="3" srcOrd="2" destOrd="0"/>
-        <dgm:cxn modelId="8" srcId="0" destId="4" srcOrd="3" destOrd="0"/>
-      </dgm:cxnLst>
-      <dgm:bg/>
-      <dgm:whole/>
-    </dgm:dataModel>
-  </dgm:clrData>
-  <dgm:layoutNode name="linearFlow">
-    <dgm:varLst>
-      <dgm:dir/>
-      <dgm:resizeHandles val="exact"/>
-    </dgm:varLst>
-    <dgm:alg type="lin">
-      <dgm:param type="linDir" val="fromT"/>
-      <dgm:param type="vertAlign" val="mid"/>
-      <dgm:param type="horzAlign" val="ctr"/>
-    </dgm:alg>
-    <dgm:shape xmlns:r="http://schemas.openxmlformats.org/officeDocument/2006/relationships" r:blip="">
-      <dgm:adjLst/>
-    </dgm:shape>
-    <dgm:presOf/>
-    <dgm:constrLst>
-      <dgm:constr type="w" for="ch" forName="composite" refType="w"/>
-      <dgm:constr type="h" for="ch" forName="composite" refType="h"/>
-      <dgm:constr type="h" for="ch" forName="spacing" refType="h" refFor="ch" refForName="composite" fact="0.25"/>
-      <dgm:constr type="h" for="ch" forName="spacing" refType="w" op="lte" fact="0.1"/>
-      <dgm:constr type="primFontSz" for="des" ptType="node" op="equ" val="65"/>
-    </dgm:constrLst>
-    <dgm:ruleLst/>
-    <dgm:forEach name="Name0" axis="ch" ptType="node">
-      <dgm:layoutNode name="composite">
-        <dgm:alg type="composite"/>
-        <dgm:shape xmlns:r="http://schemas.openxmlformats.org/officeDocument/2006/relationships" r:blip="">
-          <dgm:adjLst/>
-        </dgm:shape>
-        <dgm:presOf/>
-        <dgm:choose name="Name1">
-          <dgm:if name="Name2" func="var" arg="dir" op="equ" val="norm">
-            <dgm:constrLst>
-              <dgm:constr type="w" for="ch" forName="imgShp" refType="w" fact="0.335"/>
-              <dgm:constr type="h" for="ch" forName="imgShp" refType="w" refFor="ch" refForName="imgShp" op="equ"/>
-              <dgm:constr type="h" for="ch" forName="imgShp" refType="h" op="lte"/>
-              <dgm:constr type="ctrY" for="ch" forName="imgShp" refType="h" fact="0.5"/>
-              <dgm:constr type="l" for="ch" forName="imgShp"/>
-              <dgm:constr type="w" for="ch" forName="txShp" refType="w" op="equ" fact="0.665"/>
-              <dgm:constr type="h" for="ch" forName="txShp" refType="h" refFor="ch" refForName="imgShp" op="equ"/>
-              <dgm:constr type="ctrY" for="ch" forName="txShp" refType="h" fact="0.5"/>
-              <dgm:constr type="l" for="ch" forName="txShp" refType="w" refFor="ch" refForName="imgShp" fact="0.5"/>
-              <dgm:constr type="lMarg" for="ch" forName="txShp" refType="w" refFor="ch" refForName="imgShp" fact="1.25"/>
-            </dgm:constrLst>
-          </dgm:if>
-          <dgm:else name="Name3">
-            <dgm:constrLst>
-              <dgm:constr type="w" for="ch" forName="imgShp" refType="w" fact="0.335"/>
-              <dgm:constr type="h" for="ch" forName="imgShp" refType="w" refFor="ch" refForName="imgShp" op="equ"/>
-              <dgm:constr type="h" for="ch" forName="imgShp" refType="h" op="lte"/>
-              <dgm:constr type="ctrY" for="ch" forName="imgShp" refType="h" fact="0.5"/>
-              <dgm:constr type="r" for="ch" forName="imgShp" refType="w"/>
-              <dgm:constr type="w" for="ch" forName="txShp" refType="w" op="equ" fact="0.665"/>
-              <dgm:constr type="h" for="ch" forName="txShp" refType="h" refFor="ch" refForName="imgShp" op="equ"/>
-              <dgm:constr type="ctrY" for="ch" forName="txShp" refType="h" fact="0.5"/>
-              <dgm:constr type="r" for="ch" forName="txShp" refType="ctrX" refFor="ch" refForName="imgShp"/>
-              <dgm:constr type="rMarg" for="ch" forName="txShp" refType="w" refFor="ch" refForName="imgShp" fact="1.25"/>
-            </dgm:constrLst>
-          </dgm:else>
-        </dgm:choose>
-        <dgm:ruleLst/>
-        <dgm:layoutNode name="imgShp" styleLbl="fgImgPlace1">
-          <dgm:alg type="sp"/>
-          <dgm:shape xmlns:r="http://schemas.openxmlformats.org/officeDocument/2006/relationships" type="ellipse" r:blip="" blipPhldr="1">
-            <dgm:adjLst/>
-          </dgm:shape>
-          <dgm:presOf/>
-          <dgm:constrLst/>
-          <dgm:ruleLst/>
-        </dgm:layoutNode>
-        <dgm:layoutNode name="txShp">
-          <dgm:varLst>
-            <dgm:bulletEnabled val="1"/>
-          </dgm:varLst>
-          <dgm:alg type="tx"/>
-          <dgm:choose name="Name4">
-            <dgm:if name="Name5" func="var" arg="dir" op="equ" val="norm">
-              <dgm:shape xmlns:r="http://schemas.openxmlformats.org/officeDocument/2006/relationships" rot="180" type="homePlate" r:blip="" zOrderOff="-1">
-                <dgm:adjLst/>
-              </dgm:shape>
-            </dgm:if>
-            <dgm:else name="Name6">
-              <dgm:shape xmlns:r="http://schemas.openxmlformats.org/officeDocument/2006/relationships" type="homePlate" r:blip="" zOrderOff="-1">
-                <dgm:adjLst/>
-              </dgm:shape>
-            </dgm:else>
-          </dgm:choose>
-          <dgm:presOf axis="desOrSelf" ptType="node"/>
-          <dgm:constrLst>
-            <dgm:constr type="tMarg" refType="primFontSz" fact="0.3"/>
-            <dgm:constr type="bMarg" refType="primFontSz" fact="0.3"/>
-          </dgm:constrLst>
-          <dgm:ruleLst>
-            <dgm:rule type="primFontSz" val="5" fact="NaN" max="NaN"/>
-          </dgm:ruleLst>
-        </dgm:layoutNode>
-      </dgm:layoutNode>
-      <dgm:forEach name="Name7" axis="followSib" ptType="sibTrans" cnt="1">
-        <dgm:layoutNode name="spacing">
-          <dgm:alg type="sp"/>
-          <dgm:shape xmlns:r="http://schemas.openxmlformats.org/officeDocument/2006/relationships" r:blip="">
-            <dgm:adjLst/>
-          </dgm:shape>
-          <dgm:presOf axis="self"/>
-          <dgm:constrLst/>
-          <dgm:ruleLst/>
-        </dgm:layoutNode>
-      </dgm:forEach>
-    </dgm:forEach>
-  </dgm:layoutNode>
-</dgm:layoutDef>
-</file>
-
 <file path=ppt/diagrams/quickStyle1.xml><?xml version="1.0" encoding="utf-8"?>
 <dgm:styleDef xmlns:dgm="http://schemas.openxmlformats.org/drawingml/2006/diagram" xmlns:a="http://schemas.openxmlformats.org/drawingml/2006/main" uniqueId="urn:microsoft.com/office/officeart/2005/8/quickstyle/simple1">
   <dgm:title val=""/>
@@ -11768,1066 +10628,6 @@
         <a:scrgbClr r="0" g="0" b="0"/>
       </a:fillRef>
       <a:effectRef idx="0">
-        <a:scrgbClr r="0" g="0" b="0"/>
-      </a:effectRef>
-      <a:fontRef idx="minor"/>
-    </dgm:style>
-  </dgm:styleLbl>
-  <dgm:styleLbl name="revTx">
-    <dgm:scene3d>
-      <a:camera prst="orthographicFront"/>
-      <a:lightRig rig="threePt" dir="t"/>
-    </dgm:scene3d>
-    <dgm:sp3d/>
-    <dgm:txPr/>
-    <dgm:style>
-      <a:lnRef idx="0">
-        <a:scrgbClr r="0" g="0" b="0"/>
-      </a:lnRef>
-      <a:fillRef idx="0">
-        <a:scrgbClr r="0" g="0" b="0"/>
-      </a:fillRef>
-      <a:effectRef idx="0">
-        <a:scrgbClr r="0" g="0" b="0"/>
-      </a:effectRef>
-      <a:fontRef idx="minor"/>
-    </dgm:style>
-  </dgm:styleLbl>
-</dgm:styleDef>
-</file>
-
-<file path=ppt/diagrams/quickStyle4.xml><?xml version="1.0" encoding="utf-8"?>
-<dgm:styleDef xmlns:dgm="http://schemas.openxmlformats.org/drawingml/2006/diagram" xmlns:a="http://schemas.openxmlformats.org/drawingml/2006/main" uniqueId="urn:microsoft.com/office/officeart/2005/8/quickstyle/simple3">
-  <dgm:title val=""/>
-  <dgm:desc val=""/>
-  <dgm:catLst>
-    <dgm:cat type="simple" pri="10300"/>
-  </dgm:catLst>
-  <dgm:scene3d>
-    <a:camera prst="orthographicFront"/>
-    <a:lightRig rig="threePt" dir="t"/>
-  </dgm:scene3d>
-  <dgm:styleLbl name="node0">
-    <dgm:scene3d>
-      <a:camera prst="orthographicFront"/>
-      <a:lightRig rig="flat" dir="t"/>
-    </dgm:scene3d>
-    <dgm:sp3d prstMaterial="dkEdge">
-      <a:bevelT w="8200" h="38100"/>
-    </dgm:sp3d>
-    <dgm:txPr/>
-    <dgm:style>
-      <a:lnRef idx="0">
-        <a:scrgbClr r="0" g="0" b="0"/>
-      </a:lnRef>
-      <a:fillRef idx="2">
-        <a:scrgbClr r="0" g="0" b="0"/>
-      </a:fillRef>
-      <a:effectRef idx="1">
-        <a:scrgbClr r="0" g="0" b="0"/>
-      </a:effectRef>
-      <a:fontRef idx="minor">
-        <a:schemeClr val="dk1"/>
-      </a:fontRef>
-    </dgm:style>
-  </dgm:styleLbl>
-  <dgm:styleLbl name="lnNode1">
-    <dgm:scene3d>
-      <a:camera prst="orthographicFront"/>
-      <a:lightRig rig="flat" dir="t"/>
-    </dgm:scene3d>
-    <dgm:sp3d prstMaterial="dkEdge">
-      <a:bevelT w="8200" h="38100"/>
-    </dgm:sp3d>
-    <dgm:txPr/>
-    <dgm:style>
-      <a:lnRef idx="1">
-        <a:scrgbClr r="0" g="0" b="0"/>
-      </a:lnRef>
-      <a:fillRef idx="2">
-        <a:scrgbClr r="0" g="0" b="0"/>
-      </a:fillRef>
-      <a:effectRef idx="0">
-        <a:scrgbClr r="0" g="0" b="0"/>
-      </a:effectRef>
-      <a:fontRef idx="minor">
-        <a:schemeClr val="dk1"/>
-      </a:fontRef>
-    </dgm:style>
-  </dgm:styleLbl>
-  <dgm:styleLbl name="vennNode1">
-    <dgm:scene3d>
-      <a:camera prst="orthographicFront"/>
-      <a:lightRig rig="flat" dir="t"/>
-    </dgm:scene3d>
-    <dgm:sp3d prstMaterial="dkEdge">
-      <a:bevelT w="8200" h="38100"/>
-    </dgm:sp3d>
-    <dgm:txPr/>
-    <dgm:style>
-      <a:lnRef idx="0">
-        <a:scrgbClr r="0" g="0" b="0"/>
-      </a:lnRef>
-      <a:fillRef idx="2">
-        <a:scrgbClr r="0" g="0" b="0"/>
-      </a:fillRef>
-      <a:effectRef idx="0">
-        <a:scrgbClr r="0" g="0" b="0"/>
-      </a:effectRef>
-      <a:fontRef idx="minor">
-        <a:schemeClr val="tx1"/>
-      </a:fontRef>
-    </dgm:style>
-  </dgm:styleLbl>
-  <dgm:styleLbl name="alignNode1">
-    <dgm:scene3d>
-      <a:camera prst="orthographicFront"/>
-      <a:lightRig rig="threePt" dir="t"/>
-    </dgm:scene3d>
-    <dgm:sp3d/>
-    <dgm:txPr/>
-    <dgm:style>
-      <a:lnRef idx="1">
-        <a:scrgbClr r="0" g="0" b="0"/>
-      </a:lnRef>
-      <a:fillRef idx="2">
-        <a:scrgbClr r="0" g="0" b="0"/>
-      </a:fillRef>
-      <a:effectRef idx="1">
-        <a:scrgbClr r="0" g="0" b="0"/>
-      </a:effectRef>
-      <a:fontRef idx="minor">
-        <a:schemeClr val="dk1"/>
-      </a:fontRef>
-    </dgm:style>
-  </dgm:styleLbl>
-  <dgm:styleLbl name="node1">
-    <dgm:scene3d>
-      <a:camera prst="orthographicFront"/>
-      <a:lightRig rig="flat" dir="t"/>
-    </dgm:scene3d>
-    <dgm:sp3d prstMaterial="dkEdge">
-      <a:bevelT w="8200" h="38100"/>
-    </dgm:sp3d>
-    <dgm:txPr/>
-    <dgm:style>
-      <a:lnRef idx="0">
-        <a:scrgbClr r="0" g="0" b="0"/>
-      </a:lnRef>
-      <a:fillRef idx="2">
-        <a:scrgbClr r="0" g="0" b="0"/>
-      </a:fillRef>
-      <a:effectRef idx="1">
-        <a:scrgbClr r="0" g="0" b="0"/>
-      </a:effectRef>
-      <a:fontRef idx="minor">
-        <a:schemeClr val="dk1"/>
-      </a:fontRef>
-    </dgm:style>
-  </dgm:styleLbl>
-  <dgm:styleLbl name="node2">
-    <dgm:scene3d>
-      <a:camera prst="orthographicFront"/>
-      <a:lightRig rig="flat" dir="t"/>
-    </dgm:scene3d>
-    <dgm:sp3d prstMaterial="dkEdge">
-      <a:bevelT w="8200" h="38100"/>
-    </dgm:sp3d>
-    <dgm:txPr/>
-    <dgm:style>
-      <a:lnRef idx="0">
-        <a:scrgbClr r="0" g="0" b="0"/>
-      </a:lnRef>
-      <a:fillRef idx="2">
-        <a:scrgbClr r="0" g="0" b="0"/>
-      </a:fillRef>
-      <a:effectRef idx="1">
-        <a:scrgbClr r="0" g="0" b="0"/>
-      </a:effectRef>
-      <a:fontRef idx="minor">
-        <a:schemeClr val="dk1"/>
-      </a:fontRef>
-    </dgm:style>
-  </dgm:styleLbl>
-  <dgm:styleLbl name="node3">
-    <dgm:scene3d>
-      <a:camera prst="orthographicFront"/>
-      <a:lightRig rig="flat" dir="t"/>
-    </dgm:scene3d>
-    <dgm:sp3d prstMaterial="dkEdge">
-      <a:bevelT w="8200" h="38100"/>
-    </dgm:sp3d>
-    <dgm:txPr/>
-    <dgm:style>
-      <a:lnRef idx="0">
-        <a:scrgbClr r="0" g="0" b="0"/>
-      </a:lnRef>
-      <a:fillRef idx="2">
-        <a:scrgbClr r="0" g="0" b="0"/>
-      </a:fillRef>
-      <a:effectRef idx="1">
-        <a:scrgbClr r="0" g="0" b="0"/>
-      </a:effectRef>
-      <a:fontRef idx="minor">
-        <a:schemeClr val="dk1"/>
-      </a:fontRef>
-    </dgm:style>
-  </dgm:styleLbl>
-  <dgm:styleLbl name="node4">
-    <dgm:scene3d>
-      <a:camera prst="orthographicFront"/>
-      <a:lightRig rig="flat" dir="t"/>
-    </dgm:scene3d>
-    <dgm:sp3d prstMaterial="dkEdge">
-      <a:bevelT w="8200" h="38100"/>
-    </dgm:sp3d>
-    <dgm:txPr/>
-    <dgm:style>
-      <a:lnRef idx="0">
-        <a:scrgbClr r="0" g="0" b="0"/>
-      </a:lnRef>
-      <a:fillRef idx="2">
-        <a:scrgbClr r="0" g="0" b="0"/>
-      </a:fillRef>
-      <a:effectRef idx="1">
-        <a:scrgbClr r="0" g="0" b="0"/>
-      </a:effectRef>
-      <a:fontRef idx="minor">
-        <a:schemeClr val="dk1"/>
-      </a:fontRef>
-    </dgm:style>
-  </dgm:styleLbl>
-  <dgm:styleLbl name="fgImgPlace1">
-    <dgm:scene3d>
-      <a:camera prst="orthographicFront"/>
-      <a:lightRig rig="threePt" dir="t"/>
-    </dgm:scene3d>
-    <dgm:sp3d/>
-    <dgm:txPr/>
-    <dgm:style>
-      <a:lnRef idx="1">
-        <a:scrgbClr r="0" g="0" b="0"/>
-      </a:lnRef>
-      <a:fillRef idx="1">
-        <a:scrgbClr r="0" g="0" b="0"/>
-      </a:fillRef>
-      <a:effectRef idx="1">
-        <a:scrgbClr r="0" g="0" b="0"/>
-      </a:effectRef>
-      <a:fontRef idx="minor"/>
-    </dgm:style>
-  </dgm:styleLbl>
-  <dgm:styleLbl name="alignImgPlace1">
-    <dgm:scene3d>
-      <a:camera prst="orthographicFront"/>
-      <a:lightRig rig="threePt" dir="t"/>
-    </dgm:scene3d>
-    <dgm:sp3d/>
-    <dgm:txPr/>
-    <dgm:style>
-      <a:lnRef idx="1">
-        <a:scrgbClr r="0" g="0" b="0"/>
-      </a:lnRef>
-      <a:fillRef idx="1">
-        <a:scrgbClr r="0" g="0" b="0"/>
-      </a:fillRef>
-      <a:effectRef idx="1">
-        <a:scrgbClr r="0" g="0" b="0"/>
-      </a:effectRef>
-      <a:fontRef idx="minor"/>
-    </dgm:style>
-  </dgm:styleLbl>
-  <dgm:styleLbl name="bgImgPlace1">
-    <dgm:scene3d>
-      <a:camera prst="orthographicFront"/>
-      <a:lightRig rig="threePt" dir="t"/>
-    </dgm:scene3d>
-    <dgm:sp3d/>
-    <dgm:txPr/>
-    <dgm:style>
-      <a:lnRef idx="1">
-        <a:scrgbClr r="0" g="0" b="0"/>
-      </a:lnRef>
-      <a:fillRef idx="1">
-        <a:scrgbClr r="0" g="0" b="0"/>
-      </a:fillRef>
-      <a:effectRef idx="1">
-        <a:scrgbClr r="0" g="0" b="0"/>
-      </a:effectRef>
-      <a:fontRef idx="minor"/>
-    </dgm:style>
-  </dgm:styleLbl>
-  <dgm:styleLbl name="sibTrans2D1">
-    <dgm:scene3d>
-      <a:camera prst="orthographicFront"/>
-      <a:lightRig rig="threePt" dir="t"/>
-    </dgm:scene3d>
-    <dgm:sp3d/>
-    <dgm:txPr/>
-    <dgm:style>
-      <a:lnRef idx="0">
-        <a:scrgbClr r="0" g="0" b="0"/>
-      </a:lnRef>
-      <a:fillRef idx="2">
-        <a:scrgbClr r="0" g="0" b="0"/>
-      </a:fillRef>
-      <a:effectRef idx="1">
-        <a:scrgbClr r="0" g="0" b="0"/>
-      </a:effectRef>
-      <a:fontRef idx="minor">
-        <a:schemeClr val="dk1"/>
-      </a:fontRef>
-    </dgm:style>
-  </dgm:styleLbl>
-  <dgm:styleLbl name="fgSibTrans2D1">
-    <dgm:scene3d>
-      <a:camera prst="orthographicFront"/>
-      <a:lightRig rig="threePt" dir="t"/>
-    </dgm:scene3d>
-    <dgm:sp3d/>
-    <dgm:txPr/>
-    <dgm:style>
-      <a:lnRef idx="0">
-        <a:scrgbClr r="0" g="0" b="0"/>
-      </a:lnRef>
-      <a:fillRef idx="2">
-        <a:scrgbClr r="0" g="0" b="0"/>
-      </a:fillRef>
-      <a:effectRef idx="1">
-        <a:scrgbClr r="0" g="0" b="0"/>
-      </a:effectRef>
-      <a:fontRef idx="minor">
-        <a:schemeClr val="dk1"/>
-      </a:fontRef>
-    </dgm:style>
-  </dgm:styleLbl>
-  <dgm:styleLbl name="bgSibTrans2D1">
-    <dgm:scene3d>
-      <a:camera prst="orthographicFront"/>
-      <a:lightRig rig="threePt" dir="t"/>
-    </dgm:scene3d>
-    <dgm:sp3d/>
-    <dgm:txPr/>
-    <dgm:style>
-      <a:lnRef idx="0">
-        <a:scrgbClr r="0" g="0" b="0"/>
-      </a:lnRef>
-      <a:fillRef idx="2">
-        <a:scrgbClr r="0" g="0" b="0"/>
-      </a:fillRef>
-      <a:effectRef idx="1">
-        <a:scrgbClr r="0" g="0" b="0"/>
-      </a:effectRef>
-      <a:fontRef idx="minor">
-        <a:schemeClr val="dk1"/>
-      </a:fontRef>
-    </dgm:style>
-  </dgm:styleLbl>
-  <dgm:styleLbl name="sibTrans1D1">
-    <dgm:scene3d>
-      <a:camera prst="orthographicFront"/>
-      <a:lightRig rig="threePt" dir="t"/>
-    </dgm:scene3d>
-    <dgm:sp3d/>
-    <dgm:txPr/>
-    <dgm:style>
-      <a:lnRef idx="1">
-        <a:scrgbClr r="0" g="0" b="0"/>
-      </a:lnRef>
-      <a:fillRef idx="0">
-        <a:scrgbClr r="0" g="0" b="0"/>
-      </a:fillRef>
-      <a:effectRef idx="0">
-        <a:scrgbClr r="0" g="0" b="0"/>
-      </a:effectRef>
-      <a:fontRef idx="minor"/>
-    </dgm:style>
-  </dgm:styleLbl>
-  <dgm:styleLbl name="callout">
-    <dgm:scene3d>
-      <a:camera prst="orthographicFront"/>
-      <a:lightRig rig="threePt" dir="t"/>
-    </dgm:scene3d>
-    <dgm:sp3d/>
-    <dgm:txPr/>
-    <dgm:style>
-      <a:lnRef idx="1">
-        <a:scrgbClr r="0" g="0" b="0"/>
-      </a:lnRef>
-      <a:fillRef idx="2">
-        <a:scrgbClr r="0" g="0" b="0"/>
-      </a:fillRef>
-      <a:effectRef idx="1">
-        <a:scrgbClr r="0" g="0" b="0"/>
-      </a:effectRef>
-      <a:fontRef idx="minor"/>
-    </dgm:style>
-  </dgm:styleLbl>
-  <dgm:styleLbl name="asst0">
-    <dgm:scene3d>
-      <a:camera prst="orthographicFront"/>
-      <a:lightRig rig="flat" dir="t"/>
-    </dgm:scene3d>
-    <dgm:sp3d prstMaterial="dkEdge">
-      <a:bevelT w="8200" h="38100"/>
-    </dgm:sp3d>
-    <dgm:txPr/>
-    <dgm:style>
-      <a:lnRef idx="0">
-        <a:scrgbClr r="0" g="0" b="0"/>
-      </a:lnRef>
-      <a:fillRef idx="2">
-        <a:scrgbClr r="0" g="0" b="0"/>
-      </a:fillRef>
-      <a:effectRef idx="1">
-        <a:scrgbClr r="0" g="0" b="0"/>
-      </a:effectRef>
-      <a:fontRef idx="minor">
-        <a:schemeClr val="dk1"/>
-      </a:fontRef>
-    </dgm:style>
-  </dgm:styleLbl>
-  <dgm:styleLbl name="asst1">
-    <dgm:scene3d>
-      <a:camera prst="orthographicFront"/>
-      <a:lightRig rig="flat" dir="t"/>
-    </dgm:scene3d>
-    <dgm:sp3d prstMaterial="dkEdge">
-      <a:bevelT w="8200" h="38100"/>
-    </dgm:sp3d>
-    <dgm:txPr/>
-    <dgm:style>
-      <a:lnRef idx="0">
-        <a:scrgbClr r="0" g="0" b="0"/>
-      </a:lnRef>
-      <a:fillRef idx="2">
-        <a:scrgbClr r="0" g="0" b="0"/>
-      </a:fillRef>
-      <a:effectRef idx="1">
-        <a:scrgbClr r="0" g="0" b="0"/>
-      </a:effectRef>
-      <a:fontRef idx="minor">
-        <a:schemeClr val="dk1"/>
-      </a:fontRef>
-    </dgm:style>
-  </dgm:styleLbl>
-  <dgm:styleLbl name="asst2">
-    <dgm:scene3d>
-      <a:camera prst="orthographicFront"/>
-      <a:lightRig rig="flat" dir="t"/>
-    </dgm:scene3d>
-    <dgm:sp3d prstMaterial="dkEdge">
-      <a:bevelT w="8200" h="38100"/>
-    </dgm:sp3d>
-    <dgm:txPr/>
-    <dgm:style>
-      <a:lnRef idx="0">
-        <a:scrgbClr r="0" g="0" b="0"/>
-      </a:lnRef>
-      <a:fillRef idx="2">
-        <a:scrgbClr r="0" g="0" b="0"/>
-      </a:fillRef>
-      <a:effectRef idx="1">
-        <a:scrgbClr r="0" g="0" b="0"/>
-      </a:effectRef>
-      <a:fontRef idx="minor">
-        <a:schemeClr val="dk1"/>
-      </a:fontRef>
-    </dgm:style>
-  </dgm:styleLbl>
-  <dgm:styleLbl name="asst3">
-    <dgm:scene3d>
-      <a:camera prst="orthographicFront"/>
-      <a:lightRig rig="flat" dir="t"/>
-    </dgm:scene3d>
-    <dgm:sp3d prstMaterial="dkEdge">
-      <a:bevelT w="8200" h="38100"/>
-    </dgm:sp3d>
-    <dgm:txPr/>
-    <dgm:style>
-      <a:lnRef idx="0">
-        <a:scrgbClr r="0" g="0" b="0"/>
-      </a:lnRef>
-      <a:fillRef idx="2">
-        <a:scrgbClr r="0" g="0" b="0"/>
-      </a:fillRef>
-      <a:effectRef idx="1">
-        <a:scrgbClr r="0" g="0" b="0"/>
-      </a:effectRef>
-      <a:fontRef idx="minor">
-        <a:schemeClr val="dk1"/>
-      </a:fontRef>
-    </dgm:style>
-  </dgm:styleLbl>
-  <dgm:styleLbl name="asst4">
-    <dgm:scene3d>
-      <a:camera prst="orthographicFront"/>
-      <a:lightRig rig="flat" dir="t"/>
-    </dgm:scene3d>
-    <dgm:sp3d prstMaterial="dkEdge">
-      <a:bevelT w="8200" h="38100"/>
-    </dgm:sp3d>
-    <dgm:txPr/>
-    <dgm:style>
-      <a:lnRef idx="0">
-        <a:scrgbClr r="0" g="0" b="0"/>
-      </a:lnRef>
-      <a:fillRef idx="2">
-        <a:scrgbClr r="0" g="0" b="0"/>
-      </a:fillRef>
-      <a:effectRef idx="1">
-        <a:scrgbClr r="0" g="0" b="0"/>
-      </a:effectRef>
-      <a:fontRef idx="minor">
-        <a:schemeClr val="dk1"/>
-      </a:fontRef>
-    </dgm:style>
-  </dgm:styleLbl>
-  <dgm:styleLbl name="parChTrans2D1">
-    <dgm:scene3d>
-      <a:camera prst="orthographicFront"/>
-      <a:lightRig rig="threePt" dir="t"/>
-    </dgm:scene3d>
-    <dgm:sp3d/>
-    <dgm:txPr/>
-    <dgm:style>
-      <a:lnRef idx="1">
-        <a:scrgbClr r="0" g="0" b="0"/>
-      </a:lnRef>
-      <a:fillRef idx="2">
-        <a:scrgbClr r="0" g="0" b="0"/>
-      </a:fillRef>
-      <a:effectRef idx="1">
-        <a:scrgbClr r="0" g="0" b="0"/>
-      </a:effectRef>
-      <a:fontRef idx="minor">
-        <a:schemeClr val="dk1"/>
-      </a:fontRef>
-    </dgm:style>
-  </dgm:styleLbl>
-  <dgm:styleLbl name="parChTrans2D2">
-    <dgm:scene3d>
-      <a:camera prst="orthographicFront"/>
-      <a:lightRig rig="threePt" dir="t"/>
-    </dgm:scene3d>
-    <dgm:sp3d/>
-    <dgm:txPr/>
-    <dgm:style>
-      <a:lnRef idx="1">
-        <a:scrgbClr r="0" g="0" b="0"/>
-      </a:lnRef>
-      <a:fillRef idx="2">
-        <a:scrgbClr r="0" g="0" b="0"/>
-      </a:fillRef>
-      <a:effectRef idx="1">
-        <a:scrgbClr r="0" g="0" b="0"/>
-      </a:effectRef>
-      <a:fontRef idx="minor">
-        <a:schemeClr val="dk1"/>
-      </a:fontRef>
-    </dgm:style>
-  </dgm:styleLbl>
-  <dgm:styleLbl name="parChTrans2D3">
-    <dgm:scene3d>
-      <a:camera prst="orthographicFront"/>
-      <a:lightRig rig="threePt" dir="t"/>
-    </dgm:scene3d>
-    <dgm:sp3d/>
-    <dgm:txPr/>
-    <dgm:style>
-      <a:lnRef idx="1">
-        <a:scrgbClr r="0" g="0" b="0"/>
-      </a:lnRef>
-      <a:fillRef idx="2">
-        <a:scrgbClr r="0" g="0" b="0"/>
-      </a:fillRef>
-      <a:effectRef idx="1">
-        <a:scrgbClr r="0" g="0" b="0"/>
-      </a:effectRef>
-      <a:fontRef idx="minor">
-        <a:schemeClr val="dk1"/>
-      </a:fontRef>
-    </dgm:style>
-  </dgm:styleLbl>
-  <dgm:styleLbl name="parChTrans2D4">
-    <dgm:scene3d>
-      <a:camera prst="orthographicFront"/>
-      <a:lightRig rig="threePt" dir="t"/>
-    </dgm:scene3d>
-    <dgm:sp3d/>
-    <dgm:txPr/>
-    <dgm:style>
-      <a:lnRef idx="1">
-        <a:scrgbClr r="0" g="0" b="0"/>
-      </a:lnRef>
-      <a:fillRef idx="2">
-        <a:scrgbClr r="0" g="0" b="0"/>
-      </a:fillRef>
-      <a:effectRef idx="1">
-        <a:scrgbClr r="0" g="0" b="0"/>
-      </a:effectRef>
-      <a:fontRef idx="minor">
-        <a:schemeClr val="dk1"/>
-      </a:fontRef>
-    </dgm:style>
-  </dgm:styleLbl>
-  <dgm:styleLbl name="parChTrans1D1">
-    <dgm:scene3d>
-      <a:camera prst="orthographicFront"/>
-      <a:lightRig rig="threePt" dir="t"/>
-    </dgm:scene3d>
-    <dgm:sp3d/>
-    <dgm:txPr/>
-    <dgm:style>
-      <a:lnRef idx="2">
-        <a:scrgbClr r="0" g="0" b="0"/>
-      </a:lnRef>
-      <a:fillRef idx="0">
-        <a:scrgbClr r="0" g="0" b="0"/>
-      </a:fillRef>
-      <a:effectRef idx="0">
-        <a:scrgbClr r="0" g="0" b="0"/>
-      </a:effectRef>
-      <a:fontRef idx="minor"/>
-    </dgm:style>
-  </dgm:styleLbl>
-  <dgm:styleLbl name="parChTrans1D2">
-    <dgm:scene3d>
-      <a:camera prst="orthographicFront"/>
-      <a:lightRig rig="threePt" dir="t"/>
-    </dgm:scene3d>
-    <dgm:sp3d/>
-    <dgm:txPr/>
-    <dgm:style>
-      <a:lnRef idx="2">
-        <a:scrgbClr r="0" g="0" b="0"/>
-      </a:lnRef>
-      <a:fillRef idx="0">
-        <a:scrgbClr r="0" g="0" b="0"/>
-      </a:fillRef>
-      <a:effectRef idx="0">
-        <a:scrgbClr r="0" g="0" b="0"/>
-      </a:effectRef>
-      <a:fontRef idx="minor"/>
-    </dgm:style>
-  </dgm:styleLbl>
-  <dgm:styleLbl name="parChTrans1D3">
-    <dgm:scene3d>
-      <a:camera prst="orthographicFront"/>
-      <a:lightRig rig="threePt" dir="t"/>
-    </dgm:scene3d>
-    <dgm:sp3d/>
-    <dgm:txPr/>
-    <dgm:style>
-      <a:lnRef idx="2">
-        <a:scrgbClr r="0" g="0" b="0"/>
-      </a:lnRef>
-      <a:fillRef idx="0">
-        <a:scrgbClr r="0" g="0" b="0"/>
-      </a:fillRef>
-      <a:effectRef idx="0">
-        <a:scrgbClr r="0" g="0" b="0"/>
-      </a:effectRef>
-      <a:fontRef idx="minor"/>
-    </dgm:style>
-  </dgm:styleLbl>
-  <dgm:styleLbl name="parChTrans1D4">
-    <dgm:scene3d>
-      <a:camera prst="orthographicFront"/>
-      <a:lightRig rig="threePt" dir="t"/>
-    </dgm:scene3d>
-    <dgm:sp3d/>
-    <dgm:txPr/>
-    <dgm:style>
-      <a:lnRef idx="2">
-        <a:scrgbClr r="0" g="0" b="0"/>
-      </a:lnRef>
-      <a:fillRef idx="0">
-        <a:scrgbClr r="0" g="0" b="0"/>
-      </a:fillRef>
-      <a:effectRef idx="0">
-        <a:scrgbClr r="0" g="0" b="0"/>
-      </a:effectRef>
-      <a:fontRef idx="minor"/>
-    </dgm:style>
-  </dgm:styleLbl>
-  <dgm:styleLbl name="fgAcc1">
-    <dgm:scene3d>
-      <a:camera prst="orthographicFront"/>
-      <a:lightRig rig="threePt" dir="t"/>
-    </dgm:scene3d>
-    <dgm:sp3d/>
-    <dgm:txPr/>
-    <dgm:style>
-      <a:lnRef idx="1">
-        <a:scrgbClr r="0" g="0" b="0"/>
-      </a:lnRef>
-      <a:fillRef idx="1">
-        <a:scrgbClr r="0" g="0" b="0"/>
-      </a:fillRef>
-      <a:effectRef idx="0">
-        <a:scrgbClr r="0" g="0" b="0"/>
-      </a:effectRef>
-      <a:fontRef idx="minor"/>
-    </dgm:style>
-  </dgm:styleLbl>
-  <dgm:styleLbl name="conFgAcc1">
-    <dgm:scene3d>
-      <a:camera prst="orthographicFront"/>
-      <a:lightRig rig="threePt" dir="t"/>
-    </dgm:scene3d>
-    <dgm:sp3d/>
-    <dgm:txPr/>
-    <dgm:style>
-      <a:lnRef idx="1">
-        <a:scrgbClr r="0" g="0" b="0"/>
-      </a:lnRef>
-      <a:fillRef idx="1">
-        <a:scrgbClr r="0" g="0" b="0"/>
-      </a:fillRef>
-      <a:effectRef idx="0">
-        <a:scrgbClr r="0" g="0" b="0"/>
-      </a:effectRef>
-      <a:fontRef idx="minor"/>
-    </dgm:style>
-  </dgm:styleLbl>
-  <dgm:styleLbl name="alignAcc1">
-    <dgm:scene3d>
-      <a:camera prst="orthographicFront"/>
-      <a:lightRig rig="threePt" dir="t"/>
-    </dgm:scene3d>
-    <dgm:sp3d/>
-    <dgm:txPr/>
-    <dgm:style>
-      <a:lnRef idx="1">
-        <a:scrgbClr r="0" g="0" b="0"/>
-      </a:lnRef>
-      <a:fillRef idx="1">
-        <a:scrgbClr r="0" g="0" b="0"/>
-      </a:fillRef>
-      <a:effectRef idx="0">
-        <a:scrgbClr r="0" g="0" b="0"/>
-      </a:effectRef>
-      <a:fontRef idx="minor"/>
-    </dgm:style>
-  </dgm:styleLbl>
-  <dgm:styleLbl name="trAlignAcc1">
-    <dgm:scene3d>
-      <a:camera prst="orthographicFront"/>
-      <a:lightRig rig="threePt" dir="t"/>
-    </dgm:scene3d>
-    <dgm:sp3d/>
-    <dgm:txPr/>
-    <dgm:style>
-      <a:lnRef idx="1">
-        <a:scrgbClr r="0" g="0" b="0"/>
-      </a:lnRef>
-      <a:fillRef idx="1">
-        <a:scrgbClr r="0" g="0" b="0"/>
-      </a:fillRef>
-      <a:effectRef idx="0">
-        <a:scrgbClr r="0" g="0" b="0"/>
-      </a:effectRef>
-      <a:fontRef idx="minor"/>
-    </dgm:style>
-  </dgm:styleLbl>
-  <dgm:styleLbl name="bgAcc1">
-    <dgm:scene3d>
-      <a:camera prst="orthographicFront"/>
-      <a:lightRig rig="threePt" dir="t"/>
-    </dgm:scene3d>
-    <dgm:sp3d/>
-    <dgm:txPr/>
-    <dgm:style>
-      <a:lnRef idx="1">
-        <a:scrgbClr r="0" g="0" b="0"/>
-      </a:lnRef>
-      <a:fillRef idx="1">
-        <a:scrgbClr r="0" g="0" b="0"/>
-      </a:fillRef>
-      <a:effectRef idx="0">
-        <a:scrgbClr r="0" g="0" b="0"/>
-      </a:effectRef>
-      <a:fontRef idx="minor"/>
-    </dgm:style>
-  </dgm:styleLbl>
-  <dgm:styleLbl name="solidFgAcc1">
-    <dgm:scene3d>
-      <a:camera prst="orthographicFront"/>
-      <a:lightRig rig="threePt" dir="t"/>
-    </dgm:scene3d>
-    <dgm:sp3d/>
-    <dgm:txPr/>
-    <dgm:style>
-      <a:lnRef idx="1">
-        <a:scrgbClr r="0" g="0" b="0"/>
-      </a:lnRef>
-      <a:fillRef idx="2">
-        <a:scrgbClr r="0" g="0" b="0"/>
-      </a:fillRef>
-      <a:effectRef idx="0">
-        <a:scrgbClr r="0" g="0" b="0"/>
-      </a:effectRef>
-      <a:fontRef idx="minor"/>
-    </dgm:style>
-  </dgm:styleLbl>
-  <dgm:styleLbl name="solidAlignAcc1">
-    <dgm:scene3d>
-      <a:camera prst="orthographicFront"/>
-      <a:lightRig rig="threePt" dir="t"/>
-    </dgm:scene3d>
-    <dgm:sp3d/>
-    <dgm:txPr/>
-    <dgm:style>
-      <a:lnRef idx="1">
-        <a:scrgbClr r="0" g="0" b="0"/>
-      </a:lnRef>
-      <a:fillRef idx="1">
-        <a:scrgbClr r="0" g="0" b="0"/>
-      </a:fillRef>
-      <a:effectRef idx="0">
-        <a:scrgbClr r="0" g="0" b="0"/>
-      </a:effectRef>
-      <a:fontRef idx="minor"/>
-    </dgm:style>
-  </dgm:styleLbl>
-  <dgm:styleLbl name="solidBgAcc1">
-    <dgm:scene3d>
-      <a:camera prst="orthographicFront"/>
-      <a:lightRig rig="threePt" dir="t"/>
-    </dgm:scene3d>
-    <dgm:sp3d/>
-    <dgm:txPr/>
-    <dgm:style>
-      <a:lnRef idx="1">
-        <a:scrgbClr r="0" g="0" b="0"/>
-      </a:lnRef>
-      <a:fillRef idx="1">
-        <a:scrgbClr r="0" g="0" b="0"/>
-      </a:fillRef>
-      <a:effectRef idx="0">
-        <a:scrgbClr r="0" g="0" b="0"/>
-      </a:effectRef>
-      <a:fontRef idx="minor"/>
-    </dgm:style>
-  </dgm:styleLbl>
-  <dgm:styleLbl name="fgAccFollowNode1">
-    <dgm:scene3d>
-      <a:camera prst="orthographicFront"/>
-      <a:lightRig rig="threePt" dir="t"/>
-    </dgm:scene3d>
-    <dgm:sp3d/>
-    <dgm:txPr/>
-    <dgm:style>
-      <a:lnRef idx="1">
-        <a:scrgbClr r="0" g="0" b="0"/>
-      </a:lnRef>
-      <a:fillRef idx="1">
-        <a:scrgbClr r="0" g="0" b="0"/>
-      </a:fillRef>
-      <a:effectRef idx="0">
-        <a:scrgbClr r="0" g="0" b="0"/>
-      </a:effectRef>
-      <a:fontRef idx="minor"/>
-    </dgm:style>
-  </dgm:styleLbl>
-  <dgm:styleLbl name="alignAccFollowNode1">
-    <dgm:scene3d>
-      <a:camera prst="orthographicFront"/>
-      <a:lightRig rig="threePt" dir="t"/>
-    </dgm:scene3d>
-    <dgm:sp3d/>
-    <dgm:txPr/>
-    <dgm:style>
-      <a:lnRef idx="1">
-        <a:scrgbClr r="0" g="0" b="0"/>
-      </a:lnRef>
-      <a:fillRef idx="1">
-        <a:scrgbClr r="0" g="0" b="0"/>
-      </a:fillRef>
-      <a:effectRef idx="0">
-        <a:scrgbClr r="0" g="0" b="0"/>
-      </a:effectRef>
-      <a:fontRef idx="minor"/>
-    </dgm:style>
-  </dgm:styleLbl>
-  <dgm:styleLbl name="bgAccFollowNode1">
-    <dgm:scene3d>
-      <a:camera prst="orthographicFront"/>
-      <a:lightRig rig="threePt" dir="t"/>
-    </dgm:scene3d>
-    <dgm:sp3d/>
-    <dgm:txPr/>
-    <dgm:style>
-      <a:lnRef idx="1">
-        <a:scrgbClr r="0" g="0" b="0"/>
-      </a:lnRef>
-      <a:fillRef idx="1">
-        <a:scrgbClr r="0" g="0" b="0"/>
-      </a:fillRef>
-      <a:effectRef idx="0">
-        <a:scrgbClr r="0" g="0" b="0"/>
-      </a:effectRef>
-      <a:fontRef idx="minor"/>
-    </dgm:style>
-  </dgm:styleLbl>
-  <dgm:styleLbl name="fgAcc0">
-    <dgm:scene3d>
-      <a:camera prst="orthographicFront"/>
-      <a:lightRig rig="threePt" dir="t"/>
-    </dgm:scene3d>
-    <dgm:sp3d/>
-    <dgm:txPr/>
-    <dgm:style>
-      <a:lnRef idx="1">
-        <a:scrgbClr r="0" g="0" b="0"/>
-      </a:lnRef>
-      <a:fillRef idx="1">
-        <a:scrgbClr r="0" g="0" b="0"/>
-      </a:fillRef>
-      <a:effectRef idx="0">
-        <a:scrgbClr r="0" g="0" b="0"/>
-      </a:effectRef>
-      <a:fontRef idx="minor"/>
-    </dgm:style>
-  </dgm:styleLbl>
-  <dgm:styleLbl name="fgAcc2">
-    <dgm:scene3d>
-      <a:camera prst="orthographicFront"/>
-      <a:lightRig rig="threePt" dir="t"/>
-    </dgm:scene3d>
-    <dgm:sp3d/>
-    <dgm:txPr/>
-    <dgm:style>
-      <a:lnRef idx="1">
-        <a:scrgbClr r="0" g="0" b="0"/>
-      </a:lnRef>
-      <a:fillRef idx="1">
-        <a:scrgbClr r="0" g="0" b="0"/>
-      </a:fillRef>
-      <a:effectRef idx="0">
-        <a:scrgbClr r="0" g="0" b="0"/>
-      </a:effectRef>
-      <a:fontRef idx="minor"/>
-    </dgm:style>
-  </dgm:styleLbl>
-  <dgm:styleLbl name="fgAcc3">
-    <dgm:scene3d>
-      <a:camera prst="orthographicFront"/>
-      <a:lightRig rig="threePt" dir="t"/>
-    </dgm:scene3d>
-    <dgm:sp3d/>
-    <dgm:txPr/>
-    <dgm:style>
-      <a:lnRef idx="1">
-        <a:scrgbClr r="0" g="0" b="0"/>
-      </a:lnRef>
-      <a:fillRef idx="1">
-        <a:scrgbClr r="0" g="0" b="0"/>
-      </a:fillRef>
-      <a:effectRef idx="0">
-        <a:scrgbClr r="0" g="0" b="0"/>
-      </a:effectRef>
-      <a:fontRef idx="minor"/>
-    </dgm:style>
-  </dgm:styleLbl>
-  <dgm:styleLbl name="fgAcc4">
-    <dgm:scene3d>
-      <a:camera prst="orthographicFront"/>
-      <a:lightRig rig="threePt" dir="t"/>
-    </dgm:scene3d>
-    <dgm:sp3d/>
-    <dgm:txPr/>
-    <dgm:style>
-      <a:lnRef idx="1">
-        <a:scrgbClr r="0" g="0" b="0"/>
-      </a:lnRef>
-      <a:fillRef idx="1">
-        <a:scrgbClr r="0" g="0" b="0"/>
-      </a:fillRef>
-      <a:effectRef idx="0">
-        <a:scrgbClr r="0" g="0" b="0"/>
-      </a:effectRef>
-      <a:fontRef idx="minor"/>
-    </dgm:style>
-  </dgm:styleLbl>
-  <dgm:styleLbl name="bgShp">
-    <dgm:scene3d>
-      <a:camera prst="orthographicFront"/>
-      <a:lightRig rig="threePt" dir="t"/>
-    </dgm:scene3d>
-    <dgm:sp3d/>
-    <dgm:txPr/>
-    <dgm:style>
-      <a:lnRef idx="0">
-        <a:scrgbClr r="0" g="0" b="0"/>
-      </a:lnRef>
-      <a:fillRef idx="1">
-        <a:scrgbClr r="0" g="0" b="0"/>
-      </a:fillRef>
-      <a:effectRef idx="1">
-        <a:scrgbClr r="0" g="0" b="0"/>
-      </a:effectRef>
-      <a:fontRef idx="minor"/>
-    </dgm:style>
-  </dgm:styleLbl>
-  <dgm:styleLbl name="dkBgShp">
-    <dgm:scene3d>
-      <a:camera prst="orthographicFront"/>
-      <a:lightRig rig="threePt" dir="t"/>
-    </dgm:scene3d>
-    <dgm:sp3d/>
-    <dgm:txPr/>
-    <dgm:style>
-      <a:lnRef idx="0">
-        <a:scrgbClr r="0" g="0" b="0"/>
-      </a:lnRef>
-      <a:fillRef idx="1">
-        <a:scrgbClr r="0" g="0" b="0"/>
-      </a:fillRef>
-      <a:effectRef idx="1">
-        <a:scrgbClr r="0" g="0" b="0"/>
-      </a:effectRef>
-      <a:fontRef idx="minor"/>
-    </dgm:style>
-  </dgm:styleLbl>
-  <dgm:styleLbl name="trBgShp">
-    <dgm:scene3d>
-      <a:camera prst="orthographicFront"/>
-      <a:lightRig rig="threePt" dir="t"/>
-    </dgm:scene3d>
-    <dgm:sp3d/>
-    <dgm:txPr/>
-    <dgm:style>
-      <a:lnRef idx="0">
-        <a:scrgbClr r="0" g="0" b="0"/>
-      </a:lnRef>
-      <a:fillRef idx="1">
-        <a:scrgbClr r="0" g="0" b="0"/>
-      </a:fillRef>
-      <a:effectRef idx="0">
-        <a:scrgbClr r="0" g="0" b="0"/>
-      </a:effectRef>
-      <a:fontRef idx="minor"/>
-    </dgm:style>
-  </dgm:styleLbl>
-  <dgm:styleLbl name="fgShp">
-    <dgm:scene3d>
-      <a:camera prst="orthographicFront"/>
-      <a:lightRig rig="flat" dir="t"/>
-    </dgm:scene3d>
-    <dgm:sp3d prstMaterial="dkEdge">
-      <a:bevelT w="8200" h="38100"/>
-    </dgm:sp3d>
-    <dgm:txPr/>
-    <dgm:style>
-      <a:lnRef idx="1">
-        <a:scrgbClr r="0" g="0" b="0"/>
-      </a:lnRef>
-      <a:fillRef idx="2">
-        <a:scrgbClr r="0" g="0" b="0"/>
-      </a:fillRef>
-      <a:effectRef idx="1">
         <a:scrgbClr r="0" g="0" b="0"/>
       </a:effectRef>
       <a:fontRef idx="minor"/>
@@ -20820,7 +18620,7 @@
         <p:spPr>
           <a:xfrm>
             <a:off x="1325217" y="708487"/>
-            <a:ext cx="9939131" cy="4031873"/>
+            <a:ext cx="9939131" cy="6247864"/>
           </a:xfrm>
           <a:prstGeom prst="rect">
             <a:avLst/>
@@ -20918,15 +18718,159 @@
                 </a:effectLst>
                 <a:latin typeface="Berlin Sans FB" panose="020E0602020502020306" pitchFamily="34" charset="0"/>
               </a:rPr>
-              <a:t>POS</a:t>
+              <a:t>POS </a:t>
             </a:r>
+          </a:p>
+          <a:p>
+            <a:pPr algn="ctr"/>
+            <a:r>
+              <a:rPr lang="fr-FR" sz="2000" dirty="0">
+                <a:effectLst>
+                  <a:outerShdw blurRad="38100" dist="38100" dir="2700000" algn="tl">
+                    <a:srgbClr val="000000">
+                      <a:alpha val="43137"/>
+                    </a:srgbClr>
+                  </a:outerShdw>
+                </a:effectLst>
+                <a:latin typeface="Berlin Sans FB" panose="020E0602020502020306" pitchFamily="34" charset="0"/>
+              </a:rPr>
+              <a:t>Par </a:t>
+            </a:r>
+            <a:r>
+              <a:rPr lang="fr-FR" sz="4000" b="1" dirty="0">
+                <a:effectLst>
+                  <a:outerShdw blurRad="38100" dist="38100" dir="2700000" algn="tl">
+                    <a:srgbClr val="000000">
+                      <a:alpha val="43137"/>
+                    </a:srgbClr>
+                  </a:outerShdw>
+                </a:effectLst>
+                <a:latin typeface="Arial Rounded MT Bold" panose="020F0704030504030204" pitchFamily="34" charset="0"/>
+              </a:rPr>
+              <a:t>STEVE BERTRAND</a:t>
+            </a:r>
+          </a:p>
+          <a:p>
+            <a:pPr algn="ctr"/>
+            <a:r>
+              <a:rPr lang="fr-FR" sz="4000" b="1" dirty="0">
+                <a:effectLst>
+                  <a:outerShdw blurRad="38100" dist="38100" dir="2700000" algn="tl">
+                    <a:srgbClr val="000000">
+                      <a:alpha val="43137"/>
+                    </a:srgbClr>
+                  </a:outerShdw>
+                </a:effectLst>
+                <a:latin typeface="Arial Rounded MT Bold" panose="020F0704030504030204" pitchFamily="34" charset="0"/>
+              </a:rPr>
+              <a:t>ETOUNDI MINALA</a:t>
+            </a:r>
+            <a:endParaRPr lang="fr-FR" sz="1600" b="1" dirty="0">
+              <a:effectLst>
+                <a:outerShdw blurRad="38100" dist="38100" dir="2700000" algn="tl">
+                  <a:srgbClr val="000000">
+                    <a:alpha val="43137"/>
+                  </a:srgbClr>
+                </a:outerShdw>
+              </a:effectLst>
+              <a:latin typeface="Arial Rounded MT Bold" panose="020F0704030504030204" pitchFamily="34" charset="0"/>
+            </a:endParaRPr>
+          </a:p>
+          <a:p>
+            <a:endParaRPr lang="fr-FR" sz="1600" dirty="0">
+              <a:effectLst>
+                <a:outerShdw blurRad="38100" dist="38100" dir="2700000" algn="tl">
+                  <a:srgbClr val="000000">
+                    <a:alpha val="43137"/>
+                  </a:srgbClr>
+                </a:outerShdw>
+              </a:effectLst>
+              <a:latin typeface="Arial Rounded MT Bold" panose="020F0704030504030204" pitchFamily="34" charset="0"/>
+            </a:endParaRPr>
+          </a:p>
+          <a:p>
+            <a:r>
+              <a:rPr lang="fr-FR" sz="1600" dirty="0">
+                <a:effectLst>
+                  <a:outerShdw blurRad="38100" dist="38100" dir="2700000" algn="tl">
+                    <a:srgbClr val="000000">
+                      <a:alpha val="43137"/>
+                    </a:srgbClr>
+                  </a:outerShdw>
+                </a:effectLst>
+                <a:latin typeface="Arial Rounded MT Bold" panose="020F0704030504030204" pitchFamily="34" charset="0"/>
+              </a:rPr>
+              <a:t>Lien </a:t>
+            </a:r>
+            <a:r>
+              <a:rPr lang="fr-FR" sz="1600" dirty="0" err="1">
+                <a:effectLst>
+                  <a:outerShdw blurRad="38100" dist="38100" dir="2700000" algn="tl">
+                    <a:srgbClr val="000000">
+                      <a:alpha val="43137"/>
+                    </a:srgbClr>
+                  </a:outerShdw>
+                </a:effectLst>
+                <a:latin typeface="Arial Rounded MT Bold" panose="020F0704030504030204" pitchFamily="34" charset="0"/>
+              </a:rPr>
+              <a:t>Github</a:t>
+            </a:r>
+            <a:r>
+              <a:rPr lang="fr-FR" sz="1600" dirty="0">
+                <a:effectLst>
+                  <a:outerShdw blurRad="38100" dist="38100" dir="2700000" algn="tl">
+                    <a:srgbClr val="000000">
+                      <a:alpha val="43137"/>
+                    </a:srgbClr>
+                  </a:outerShdw>
+                </a:effectLst>
+                <a:latin typeface="Arial Rounded MT Bold" panose="020F0704030504030204" pitchFamily="34" charset="0"/>
+              </a:rPr>
+              <a:t> : https://github.com/StiviLink/3wa-pos/tree/Dev</a:t>
+            </a:r>
+            <a:endParaRPr lang="fr-FR" sz="4000" dirty="0">
+              <a:effectLst>
+                <a:outerShdw blurRad="38100" dist="38100" dir="2700000" algn="tl">
+                  <a:srgbClr val="000000">
+                    <a:alpha val="43137"/>
+                  </a:srgbClr>
+                </a:outerShdw>
+              </a:effectLst>
+              <a:latin typeface="Arial Rounded MT Bold" panose="020F0704030504030204" pitchFamily="34" charset="0"/>
+            </a:endParaRPr>
+          </a:p>
+          <a:p>
+            <a:pPr algn="ctr"/>
+            <a:endParaRPr lang="fr-FR" sz="2000" dirty="0">
+              <a:effectLst>
+                <a:outerShdw blurRad="38100" dist="38100" dir="2700000" algn="tl">
+                  <a:srgbClr val="000000">
+                    <a:alpha val="43137"/>
+                  </a:srgbClr>
+                </a:outerShdw>
+              </a:effectLst>
+              <a:latin typeface="Berlin Sans FB" panose="020E0602020502020306" pitchFamily="34" charset="0"/>
+            </a:endParaRPr>
+          </a:p>
+          <a:p>
+            <a:pPr algn="ctr"/>
+            <a:endParaRPr lang="fr-FR" sz="1200" b="1" dirty="0">
+              <a:effectLst>
+                <a:outerShdw blurRad="38100" dist="38100" dir="2700000" algn="tl">
+                  <a:srgbClr val="000000">
+                    <a:alpha val="43137"/>
+                  </a:srgbClr>
+                </a:outerShdw>
+              </a:effectLst>
+              <a:latin typeface="Berlin Sans FB" panose="020E0602020502020306" pitchFamily="34" charset="0"/>
+            </a:endParaRPr>
           </a:p>
         </p:txBody>
       </p:sp>
     </p:spTree>
     <p:extLst>
       <p:ext uri="{BB962C8B-B14F-4D97-AF65-F5344CB8AC3E}">
-        <p14:creationId xmlns:p14="http://schemas.microsoft.com/office/powerpoint/2010/main" val="1428896642"/>
+        <p14:creationId xmlns:p14="http://schemas.microsoft.com/office/powerpoint/2010/main" val="4169164439"/>
       </p:ext>
     </p:extLst>
   </p:cSld>
@@ -20970,8 +18914,8 @@
         </p:nvSpPr>
         <p:spPr>
           <a:xfrm>
-            <a:off x="93789" y="142579"/>
-            <a:ext cx="2518782" cy="461665"/>
+            <a:off x="93788" y="142579"/>
+            <a:ext cx="2954211" cy="461665"/>
           </a:xfrm>
           <a:prstGeom prst="rect">
             <a:avLst/>
@@ -20996,7 +18940,7 @@
             <a:pPr algn="ctr"/>
             <a:r>
               <a:rPr lang="fr-FR" sz="2400" b="1" dirty="0"/>
-              <a:t>PRESENTATION</a:t>
+              <a:t>FONCTIONNALITES</a:t>
             </a:r>
           </a:p>
         </p:txBody>
@@ -21051,8 +18995,8 @@
         </p:nvSpPr>
         <p:spPr>
           <a:xfrm>
-            <a:off x="3599738" y="6012356"/>
-            <a:ext cx="6710453" cy="461665"/>
+            <a:off x="3599738" y="5880276"/>
+            <a:ext cx="6710453" cy="830997"/>
           </a:xfrm>
           <a:prstGeom prst="rect">
             <a:avLst/>
@@ -21068,17 +19012,17 @@
             <a:pPr algn="ctr"/>
             <a:r>
               <a:rPr lang="fr-FR" sz="2400" b="1" dirty="0"/>
-              <a:t>CHOIX DU MOYEN DE PAIEMENT</a:t>
+              <a:t>INTERFACE D’IMPRESSION ET D’ENVOI DE FACTURE PAR EMAIL</a:t>
             </a:r>
           </a:p>
         </p:txBody>
       </p:sp>
       <p:pic>
         <p:nvPicPr>
-          <p:cNvPr id="7" name="Image 6">
+          <p:cNvPr id="5" name="Image 4">
             <a:extLst>
               <a:ext uri="{FF2B5EF4-FFF2-40B4-BE49-F238E27FC236}">
-                <a16:creationId xmlns:a16="http://schemas.microsoft.com/office/drawing/2014/main" id="{11419246-C310-8FD1-1D00-14FF194EC2C1}"/>
+                <a16:creationId xmlns:a16="http://schemas.microsoft.com/office/drawing/2014/main" id="{A4F2FA37-B6AA-C57B-7389-925284606030}"/>
               </a:ext>
             </a:extLst>
           </p:cNvPr>
@@ -21095,8 +19039,8 @@
         </p:blipFill>
         <p:spPr>
           <a:xfrm>
-            <a:off x="3881718" y="1394468"/>
-            <a:ext cx="5791200" cy="2370708"/>
+            <a:off x="3908612" y="1371601"/>
+            <a:ext cx="5737412" cy="2456330"/>
           </a:xfrm>
           <a:prstGeom prst="rect">
             <a:avLst/>
@@ -21106,7 +19050,7 @@
     </p:spTree>
     <p:extLst>
       <p:ext uri="{BB962C8B-B14F-4D97-AF65-F5344CB8AC3E}">
-        <p14:creationId xmlns:p14="http://schemas.microsoft.com/office/powerpoint/2010/main" val="24239399"/>
+        <p14:creationId xmlns:p14="http://schemas.microsoft.com/office/powerpoint/2010/main" val="3865176323"/>
       </p:ext>
     </p:extLst>
   </p:cSld>
@@ -21150,8 +19094,8 @@
         </p:nvSpPr>
         <p:spPr>
           <a:xfrm>
-            <a:off x="93789" y="142579"/>
-            <a:ext cx="2518782" cy="461665"/>
+            <a:off x="93788" y="142579"/>
+            <a:ext cx="3005011" cy="461665"/>
           </a:xfrm>
           <a:prstGeom prst="rect">
             <a:avLst/>
@@ -21176,7 +19120,151 @@
             <a:pPr algn="ctr"/>
             <a:r>
               <a:rPr lang="fr-FR" sz="2400" b="1" dirty="0"/>
-              <a:t>PRESENTATION</a:t>
+              <a:t>FONCTIONNALITES</a:t>
+            </a:r>
+          </a:p>
+        </p:txBody>
+      </p:sp>
+      <p:sp>
+        <p:nvSpPr>
+          <p:cNvPr id="15" name="ZoneTexte 14">
+            <a:extLst>
+              <a:ext uri="{FF2B5EF4-FFF2-40B4-BE49-F238E27FC236}">
+                <a16:creationId xmlns:a16="http://schemas.microsoft.com/office/drawing/2014/main" id="{99CBDD06-A606-059B-D0B1-10BFC6DB6A79}"/>
+              </a:ext>
+            </a:extLst>
+          </p:cNvPr>
+          <p:cNvSpPr txBox="1"/>
+          <p:nvPr/>
+        </p:nvSpPr>
+        <p:spPr>
+          <a:xfrm>
+            <a:off x="3012184" y="5758960"/>
+            <a:ext cx="7696455" cy="830997"/>
+          </a:xfrm>
+          <a:prstGeom prst="rect">
+            <a:avLst/>
+          </a:prstGeom>
+          <a:noFill/>
+        </p:spPr>
+        <p:txBody>
+          <a:bodyPr wrap="square" rtlCol="0">
+            <a:spAutoFit/>
+          </a:bodyPr>
+          <a:lstStyle/>
+          <a:p>
+            <a:pPr algn="ctr"/>
+            <a:r>
+              <a:rPr lang="fr-FR" sz="2400" b="1" dirty="0"/>
+              <a:t>FONCTIONS DE CONVERSION DE HTML EN PDF ET ENVOIE D’EMAIL VIA L’API ELASTIC EMAIL</a:t>
+            </a:r>
+          </a:p>
+        </p:txBody>
+      </p:sp>
+      <p:pic>
+        <p:nvPicPr>
+          <p:cNvPr id="4" name="Image 3">
+            <a:extLst>
+              <a:ext uri="{FF2B5EF4-FFF2-40B4-BE49-F238E27FC236}">
+                <a16:creationId xmlns:a16="http://schemas.microsoft.com/office/drawing/2014/main" id="{AFE10F22-7A70-FCE7-DB73-507716667D26}"/>
+              </a:ext>
+            </a:extLst>
+          </p:cNvPr>
+          <p:cNvPicPr>
+            <a:picLocks noChangeAspect="1"/>
+          </p:cNvPicPr>
+          <p:nvPr/>
+        </p:nvPicPr>
+        <p:blipFill>
+          <a:blip r:embed="rId2"/>
+          <a:stretch>
+            <a:fillRect/>
+          </a:stretch>
+        </p:blipFill>
+        <p:spPr>
+          <a:xfrm>
+            <a:off x="3012184" y="1026160"/>
+            <a:ext cx="7696455" cy="4389120"/>
+          </a:xfrm>
+          <a:prstGeom prst="rect">
+            <a:avLst/>
+          </a:prstGeom>
+        </p:spPr>
+      </p:pic>
+    </p:spTree>
+    <p:extLst>
+      <p:ext uri="{BB962C8B-B14F-4D97-AF65-F5344CB8AC3E}">
+        <p14:creationId xmlns:p14="http://schemas.microsoft.com/office/powerpoint/2010/main" val="4246425814"/>
+      </p:ext>
+    </p:extLst>
+  </p:cSld>
+  <p:clrMapOvr>
+    <a:masterClrMapping/>
+  </p:clrMapOvr>
+  <p:transition spd="slow">
+    <p:wipe dir="r"/>
+  </p:transition>
+</p:sld>
+</file>
+
+<file path=ppt/slides/slide12.xml><?xml version="1.0" encoding="utf-8"?>
+<p:sld xmlns:a="http://schemas.openxmlformats.org/drawingml/2006/main" xmlns:r="http://schemas.openxmlformats.org/officeDocument/2006/relationships" xmlns:p="http://schemas.openxmlformats.org/presentationml/2006/main">
+  <p:cSld>
+    <p:spTree>
+      <p:nvGrpSpPr>
+        <p:cNvPr id="1" name=""/>
+        <p:cNvGrpSpPr/>
+        <p:nvPr/>
+      </p:nvGrpSpPr>
+      <p:grpSpPr>
+        <a:xfrm>
+          <a:off x="0" y="0"/>
+          <a:ext cx="0" cy="0"/>
+          <a:chOff x="0" y="0"/>
+          <a:chExt cx="0" cy="0"/>
+        </a:xfrm>
+      </p:grpSpPr>
+      <p:sp>
+        <p:nvSpPr>
+          <p:cNvPr id="2" name="ZoneTexte 1">
+            <a:extLst>
+              <a:ext uri="{FF2B5EF4-FFF2-40B4-BE49-F238E27FC236}">
+                <a16:creationId xmlns:a16="http://schemas.microsoft.com/office/drawing/2014/main" id="{EC0F6978-9C3E-1B5E-C740-E71904B6B80C}"/>
+              </a:ext>
+            </a:extLst>
+          </p:cNvPr>
+          <p:cNvSpPr txBox="1"/>
+          <p:nvPr/>
+        </p:nvSpPr>
+        <p:spPr>
+          <a:xfrm>
+            <a:off x="93789" y="142579"/>
+            <a:ext cx="3152994" cy="461665"/>
+          </a:xfrm>
+          <a:prstGeom prst="rect">
+            <a:avLst/>
+          </a:prstGeom>
+          <a:solidFill>
+            <a:schemeClr val="bg1"/>
+          </a:solidFill>
+          <a:scene3d>
+            <a:camera prst="orthographicFront"/>
+            <a:lightRig rig="threePt" dir="t"/>
+          </a:scene3d>
+          <a:sp3d>
+            <a:bevelT w="165100" prst="coolSlant"/>
+          </a:sp3d>
+        </p:spPr>
+        <p:txBody>
+          <a:bodyPr wrap="square" rtlCol="0">
+            <a:spAutoFit/>
+          </a:bodyPr>
+          <a:lstStyle/>
+          <a:p>
+            <a:pPr algn="ctr"/>
+            <a:r>
+              <a:rPr lang="fr-FR" sz="2400" b="1" dirty="0"/>
+              <a:t>FONCTIONNALITES</a:t>
             </a:r>
           </a:p>
         </p:txBody>
@@ -21231,7 +19319,7 @@
         </p:nvSpPr>
         <p:spPr>
           <a:xfrm>
-            <a:off x="3599738" y="6012356"/>
+            <a:off x="3423260" y="6108030"/>
             <a:ext cx="6710453" cy="461665"/>
           </a:xfrm>
           <a:prstGeom prst="rect">
@@ -21248,17 +19336,17 @@
             <a:pPr algn="ctr"/>
             <a:r>
               <a:rPr lang="fr-FR" sz="2400" b="1" dirty="0"/>
-              <a:t>INTERFACE CAISSE ENREGISTREUSE</a:t>
+              <a:t>INTERFACE DE CREATION D’UN UTILISATEUR</a:t>
             </a:r>
           </a:p>
         </p:txBody>
       </p:sp>
       <p:pic>
         <p:nvPicPr>
-          <p:cNvPr id="5" name="Image 4">
+          <p:cNvPr id="4" name="Image 3">
             <a:extLst>
               <a:ext uri="{FF2B5EF4-FFF2-40B4-BE49-F238E27FC236}">
-                <a16:creationId xmlns:a16="http://schemas.microsoft.com/office/drawing/2014/main" id="{3A1B4911-1B07-6134-B4BD-15DF5373BDA4}"/>
+                <a16:creationId xmlns:a16="http://schemas.microsoft.com/office/drawing/2014/main" id="{C209C3D5-EB1A-65F5-3A74-8CC3C6FCF0E6}"/>
               </a:ext>
             </a:extLst>
           </p:cNvPr>
@@ -21275,8 +19363,8 @@
         </p:blipFill>
         <p:spPr>
           <a:xfrm>
-            <a:off x="3917576" y="1434353"/>
-            <a:ext cx="5728447" cy="2375647"/>
+            <a:off x="3931921" y="1463061"/>
+            <a:ext cx="5699759" cy="2326619"/>
           </a:xfrm>
           <a:prstGeom prst="rect">
             <a:avLst/>
@@ -21286,187 +19374,7 @@
     </p:spTree>
     <p:extLst>
       <p:ext uri="{BB962C8B-B14F-4D97-AF65-F5344CB8AC3E}">
-        <p14:creationId xmlns:p14="http://schemas.microsoft.com/office/powerpoint/2010/main" val="4127611981"/>
-      </p:ext>
-    </p:extLst>
-  </p:cSld>
-  <p:clrMapOvr>
-    <a:masterClrMapping/>
-  </p:clrMapOvr>
-  <p:transition spd="slow">
-    <p:wipe dir="r"/>
-  </p:transition>
-</p:sld>
-</file>
-
-<file path=ppt/slides/slide12.xml><?xml version="1.0" encoding="utf-8"?>
-<p:sld xmlns:a="http://schemas.openxmlformats.org/drawingml/2006/main" xmlns:r="http://schemas.openxmlformats.org/officeDocument/2006/relationships" xmlns:p="http://schemas.openxmlformats.org/presentationml/2006/main">
-  <p:cSld>
-    <p:spTree>
-      <p:nvGrpSpPr>
-        <p:cNvPr id="1" name=""/>
-        <p:cNvGrpSpPr/>
-        <p:nvPr/>
-      </p:nvGrpSpPr>
-      <p:grpSpPr>
-        <a:xfrm>
-          <a:off x="0" y="0"/>
-          <a:ext cx="0" cy="0"/>
-          <a:chOff x="0" y="0"/>
-          <a:chExt cx="0" cy="0"/>
-        </a:xfrm>
-      </p:grpSpPr>
-      <p:sp>
-        <p:nvSpPr>
-          <p:cNvPr id="2" name="ZoneTexte 1">
-            <a:extLst>
-              <a:ext uri="{FF2B5EF4-FFF2-40B4-BE49-F238E27FC236}">
-                <a16:creationId xmlns:a16="http://schemas.microsoft.com/office/drawing/2014/main" id="{EC0F6978-9C3E-1B5E-C740-E71904B6B80C}"/>
-              </a:ext>
-            </a:extLst>
-          </p:cNvPr>
-          <p:cNvSpPr txBox="1"/>
-          <p:nvPr/>
-        </p:nvSpPr>
-        <p:spPr>
-          <a:xfrm>
-            <a:off x="93789" y="142579"/>
-            <a:ext cx="2518782" cy="461665"/>
-          </a:xfrm>
-          <a:prstGeom prst="rect">
-            <a:avLst/>
-          </a:prstGeom>
-          <a:solidFill>
-            <a:schemeClr val="bg1"/>
-          </a:solidFill>
-          <a:scene3d>
-            <a:camera prst="orthographicFront"/>
-            <a:lightRig rig="threePt" dir="t"/>
-          </a:scene3d>
-          <a:sp3d>
-            <a:bevelT w="165100" prst="coolSlant"/>
-          </a:sp3d>
-        </p:spPr>
-        <p:txBody>
-          <a:bodyPr wrap="square" rtlCol="0">
-            <a:spAutoFit/>
-          </a:bodyPr>
-          <a:lstStyle/>
-          <a:p>
-            <a:pPr algn="ctr"/>
-            <a:r>
-              <a:rPr lang="fr-FR" sz="2400" b="1" dirty="0"/>
-              <a:t>PRESENTATION</a:t>
-            </a:r>
-          </a:p>
-        </p:txBody>
-      </p:sp>
-      <p:pic>
-        <p:nvPicPr>
-          <p:cNvPr id="6" name="Image 5">
-            <a:extLst>
-              <a:ext uri="{FF2B5EF4-FFF2-40B4-BE49-F238E27FC236}">
-                <a16:creationId xmlns:a16="http://schemas.microsoft.com/office/drawing/2014/main" id="{2CB7273F-C125-BB89-69E6-49DE3FE6DA2B}"/>
-              </a:ext>
-            </a:extLst>
-          </p:cNvPr>
-          <p:cNvPicPr>
-            <a:picLocks noChangeAspect="1"/>
-          </p:cNvPicPr>
-          <p:nvPr/>
-        </p:nvPicPr>
-        <p:blipFill>
-          <a:blip r:embed="rId2">
-            <a:extLst>
-              <a:ext uri="{28A0092B-C50C-407E-A947-70E740481C1C}">
-                <a14:useLocalDpi xmlns:a14="http://schemas.microsoft.com/office/drawing/2010/main" val="0"/>
-              </a:ext>
-            </a:extLst>
-          </a:blip>
-          <a:stretch>
-            <a:fillRect/>
-          </a:stretch>
-        </p:blipFill>
-        <p:spPr>
-          <a:xfrm>
-            <a:off x="3246783" y="383979"/>
-            <a:ext cx="7063408" cy="5259045"/>
-          </a:xfrm>
-          <a:prstGeom prst="rect">
-            <a:avLst/>
-          </a:prstGeom>
-        </p:spPr>
-      </p:pic>
-      <p:sp>
-        <p:nvSpPr>
-          <p:cNvPr id="13" name="ZoneTexte 12">
-            <a:extLst>
-              <a:ext uri="{FF2B5EF4-FFF2-40B4-BE49-F238E27FC236}">
-                <a16:creationId xmlns:a16="http://schemas.microsoft.com/office/drawing/2014/main" id="{3D84D514-9E0B-7DBF-78C4-2B7BBE1C3450}"/>
-              </a:ext>
-            </a:extLst>
-          </p:cNvPr>
-          <p:cNvSpPr txBox="1"/>
-          <p:nvPr/>
-        </p:nvSpPr>
-        <p:spPr>
-          <a:xfrm>
-            <a:off x="3599738" y="6012356"/>
-            <a:ext cx="6710453" cy="461665"/>
-          </a:xfrm>
-          <a:prstGeom prst="rect">
-            <a:avLst/>
-          </a:prstGeom>
-          <a:noFill/>
-        </p:spPr>
-        <p:txBody>
-          <a:bodyPr wrap="square" rtlCol="0">
-            <a:spAutoFit/>
-          </a:bodyPr>
-          <a:lstStyle/>
-          <a:p>
-            <a:pPr algn="ctr"/>
-            <a:r>
-              <a:rPr lang="fr-FR" sz="2400" b="1" dirty="0"/>
-              <a:t>INTERFACE DE LA FACTURE GENEREE</a:t>
-            </a:r>
-          </a:p>
-        </p:txBody>
-      </p:sp>
-      <p:pic>
-        <p:nvPicPr>
-          <p:cNvPr id="5" name="Image 4">
-            <a:extLst>
-              <a:ext uri="{FF2B5EF4-FFF2-40B4-BE49-F238E27FC236}">
-                <a16:creationId xmlns:a16="http://schemas.microsoft.com/office/drawing/2014/main" id="{A4F2FA37-B6AA-C57B-7389-925284606030}"/>
-              </a:ext>
-            </a:extLst>
-          </p:cNvPr>
-          <p:cNvPicPr>
-            <a:picLocks noChangeAspect="1"/>
-          </p:cNvPicPr>
-          <p:nvPr/>
-        </p:nvPicPr>
-        <p:blipFill>
-          <a:blip r:embed="rId3"/>
-          <a:stretch>
-            <a:fillRect/>
-          </a:stretch>
-        </p:blipFill>
-        <p:spPr>
-          <a:xfrm>
-            <a:off x="3908612" y="1371601"/>
-            <a:ext cx="5737412" cy="2456330"/>
-          </a:xfrm>
-          <a:prstGeom prst="rect">
-            <a:avLst/>
-          </a:prstGeom>
-        </p:spPr>
-      </p:pic>
-    </p:spTree>
-    <p:extLst>
-      <p:ext uri="{BB962C8B-B14F-4D97-AF65-F5344CB8AC3E}">
-        <p14:creationId xmlns:p14="http://schemas.microsoft.com/office/powerpoint/2010/main" val="3865176323"/>
+        <p14:creationId xmlns:p14="http://schemas.microsoft.com/office/powerpoint/2010/main" val="24239399"/>
       </p:ext>
     </p:extLst>
   </p:cSld>
@@ -21510,8 +19418,8 @@
         </p:nvSpPr>
         <p:spPr>
           <a:xfrm>
-            <a:off x="93789" y="142579"/>
-            <a:ext cx="2518782" cy="461665"/>
+            <a:off x="93788" y="142579"/>
+            <a:ext cx="2893251" cy="461665"/>
           </a:xfrm>
           <a:prstGeom prst="rect">
             <a:avLst/>
@@ -21536,7 +19444,151 @@
             <a:pPr algn="ctr"/>
             <a:r>
               <a:rPr lang="fr-FR" sz="2400" b="1" dirty="0"/>
-              <a:t>PRESENTATION</a:t>
+              <a:t>FONCTIONNALITES</a:t>
+            </a:r>
+          </a:p>
+        </p:txBody>
+      </p:sp>
+      <p:sp>
+        <p:nvSpPr>
+          <p:cNvPr id="13" name="ZoneTexte 12">
+            <a:extLst>
+              <a:ext uri="{FF2B5EF4-FFF2-40B4-BE49-F238E27FC236}">
+                <a16:creationId xmlns:a16="http://schemas.microsoft.com/office/drawing/2014/main" id="{3D84D514-9E0B-7DBF-78C4-2B7BBE1C3450}"/>
+              </a:ext>
+            </a:extLst>
+          </p:cNvPr>
+          <p:cNvSpPr txBox="1"/>
+          <p:nvPr/>
+        </p:nvSpPr>
+        <p:spPr>
+          <a:xfrm>
+            <a:off x="3236186" y="5955352"/>
+            <a:ext cx="8264934" cy="830997"/>
+          </a:xfrm>
+          <a:prstGeom prst="rect">
+            <a:avLst/>
+          </a:prstGeom>
+          <a:noFill/>
+        </p:spPr>
+        <p:txBody>
+          <a:bodyPr wrap="square" rtlCol="0">
+            <a:spAutoFit/>
+          </a:bodyPr>
+          <a:lstStyle/>
+          <a:p>
+            <a:pPr algn="ctr"/>
+            <a:r>
+              <a:rPr lang="fr-FR" sz="2400" b="1" dirty="0"/>
+              <a:t>CODE EXECUTE LORS DU CLICK SUR LE BOUTON DE CREATION D’UTILISATEUR</a:t>
+            </a:r>
+          </a:p>
+        </p:txBody>
+      </p:sp>
+      <p:pic>
+        <p:nvPicPr>
+          <p:cNvPr id="4" name="Image 3">
+            <a:extLst>
+              <a:ext uri="{FF2B5EF4-FFF2-40B4-BE49-F238E27FC236}">
+                <a16:creationId xmlns:a16="http://schemas.microsoft.com/office/drawing/2014/main" id="{40F40532-89F9-2AF4-1AF2-9302CF0A6D88}"/>
+              </a:ext>
+            </a:extLst>
+          </p:cNvPr>
+          <p:cNvPicPr>
+            <a:picLocks noChangeAspect="1"/>
+          </p:cNvPicPr>
+          <p:nvPr/>
+        </p:nvPicPr>
+        <p:blipFill>
+          <a:blip r:embed="rId2"/>
+          <a:stretch>
+            <a:fillRect/>
+          </a:stretch>
+        </p:blipFill>
+        <p:spPr>
+          <a:xfrm>
+            <a:off x="3236186" y="487149"/>
+            <a:ext cx="8264934" cy="5362571"/>
+          </a:xfrm>
+          <a:prstGeom prst="rect">
+            <a:avLst/>
+          </a:prstGeom>
+        </p:spPr>
+      </p:pic>
+    </p:spTree>
+    <p:extLst>
+      <p:ext uri="{BB962C8B-B14F-4D97-AF65-F5344CB8AC3E}">
+        <p14:creationId xmlns:p14="http://schemas.microsoft.com/office/powerpoint/2010/main" val="4127611981"/>
+      </p:ext>
+    </p:extLst>
+  </p:cSld>
+  <p:clrMapOvr>
+    <a:masterClrMapping/>
+  </p:clrMapOvr>
+  <p:transition spd="slow">
+    <p:wipe dir="r"/>
+  </p:transition>
+</p:sld>
+</file>
+
+<file path=ppt/slides/slide14.xml><?xml version="1.0" encoding="utf-8"?>
+<p:sld xmlns:a="http://schemas.openxmlformats.org/drawingml/2006/main" xmlns:r="http://schemas.openxmlformats.org/officeDocument/2006/relationships" xmlns:p="http://schemas.openxmlformats.org/presentationml/2006/main">
+  <p:cSld>
+    <p:spTree>
+      <p:nvGrpSpPr>
+        <p:cNvPr id="1" name=""/>
+        <p:cNvGrpSpPr/>
+        <p:nvPr/>
+      </p:nvGrpSpPr>
+      <p:grpSpPr>
+        <a:xfrm>
+          <a:off x="0" y="0"/>
+          <a:ext cx="0" cy="0"/>
+          <a:chOff x="0" y="0"/>
+          <a:chExt cx="0" cy="0"/>
+        </a:xfrm>
+      </p:grpSpPr>
+      <p:sp>
+        <p:nvSpPr>
+          <p:cNvPr id="2" name="ZoneTexte 1">
+            <a:extLst>
+              <a:ext uri="{FF2B5EF4-FFF2-40B4-BE49-F238E27FC236}">
+                <a16:creationId xmlns:a16="http://schemas.microsoft.com/office/drawing/2014/main" id="{EC0F6978-9C3E-1B5E-C740-E71904B6B80C}"/>
+              </a:ext>
+            </a:extLst>
+          </p:cNvPr>
+          <p:cNvSpPr txBox="1"/>
+          <p:nvPr/>
+        </p:nvSpPr>
+        <p:spPr>
+          <a:xfrm>
+            <a:off x="93788" y="142579"/>
+            <a:ext cx="2984691" cy="461665"/>
+          </a:xfrm>
+          <a:prstGeom prst="rect">
+            <a:avLst/>
+          </a:prstGeom>
+          <a:solidFill>
+            <a:schemeClr val="bg1"/>
+          </a:solidFill>
+          <a:scene3d>
+            <a:camera prst="orthographicFront"/>
+            <a:lightRig rig="threePt" dir="t"/>
+          </a:scene3d>
+          <a:sp3d>
+            <a:bevelT w="165100" prst="coolSlant"/>
+          </a:sp3d>
+        </p:spPr>
+        <p:txBody>
+          <a:bodyPr wrap="square" rtlCol="0">
+            <a:spAutoFit/>
+          </a:bodyPr>
+          <a:lstStyle/>
+          <a:p>
+            <a:pPr algn="ctr"/>
+            <a:r>
+              <a:rPr lang="fr-FR" sz="2400" b="1" dirty="0"/>
+              <a:t>FONCTIONNALITES</a:t>
             </a:r>
           </a:p>
         </p:txBody>
@@ -21659,186 +19711,6 @@
 </p:sld>
 </file>
 
-<file path=ppt/slides/slide14.xml><?xml version="1.0" encoding="utf-8"?>
-<p:sld xmlns:a="http://schemas.openxmlformats.org/drawingml/2006/main" xmlns:r="http://schemas.openxmlformats.org/officeDocument/2006/relationships" xmlns:p="http://schemas.openxmlformats.org/presentationml/2006/main">
-  <p:cSld>
-    <p:spTree>
-      <p:nvGrpSpPr>
-        <p:cNvPr id="1" name=""/>
-        <p:cNvGrpSpPr/>
-        <p:nvPr/>
-      </p:nvGrpSpPr>
-      <p:grpSpPr>
-        <a:xfrm>
-          <a:off x="0" y="0"/>
-          <a:ext cx="0" cy="0"/>
-          <a:chOff x="0" y="0"/>
-          <a:chExt cx="0" cy="0"/>
-        </a:xfrm>
-      </p:grpSpPr>
-      <p:sp>
-        <p:nvSpPr>
-          <p:cNvPr id="2" name="ZoneTexte 1">
-            <a:extLst>
-              <a:ext uri="{FF2B5EF4-FFF2-40B4-BE49-F238E27FC236}">
-                <a16:creationId xmlns:a16="http://schemas.microsoft.com/office/drawing/2014/main" id="{EC0F6978-9C3E-1B5E-C740-E71904B6B80C}"/>
-              </a:ext>
-            </a:extLst>
-          </p:cNvPr>
-          <p:cNvSpPr txBox="1"/>
-          <p:nvPr/>
-        </p:nvSpPr>
-        <p:spPr>
-          <a:xfrm>
-            <a:off x="93789" y="142579"/>
-            <a:ext cx="2518782" cy="461665"/>
-          </a:xfrm>
-          <a:prstGeom prst="rect">
-            <a:avLst/>
-          </a:prstGeom>
-          <a:solidFill>
-            <a:schemeClr val="bg1"/>
-          </a:solidFill>
-          <a:scene3d>
-            <a:camera prst="orthographicFront"/>
-            <a:lightRig rig="threePt" dir="t"/>
-          </a:scene3d>
-          <a:sp3d>
-            <a:bevelT w="165100" prst="coolSlant"/>
-          </a:sp3d>
-        </p:spPr>
-        <p:txBody>
-          <a:bodyPr wrap="square" rtlCol="0">
-            <a:spAutoFit/>
-          </a:bodyPr>
-          <a:lstStyle/>
-          <a:p>
-            <a:pPr algn="ctr"/>
-            <a:r>
-              <a:rPr lang="fr-FR" sz="2400" b="1" dirty="0"/>
-              <a:t>PRESENTATION</a:t>
-            </a:r>
-          </a:p>
-        </p:txBody>
-      </p:sp>
-      <p:pic>
-        <p:nvPicPr>
-          <p:cNvPr id="6" name="Image 5">
-            <a:extLst>
-              <a:ext uri="{FF2B5EF4-FFF2-40B4-BE49-F238E27FC236}">
-                <a16:creationId xmlns:a16="http://schemas.microsoft.com/office/drawing/2014/main" id="{2CB7273F-C125-BB89-69E6-49DE3FE6DA2B}"/>
-              </a:ext>
-            </a:extLst>
-          </p:cNvPr>
-          <p:cNvPicPr>
-            <a:picLocks noChangeAspect="1"/>
-          </p:cNvPicPr>
-          <p:nvPr/>
-        </p:nvPicPr>
-        <p:blipFill>
-          <a:blip r:embed="rId2">
-            <a:extLst>
-              <a:ext uri="{28A0092B-C50C-407E-A947-70E740481C1C}">
-                <a14:useLocalDpi xmlns:a14="http://schemas.microsoft.com/office/drawing/2010/main" val="0"/>
-              </a:ext>
-            </a:extLst>
-          </a:blip>
-          <a:stretch>
-            <a:fillRect/>
-          </a:stretch>
-        </p:blipFill>
-        <p:spPr>
-          <a:xfrm>
-            <a:off x="3246783" y="383979"/>
-            <a:ext cx="7063408" cy="5259045"/>
-          </a:xfrm>
-          <a:prstGeom prst="rect">
-            <a:avLst/>
-          </a:prstGeom>
-        </p:spPr>
-      </p:pic>
-      <p:sp>
-        <p:nvSpPr>
-          <p:cNvPr id="13" name="ZoneTexte 12">
-            <a:extLst>
-              <a:ext uri="{FF2B5EF4-FFF2-40B4-BE49-F238E27FC236}">
-                <a16:creationId xmlns:a16="http://schemas.microsoft.com/office/drawing/2014/main" id="{3D84D514-9E0B-7DBF-78C4-2B7BBE1C3450}"/>
-              </a:ext>
-            </a:extLst>
-          </p:cNvPr>
-          <p:cNvSpPr txBox="1"/>
-          <p:nvPr/>
-        </p:nvSpPr>
-        <p:spPr>
-          <a:xfrm>
-            <a:off x="3599738" y="6012356"/>
-            <a:ext cx="6710453" cy="830997"/>
-          </a:xfrm>
-          <a:prstGeom prst="rect">
-            <a:avLst/>
-          </a:prstGeom>
-          <a:noFill/>
-        </p:spPr>
-        <p:txBody>
-          <a:bodyPr wrap="square" rtlCol="0">
-            <a:spAutoFit/>
-          </a:bodyPr>
-          <a:lstStyle/>
-          <a:p>
-            <a:pPr algn="ctr"/>
-            <a:r>
-              <a:rPr lang="fr-FR" sz="2400" b="1" dirty="0"/>
-              <a:t>INTERFACE MISE A JOUR DU MOT DE PASSE DE L’UTILISATEUR CONNECTE</a:t>
-            </a:r>
-          </a:p>
-        </p:txBody>
-      </p:sp>
-      <p:pic>
-        <p:nvPicPr>
-          <p:cNvPr id="8" name="Image 7">
-            <a:extLst>
-              <a:ext uri="{FF2B5EF4-FFF2-40B4-BE49-F238E27FC236}">
-                <a16:creationId xmlns:a16="http://schemas.microsoft.com/office/drawing/2014/main" id="{752FE446-C4B0-AF7A-A8DD-EF24EBE1C256}"/>
-              </a:ext>
-            </a:extLst>
-          </p:cNvPr>
-          <p:cNvPicPr>
-            <a:picLocks noChangeAspect="1"/>
-          </p:cNvPicPr>
-          <p:nvPr/>
-        </p:nvPicPr>
-        <p:blipFill>
-          <a:blip r:embed="rId3"/>
-          <a:stretch>
-            <a:fillRect/>
-          </a:stretch>
-        </p:blipFill>
-        <p:spPr>
-          <a:xfrm>
-            <a:off x="3908610" y="1425155"/>
-            <a:ext cx="5782237" cy="2392716"/>
-          </a:xfrm>
-          <a:prstGeom prst="rect">
-            <a:avLst/>
-          </a:prstGeom>
-        </p:spPr>
-      </p:pic>
-    </p:spTree>
-    <p:extLst>
-      <p:ext uri="{BB962C8B-B14F-4D97-AF65-F5344CB8AC3E}">
-        <p14:creationId xmlns:p14="http://schemas.microsoft.com/office/powerpoint/2010/main" val="484063776"/>
-      </p:ext>
-    </p:extLst>
-  </p:cSld>
-  <p:clrMapOvr>
-    <a:masterClrMapping/>
-  </p:clrMapOvr>
-  <p:transition spd="slow">
-    <p:wipe dir="r"/>
-  </p:transition>
-</p:sld>
-</file>
-
 <file path=ppt/slides/slide15.xml><?xml version="1.0" encoding="utf-8"?>
 <p:sld xmlns:a="http://schemas.openxmlformats.org/drawingml/2006/main" xmlns:r="http://schemas.openxmlformats.org/officeDocument/2006/relationships" xmlns:p="http://schemas.openxmlformats.org/presentationml/2006/main">
   <p:cSld>
@@ -21896,17 +19768,17 @@
             <a:pPr algn="ctr"/>
             <a:r>
               <a:rPr lang="fr-FR" sz="2400" b="1" dirty="0"/>
-              <a:t>PRESENTATION</a:t>
+              <a:t>DEMO</a:t>
             </a:r>
           </a:p>
         </p:txBody>
       </p:sp>
       <p:pic>
         <p:nvPicPr>
-          <p:cNvPr id="6" name="Image 5">
+          <p:cNvPr id="4" name="Image 3" descr="Une image contenant croquis, dessin, clipart, illustration&#10;&#10;Description générée automatiquement">
             <a:extLst>
               <a:ext uri="{FF2B5EF4-FFF2-40B4-BE49-F238E27FC236}">
-                <a16:creationId xmlns:a16="http://schemas.microsoft.com/office/drawing/2014/main" id="{2CB7273F-C125-BB89-69E6-49DE3FE6DA2B}"/>
+                <a16:creationId xmlns:a16="http://schemas.microsoft.com/office/drawing/2014/main" id="{AE6EB70A-C767-4692-F4EB-5AA1FC64FFCA}"/>
               </a:ext>
             </a:extLst>
           </p:cNvPr>
@@ -21929,8 +19801,8 @@
         </p:blipFill>
         <p:spPr>
           <a:xfrm>
-            <a:off x="3246783" y="383979"/>
-            <a:ext cx="7063408" cy="5259045"/>
+            <a:off x="4678680" y="604244"/>
+            <a:ext cx="3164840" cy="2982236"/>
           </a:xfrm>
           <a:prstGeom prst="rect">
             <a:avLst/>
@@ -21939,10 +19811,54 @@
       </p:pic>
       <p:sp>
         <p:nvSpPr>
-          <p:cNvPr id="13" name="ZoneTexte 12">
+          <p:cNvPr id="5" name="Rectangle 4">
             <a:extLst>
               <a:ext uri="{FF2B5EF4-FFF2-40B4-BE49-F238E27FC236}">
-                <a16:creationId xmlns:a16="http://schemas.microsoft.com/office/drawing/2014/main" id="{3D84D514-9E0B-7DBF-78C4-2B7BBE1C3450}"/>
+                <a16:creationId xmlns:a16="http://schemas.microsoft.com/office/drawing/2014/main" id="{712E570E-E5A9-6B57-B3DB-1F29769C72DD}"/>
+              </a:ext>
+            </a:extLst>
+          </p:cNvPr>
+          <p:cNvSpPr/>
+          <p:nvPr/>
+        </p:nvSpPr>
+        <p:spPr>
+          <a:xfrm>
+            <a:off x="2153920" y="3744218"/>
+            <a:ext cx="8686800" cy="2712720"/>
+          </a:xfrm>
+          <a:prstGeom prst="rect">
+            <a:avLst/>
+          </a:prstGeom>
+        </p:spPr>
+        <p:style>
+          <a:lnRef idx="2">
+            <a:schemeClr val="accent6"/>
+          </a:lnRef>
+          <a:fillRef idx="1">
+            <a:schemeClr val="lt1"/>
+          </a:fillRef>
+          <a:effectRef idx="0">
+            <a:schemeClr val="accent6"/>
+          </a:effectRef>
+          <a:fontRef idx="minor">
+            <a:schemeClr val="dk1"/>
+          </a:fontRef>
+        </p:style>
+        <p:txBody>
+          <a:bodyPr rtlCol="0" anchor="ctr"/>
+          <a:lstStyle/>
+          <a:p>
+            <a:pPr algn="ctr"/>
+            <a:endParaRPr lang="fr-FR"/>
+          </a:p>
+        </p:txBody>
+      </p:sp>
+      <p:sp>
+        <p:nvSpPr>
+          <p:cNvPr id="7" name="ZoneTexte 6">
+            <a:extLst>
+              <a:ext uri="{FF2B5EF4-FFF2-40B4-BE49-F238E27FC236}">
+                <a16:creationId xmlns:a16="http://schemas.microsoft.com/office/drawing/2014/main" id="{B302B5C9-C172-2D57-1F98-51CC72B55521}"/>
               </a:ext>
             </a:extLst>
           </p:cNvPr>
@@ -21951,8 +19867,8 @@
         </p:nvSpPr>
         <p:spPr>
           <a:xfrm>
-            <a:off x="3599738" y="6012356"/>
-            <a:ext cx="6710453" cy="830997"/>
+            <a:off x="2153920" y="4023360"/>
+            <a:ext cx="8686800" cy="1077218"/>
           </a:xfrm>
           <a:prstGeom prst="rect">
             <a:avLst/>
@@ -21967,18 +19883,18 @@
           <a:p>
             <a:pPr algn="ctr"/>
             <a:r>
-              <a:rPr lang="fr-FR" sz="2400" b="1" dirty="0"/>
-              <a:t>LISTE DES DIFFERENTS COMPTES POUVANT SE CONNECTER A LA PLATEFORME</a:t>
+              <a:rPr lang="fr-FR" sz="3200" b="1" dirty="0"/>
+              <a:t>C’EST L’HEURE DE LA PAUSE CAFE ET DE LA DECOUVERTE DE L’APPLICATION</a:t>
             </a:r>
           </a:p>
         </p:txBody>
       </p:sp>
       <p:pic>
         <p:nvPicPr>
-          <p:cNvPr id="5" name="Image 4">
+          <p:cNvPr id="10" name="Image 9" descr="Une image contenant Police, Graphique, logo, noir&#10;&#10;Description générée automatiquement">
             <a:extLst>
               <a:ext uri="{FF2B5EF4-FFF2-40B4-BE49-F238E27FC236}">
-                <a16:creationId xmlns:a16="http://schemas.microsoft.com/office/drawing/2014/main" id="{F5B49BBC-3B68-1AA2-D0C7-0789D808F589}"/>
+                <a16:creationId xmlns:a16="http://schemas.microsoft.com/office/drawing/2014/main" id="{56B30531-3E1D-EA27-62E6-A7D9332F9151}"/>
               </a:ext>
             </a:extLst>
           </p:cNvPr>
@@ -22001,8 +19917,8 @@
         </p:blipFill>
         <p:spPr>
           <a:xfrm>
-            <a:off x="3875314" y="1436914"/>
-            <a:ext cx="5747875" cy="2459330"/>
+            <a:off x="5068570" y="5397758"/>
+            <a:ext cx="2857500" cy="762000"/>
           </a:xfrm>
           <a:prstGeom prst="rect">
             <a:avLst/>
@@ -22012,7 +19928,7 @@
     </p:spTree>
     <p:extLst>
       <p:ext uri="{BB962C8B-B14F-4D97-AF65-F5344CB8AC3E}">
-        <p14:creationId xmlns:p14="http://schemas.microsoft.com/office/powerpoint/2010/main" val="3269105377"/>
+        <p14:creationId xmlns:p14="http://schemas.microsoft.com/office/powerpoint/2010/main" val="484063776"/>
       </p:ext>
     </p:extLst>
   </p:cSld>
@@ -22056,8 +19972,8 @@
         </p:nvSpPr>
         <p:spPr>
           <a:xfrm>
-            <a:off x="93789" y="142579"/>
-            <a:ext cx="2518782" cy="461665"/>
+            <a:off x="93788" y="142579"/>
+            <a:ext cx="2974531" cy="461665"/>
           </a:xfrm>
           <a:prstGeom prst="rect">
             <a:avLst/>
@@ -22082,53 +19998,17 @@
             <a:pPr algn="ctr"/>
             <a:r>
               <a:rPr lang="fr-FR" sz="2400" b="1" dirty="0"/>
-              <a:t>PRESENTATION</a:t>
+              <a:t>FONCTIONNALITES</a:t>
             </a:r>
           </a:p>
         </p:txBody>
       </p:sp>
-      <p:pic>
-        <p:nvPicPr>
-          <p:cNvPr id="6" name="Image 5">
+      <p:sp>
+        <p:nvSpPr>
+          <p:cNvPr id="3" name="ZoneTexte 2">
             <a:extLst>
               <a:ext uri="{FF2B5EF4-FFF2-40B4-BE49-F238E27FC236}">
-                <a16:creationId xmlns:a16="http://schemas.microsoft.com/office/drawing/2014/main" id="{2CB7273F-C125-BB89-69E6-49DE3FE6DA2B}"/>
-              </a:ext>
-            </a:extLst>
-          </p:cNvPr>
-          <p:cNvPicPr>
-            <a:picLocks noChangeAspect="1"/>
-          </p:cNvPicPr>
-          <p:nvPr/>
-        </p:nvPicPr>
-        <p:blipFill>
-          <a:blip r:embed="rId2">
-            <a:extLst>
-              <a:ext uri="{28A0092B-C50C-407E-A947-70E740481C1C}">
-                <a14:useLocalDpi xmlns:a14="http://schemas.microsoft.com/office/drawing/2010/main" val="0"/>
-              </a:ext>
-            </a:extLst>
-          </a:blip>
-          <a:stretch>
-            <a:fillRect/>
-          </a:stretch>
-        </p:blipFill>
-        <p:spPr>
-          <a:xfrm>
-            <a:off x="3246783" y="383979"/>
-            <a:ext cx="7063408" cy="5259045"/>
-          </a:xfrm>
-          <a:prstGeom prst="rect">
-            <a:avLst/>
-          </a:prstGeom>
-        </p:spPr>
-      </p:pic>
-      <p:sp>
-        <p:nvSpPr>
-          <p:cNvPr id="13" name="ZoneTexte 12">
-            <a:extLst>
-              <a:ext uri="{FF2B5EF4-FFF2-40B4-BE49-F238E27FC236}">
-                <a16:creationId xmlns:a16="http://schemas.microsoft.com/office/drawing/2014/main" id="{3D84D514-9E0B-7DBF-78C4-2B7BBE1C3450}"/>
+                <a16:creationId xmlns:a16="http://schemas.microsoft.com/office/drawing/2014/main" id="{474927D2-C5D7-91AD-44D2-8C4D691EC160}"/>
               </a:ext>
             </a:extLst>
           </p:cNvPr>
@@ -22137,152 +20017,8 @@
         </p:nvSpPr>
         <p:spPr>
           <a:xfrm>
-            <a:off x="3599738" y="6012356"/>
-            <a:ext cx="6710453" cy="830997"/>
-          </a:xfrm>
-          <a:prstGeom prst="rect">
-            <a:avLst/>
-          </a:prstGeom>
-          <a:noFill/>
-        </p:spPr>
-        <p:txBody>
-          <a:bodyPr wrap="square" rtlCol="0">
-            <a:spAutoFit/>
-          </a:bodyPr>
-          <a:lstStyle/>
-          <a:p>
-            <a:pPr algn="ctr"/>
-            <a:r>
-              <a:rPr lang="fr-FR" sz="2400" b="1" dirty="0"/>
-              <a:t>LISTE DES UTILISATEURS (VISIBLE UNIQUEMENT PAR LE ROLE ADMIN)</a:t>
-            </a:r>
-          </a:p>
-        </p:txBody>
-      </p:sp>
-      <p:pic>
-        <p:nvPicPr>
-          <p:cNvPr id="5" name="Image 4">
-            <a:extLst>
-              <a:ext uri="{FF2B5EF4-FFF2-40B4-BE49-F238E27FC236}">
-                <a16:creationId xmlns:a16="http://schemas.microsoft.com/office/drawing/2014/main" id="{B2BD423E-F6A4-612B-2785-25332A5222E6}"/>
-              </a:ext>
-            </a:extLst>
-          </p:cNvPr>
-          <p:cNvPicPr>
-            <a:picLocks noChangeAspect="1"/>
-          </p:cNvPicPr>
-          <p:nvPr/>
-        </p:nvPicPr>
-        <p:blipFill>
-          <a:blip r:embed="rId3"/>
-          <a:stretch>
-            <a:fillRect/>
-          </a:stretch>
-        </p:blipFill>
-        <p:spPr>
-          <a:xfrm>
-            <a:off x="3908612" y="1459900"/>
-            <a:ext cx="5710517" cy="2341136"/>
-          </a:xfrm>
-          <a:prstGeom prst="rect">
-            <a:avLst/>
-          </a:prstGeom>
-        </p:spPr>
-      </p:pic>
-    </p:spTree>
-    <p:extLst>
-      <p:ext uri="{BB962C8B-B14F-4D97-AF65-F5344CB8AC3E}">
-        <p14:creationId xmlns:p14="http://schemas.microsoft.com/office/powerpoint/2010/main" val="3504363148"/>
-      </p:ext>
-    </p:extLst>
-  </p:cSld>
-  <p:clrMapOvr>
-    <a:masterClrMapping/>
-  </p:clrMapOvr>
-  <p:transition spd="slow">
-    <p:wipe dir="r"/>
-  </p:transition>
-</p:sld>
-</file>
-
-<file path=ppt/slides/slide17.xml><?xml version="1.0" encoding="utf-8"?>
-<p:sld xmlns:a="http://schemas.openxmlformats.org/drawingml/2006/main" xmlns:r="http://schemas.openxmlformats.org/officeDocument/2006/relationships" xmlns:p="http://schemas.openxmlformats.org/presentationml/2006/main">
-  <p:cSld>
-    <p:spTree>
-      <p:nvGrpSpPr>
-        <p:cNvPr id="1" name=""/>
-        <p:cNvGrpSpPr/>
-        <p:nvPr/>
-      </p:nvGrpSpPr>
-      <p:grpSpPr>
-        <a:xfrm>
-          <a:off x="0" y="0"/>
-          <a:ext cx="0" cy="0"/>
-          <a:chOff x="0" y="0"/>
-          <a:chExt cx="0" cy="0"/>
-        </a:xfrm>
-      </p:grpSpPr>
-      <p:sp>
-        <p:nvSpPr>
-          <p:cNvPr id="2" name="ZoneTexte 1">
-            <a:extLst>
-              <a:ext uri="{FF2B5EF4-FFF2-40B4-BE49-F238E27FC236}">
-                <a16:creationId xmlns:a16="http://schemas.microsoft.com/office/drawing/2014/main" id="{EC0F6978-9C3E-1B5E-C740-E71904B6B80C}"/>
-              </a:ext>
-            </a:extLst>
-          </p:cNvPr>
-          <p:cNvSpPr txBox="1"/>
-          <p:nvPr/>
-        </p:nvSpPr>
-        <p:spPr>
-          <a:xfrm>
-            <a:off x="93789" y="142579"/>
-            <a:ext cx="2518782" cy="461665"/>
-          </a:xfrm>
-          <a:prstGeom prst="rect">
-            <a:avLst/>
-          </a:prstGeom>
-          <a:solidFill>
-            <a:schemeClr val="bg1"/>
-          </a:solidFill>
-          <a:scene3d>
-            <a:camera prst="orthographicFront"/>
-            <a:lightRig rig="threePt" dir="t"/>
-          </a:scene3d>
-          <a:sp3d>
-            <a:bevelT w="165100" prst="coolSlant"/>
-          </a:sp3d>
-        </p:spPr>
-        <p:txBody>
-          <a:bodyPr wrap="square" rtlCol="0">
-            <a:spAutoFit/>
-          </a:bodyPr>
-          <a:lstStyle/>
-          <a:p>
-            <a:pPr algn="ctr"/>
-            <a:r>
-              <a:rPr lang="fr-FR" sz="2400" b="1" dirty="0"/>
-              <a:t>AVANTAGES</a:t>
-            </a:r>
-          </a:p>
-        </p:txBody>
-      </p:sp>
-      <p:sp>
-        <p:nvSpPr>
-          <p:cNvPr id="13" name="ZoneTexte 12">
-            <a:extLst>
-              <a:ext uri="{FF2B5EF4-FFF2-40B4-BE49-F238E27FC236}">
-                <a16:creationId xmlns:a16="http://schemas.microsoft.com/office/drawing/2014/main" id="{3D84D514-9E0B-7DBF-78C4-2B7BBE1C3450}"/>
-              </a:ext>
-            </a:extLst>
-          </p:cNvPr>
-          <p:cNvSpPr txBox="1"/>
-          <p:nvPr/>
-        </p:nvSpPr>
-        <p:spPr>
-          <a:xfrm>
-            <a:off x="3207434" y="2561968"/>
-            <a:ext cx="8642252" cy="954107"/>
+            <a:off x="3309034" y="1839863"/>
+            <a:ext cx="8642252" cy="523220"/>
           </a:xfrm>
           <a:prstGeom prst="rect">
             <a:avLst/>
@@ -22297,84 +20033,17 @@
           <a:p>
             <a:r>
               <a:rPr lang="fr-FR" sz="2800" b="1" dirty="0"/>
-              <a:t>TRAITEMENT DE COMMANDES ENCORE PLUS RAPIDE</a:t>
+              <a:t>ENREGISTREMENT DES BILLETS ET PIECES </a:t>
             </a:r>
           </a:p>
         </p:txBody>
       </p:sp>
       <p:sp>
         <p:nvSpPr>
-          <p:cNvPr id="3" name="ZoneTexte 2">
+          <p:cNvPr id="4" name="Flèche : droite 3">
             <a:extLst>
               <a:ext uri="{FF2B5EF4-FFF2-40B4-BE49-F238E27FC236}">
-                <a16:creationId xmlns:a16="http://schemas.microsoft.com/office/drawing/2014/main" id="{45BB6739-1383-3D33-3A70-2D302DAD7C86}"/>
-              </a:ext>
-            </a:extLst>
-          </p:cNvPr>
-          <p:cNvSpPr txBox="1"/>
-          <p:nvPr/>
-        </p:nvSpPr>
-        <p:spPr>
-          <a:xfrm>
-            <a:off x="342314" y="708487"/>
-            <a:ext cx="11507372" cy="1446550"/>
-          </a:xfrm>
-          <a:prstGeom prst="rect">
-            <a:avLst/>
-          </a:prstGeom>
-          <a:noFill/>
-        </p:spPr>
-        <p:txBody>
-          <a:bodyPr wrap="square">
-            <a:spAutoFit/>
-          </a:bodyPr>
-          <a:lstStyle/>
-          <a:p>
-            <a:pPr algn="ctr"/>
-            <a:r>
-              <a:rPr lang="fr-FR" sz="4400" b="1" dirty="0">
-                <a:solidFill>
-                  <a:srgbClr val="00B0F0"/>
-                </a:solidFill>
-                <a:effectLst>
-                  <a:outerShdw blurRad="38100" dist="38100" dir="2700000" algn="tl">
-                    <a:srgbClr val="000000">
-                      <a:alpha val="43137"/>
-                    </a:srgbClr>
-                  </a:outerShdw>
-                </a:effectLst>
-                <a:latin typeface="Berlin Sans FB" panose="020E0602020502020306" pitchFamily="34" charset="0"/>
-              </a:rPr>
-              <a:t>AVANTAGES DE</a:t>
-            </a:r>
-          </a:p>
-          <a:p>
-            <a:pPr algn="ctr"/>
-            <a:r>
-              <a:rPr lang="fr-FR" sz="4400" b="1" dirty="0">
-                <a:solidFill>
-                  <a:srgbClr val="00B0F0"/>
-                </a:solidFill>
-                <a:effectLst>
-                  <a:outerShdw blurRad="38100" dist="38100" dir="2700000" algn="tl">
-                    <a:srgbClr val="000000">
-                      <a:alpha val="43137"/>
-                    </a:srgbClr>
-                  </a:outerShdw>
-                </a:effectLst>
-                <a:latin typeface="Berlin Sans FB" panose="020E0602020502020306" pitchFamily="34" charset="0"/>
-              </a:rPr>
-              <a:t>POS</a:t>
-            </a:r>
-          </a:p>
-        </p:txBody>
-      </p:sp>
-      <p:sp>
-        <p:nvSpPr>
-          <p:cNvPr id="5" name="Flèche : droite 4">
-            <a:extLst>
-              <a:ext uri="{FF2B5EF4-FFF2-40B4-BE49-F238E27FC236}">
-                <a16:creationId xmlns:a16="http://schemas.microsoft.com/office/drawing/2014/main" id="{36ABCD9B-7B0D-D916-BC88-7B7C915531AF}"/>
+                <a16:creationId xmlns:a16="http://schemas.microsoft.com/office/drawing/2014/main" id="{ABED472B-3C5E-317B-B014-0CAC216707E5}"/>
               </a:ext>
             </a:extLst>
           </p:cNvPr>
@@ -22383,7 +20052,7 @@
         </p:nvSpPr>
         <p:spPr>
           <a:xfrm>
-            <a:off x="2049863" y="2793970"/>
+            <a:off x="2049863" y="1975271"/>
             <a:ext cx="562708" cy="336341"/>
           </a:xfrm>
           <a:prstGeom prst="rightArrow">
@@ -22421,10 +20090,10 @@
       </p:sp>
       <p:sp>
         <p:nvSpPr>
-          <p:cNvPr id="7" name="ZoneTexte 6">
+          <p:cNvPr id="6" name="ZoneTexte 5">
             <a:extLst>
               <a:ext uri="{FF2B5EF4-FFF2-40B4-BE49-F238E27FC236}">
-                <a16:creationId xmlns:a16="http://schemas.microsoft.com/office/drawing/2014/main" id="{DE2A935D-0EB8-EFF7-D8BA-0AE451DEF96C}"/>
+                <a16:creationId xmlns:a16="http://schemas.microsoft.com/office/drawing/2014/main" id="{C07B5CC3-C0E0-0809-35E1-50F80055F927}"/>
               </a:ext>
             </a:extLst>
           </p:cNvPr>
@@ -22433,7 +20102,7 @@
         </p:nvSpPr>
         <p:spPr>
           <a:xfrm>
-            <a:off x="3207435" y="3599636"/>
+            <a:off x="3309033" y="2509369"/>
             <a:ext cx="8309320" cy="954107"/>
           </a:xfrm>
           <a:prstGeom prst="rect">
@@ -22449,17 +20118,17 @@
           <a:p>
             <a:r>
               <a:rPr lang="fr-FR" sz="2800" b="1" dirty="0"/>
-              <a:t>UN CONTROL DES STOCKS EN LOCAL ET LIGNE OPTISIMISE</a:t>
+              <a:t>RAPPORT SUR LES ENTREES ET LES SORTIES DES BILLETS ET DES PIECES PAR JOUR</a:t>
             </a:r>
           </a:p>
         </p:txBody>
       </p:sp>
       <p:sp>
         <p:nvSpPr>
-          <p:cNvPr id="8" name="Flèche : droite 7">
+          <p:cNvPr id="7" name="Flèche : droite 6">
             <a:extLst>
               <a:ext uri="{FF2B5EF4-FFF2-40B4-BE49-F238E27FC236}">
-                <a16:creationId xmlns:a16="http://schemas.microsoft.com/office/drawing/2014/main" id="{018656B3-EBDD-BBD3-F0DB-017334A8C8B7}"/>
+                <a16:creationId xmlns:a16="http://schemas.microsoft.com/office/drawing/2014/main" id="{FC0AE94B-FFB4-6971-6ABB-3BBB247A7373}"/>
               </a:ext>
             </a:extLst>
           </p:cNvPr>
@@ -22468,7 +20137,7 @@
         </p:nvSpPr>
         <p:spPr>
           <a:xfrm>
-            <a:off x="2049863" y="3724960"/>
+            <a:off x="2049863" y="2841105"/>
             <a:ext cx="562708" cy="336341"/>
           </a:xfrm>
           <a:prstGeom prst="rightArrow">
@@ -22505,7 +20174,7 @@
           <p:cNvPr id="9" name="Flèche : droite 8">
             <a:extLst>
               <a:ext uri="{FF2B5EF4-FFF2-40B4-BE49-F238E27FC236}">
-                <a16:creationId xmlns:a16="http://schemas.microsoft.com/office/drawing/2014/main" id="{11308F88-8E0D-A49B-3328-04D21CF8B0E4}"/>
+                <a16:creationId xmlns:a16="http://schemas.microsoft.com/office/drawing/2014/main" id="{673E9B65-EB02-6BCB-3967-B1947D71EBFD}"/>
               </a:ext>
             </a:extLst>
           </p:cNvPr>
@@ -22514,7 +20183,7 @@
         </p:nvSpPr>
         <p:spPr>
           <a:xfrm>
-            <a:off x="2049863" y="4726815"/>
+            <a:off x="2049863" y="3924541"/>
             <a:ext cx="562708" cy="336341"/>
           </a:xfrm>
           <a:prstGeom prst="rightArrow">
@@ -22551,7 +20220,7 @@
           <p:cNvPr id="10" name="ZoneTexte 9">
             <a:extLst>
               <a:ext uri="{FF2B5EF4-FFF2-40B4-BE49-F238E27FC236}">
-                <a16:creationId xmlns:a16="http://schemas.microsoft.com/office/drawing/2014/main" id="{B1A28B7F-8042-82EA-8B80-D937EC77B8C2}"/>
+                <a16:creationId xmlns:a16="http://schemas.microsoft.com/office/drawing/2014/main" id="{E24EF3AB-11EB-19CF-B128-ADF0C837E3AB}"/>
               </a:ext>
             </a:extLst>
           </p:cNvPr>
@@ -22560,7 +20229,7 @@
         </p:nvSpPr>
         <p:spPr>
           <a:xfrm>
-            <a:off x="3207434" y="4726815"/>
+            <a:off x="3309032" y="3609763"/>
             <a:ext cx="8309321" cy="954107"/>
           </a:xfrm>
           <a:prstGeom prst="rect">
@@ -22576,7 +20245,136 @@
           <a:p>
             <a:r>
               <a:rPr lang="fr-FR" sz="2800" b="1" dirty="0"/>
-              <a:t>POSSIBILITE D’ENVOYER DES FACTURES PAR EMAIL A DES CLIENTS</a:t>
+              <a:t>ENREGISTREMENT DE CLIENTS ET REALISATION D’UN PLAN DE FIDELITE</a:t>
+            </a:r>
+          </a:p>
+        </p:txBody>
+      </p:sp>
+      <p:sp>
+        <p:nvSpPr>
+          <p:cNvPr id="11" name="ZoneTexte 10">
+            <a:extLst>
+              <a:ext uri="{FF2B5EF4-FFF2-40B4-BE49-F238E27FC236}">
+                <a16:creationId xmlns:a16="http://schemas.microsoft.com/office/drawing/2014/main" id="{022FCBCF-3D77-B419-5343-5D2014FCD1E7}"/>
+              </a:ext>
+            </a:extLst>
+          </p:cNvPr>
+          <p:cNvSpPr txBox="1"/>
+          <p:nvPr/>
+        </p:nvSpPr>
+        <p:spPr>
+          <a:xfrm>
+            <a:off x="342314" y="708487"/>
+            <a:ext cx="11507372" cy="769441"/>
+          </a:xfrm>
+          <a:prstGeom prst="rect">
+            <a:avLst/>
+          </a:prstGeom>
+          <a:noFill/>
+        </p:spPr>
+        <p:txBody>
+          <a:bodyPr wrap="square">
+            <a:spAutoFit/>
+          </a:bodyPr>
+          <a:lstStyle/>
+          <a:p>
+            <a:pPr algn="ctr"/>
+            <a:r>
+              <a:rPr lang="fr-FR" sz="4400" b="1" dirty="0">
+                <a:solidFill>
+                  <a:srgbClr val="00B0F0"/>
+                </a:solidFill>
+                <a:effectLst>
+                  <a:outerShdw blurRad="38100" dist="38100" dir="2700000" algn="tl">
+                    <a:srgbClr val="000000">
+                      <a:alpha val="43137"/>
+                    </a:srgbClr>
+                  </a:outerShdw>
+                </a:effectLst>
+                <a:latin typeface="Berlin Sans FB" panose="020E0602020502020306" pitchFamily="34" charset="0"/>
+              </a:rPr>
+              <a:t>FONCTIONNALITES FUTURES</a:t>
+            </a:r>
+          </a:p>
+        </p:txBody>
+      </p:sp>
+      <p:sp>
+        <p:nvSpPr>
+          <p:cNvPr id="12" name="Flèche : droite 11">
+            <a:extLst>
+              <a:ext uri="{FF2B5EF4-FFF2-40B4-BE49-F238E27FC236}">
+                <a16:creationId xmlns:a16="http://schemas.microsoft.com/office/drawing/2014/main" id="{2F85E3D7-E5F8-5A40-BDAD-DA962E53D6AC}"/>
+              </a:ext>
+            </a:extLst>
+          </p:cNvPr>
+          <p:cNvSpPr/>
+          <p:nvPr/>
+        </p:nvSpPr>
+        <p:spPr>
+          <a:xfrm>
+            <a:off x="2049863" y="5019038"/>
+            <a:ext cx="562708" cy="336341"/>
+          </a:xfrm>
+          <a:prstGeom prst="rightArrow">
+            <a:avLst/>
+          </a:prstGeom>
+        </p:spPr>
+        <p:style>
+          <a:lnRef idx="2">
+            <a:schemeClr val="accent1">
+              <a:shade val="50000"/>
+            </a:schemeClr>
+          </a:lnRef>
+          <a:fillRef idx="1">
+            <a:schemeClr val="accent1"/>
+          </a:fillRef>
+          <a:effectRef idx="0">
+            <a:schemeClr val="accent1"/>
+          </a:effectRef>
+          <a:fontRef idx="minor">
+            <a:schemeClr val="lt1"/>
+          </a:fontRef>
+        </p:style>
+        <p:txBody>
+          <a:bodyPr rtlCol="0" anchor="ctr"/>
+          <a:lstStyle/>
+          <a:p>
+            <a:pPr algn="ctr"/>
+            <a:endParaRPr lang="fr-FR"/>
+          </a:p>
+        </p:txBody>
+      </p:sp>
+      <p:sp>
+        <p:nvSpPr>
+          <p:cNvPr id="13" name="ZoneTexte 12">
+            <a:extLst>
+              <a:ext uri="{FF2B5EF4-FFF2-40B4-BE49-F238E27FC236}">
+                <a16:creationId xmlns:a16="http://schemas.microsoft.com/office/drawing/2014/main" id="{4D827610-2146-B2AC-1C76-50E8367199B1}"/>
+              </a:ext>
+            </a:extLst>
+          </p:cNvPr>
+          <p:cNvSpPr txBox="1"/>
+          <p:nvPr/>
+        </p:nvSpPr>
+        <p:spPr>
+          <a:xfrm>
+            <a:off x="3309031" y="4710156"/>
+            <a:ext cx="8540655" cy="954107"/>
+          </a:xfrm>
+          <a:prstGeom prst="rect">
+            <a:avLst/>
+          </a:prstGeom>
+          <a:noFill/>
+        </p:spPr>
+        <p:txBody>
+          <a:bodyPr wrap="square" rtlCol="0">
+            <a:spAutoFit/>
+          </a:bodyPr>
+          <a:lstStyle/>
+          <a:p>
+            <a:r>
+              <a:rPr lang="fr-FR" sz="2800" b="1" dirty="0"/>
+              <a:t>MISE EN PLACE D’UN SYSTÈME POUR COMMANDE A DISTANCE POUR CLIENTS ENREGISTRES</a:t>
             </a:r>
           </a:p>
         </p:txBody>
@@ -22584,7 +20382,7 @@
     </p:spTree>
     <p:extLst>
       <p:ext uri="{BB962C8B-B14F-4D97-AF65-F5344CB8AC3E}">
-        <p14:creationId xmlns:p14="http://schemas.microsoft.com/office/powerpoint/2010/main" val="3792328145"/>
+        <p14:creationId xmlns:p14="http://schemas.microsoft.com/office/powerpoint/2010/main" val="1920463868"/>
       </p:ext>
     </p:extLst>
   </p:cSld>
@@ -22597,7 +20395,7 @@
 </p:sld>
 </file>
 
-<file path=ppt/slides/slide18.xml><?xml version="1.0" encoding="utf-8"?>
+<file path=ppt/slides/slide17.xml><?xml version="1.0" encoding="utf-8"?>
 <p:sld xmlns:a="http://schemas.openxmlformats.org/drawingml/2006/main" xmlns:r="http://schemas.openxmlformats.org/officeDocument/2006/relationships" xmlns:p="http://schemas.openxmlformats.org/presentationml/2006/main">
   <p:cSld>
     <p:spTree>
@@ -22912,8 +20710,8 @@
         </p:nvSpPr>
         <p:spPr>
           <a:xfrm>
-            <a:off x="371570" y="5164766"/>
-            <a:ext cx="4823791" cy="1569660"/>
+            <a:off x="1417982" y="5145761"/>
+            <a:ext cx="5473149" cy="1569660"/>
           </a:xfrm>
           <a:prstGeom prst="rect">
             <a:avLst/>
@@ -22928,7 +20726,7 @@
           <a:p>
             <a:r>
               <a:rPr lang="fr-FR" sz="2400" b="1" dirty="0"/>
-              <a:t>POUR PLUS DE FLEXIBILITE ET MOINS D’APPELS VERS LA BASE DE DONNEES, NOTRE POS EST CE QU’IL FAUT</a:t>
+              <a:t>Application de caisse enregistreuse utilisée dans des boutiques physiques et installable sur tablette et ordinateur</a:t>
             </a:r>
           </a:p>
         </p:txBody>
@@ -22948,7 +20746,7 @@
         <p:spPr>
           <a:xfrm>
             <a:off x="93789" y="142579"/>
-            <a:ext cx="2259643" cy="461665"/>
+            <a:ext cx="2568131" cy="461665"/>
           </a:xfrm>
           <a:prstGeom prst="rect">
             <a:avLst/>
@@ -22973,7 +20771,7 @@
             <a:pPr algn="ctr"/>
             <a:r>
               <a:rPr lang="fr-FR" sz="2400" b="1" dirty="0"/>
-              <a:t>GENERALITE</a:t>
+              <a:t>PRESENTATION</a:t>
             </a:r>
           </a:p>
         </p:txBody>
@@ -23043,10 +20841,10 @@
       </p:pic>
       <p:pic>
         <p:nvPicPr>
-          <p:cNvPr id="12" name="Image 11">
+          <p:cNvPr id="7" name="Image 6">
             <a:extLst>
               <a:ext uri="{FF2B5EF4-FFF2-40B4-BE49-F238E27FC236}">
-                <a16:creationId xmlns:a16="http://schemas.microsoft.com/office/drawing/2014/main" id="{541824E9-A6C5-4540-D913-8ABC668407F8}"/>
+                <a16:creationId xmlns:a16="http://schemas.microsoft.com/office/drawing/2014/main" id="{F66983D2-4119-EB6B-8C3D-355D18CF4C2B}"/>
               </a:ext>
             </a:extLst>
           </p:cNvPr>
@@ -23063,8 +20861,8 @@
         </p:blipFill>
         <p:spPr>
           <a:xfrm>
-            <a:off x="6822142" y="1837764"/>
-            <a:ext cx="4294093" cy="2662518"/>
+            <a:off x="6807200" y="1808481"/>
+            <a:ext cx="4318000" cy="2682240"/>
           </a:xfrm>
           <a:prstGeom prst="rect">
             <a:avLst/>
@@ -23146,8 +20944,8 @@
         </p:nvSpPr>
         <p:spPr>
           <a:xfrm>
-            <a:off x="275409" y="5150509"/>
-            <a:ext cx="4823791" cy="1569660"/>
+            <a:off x="1272209" y="5145761"/>
+            <a:ext cx="6103951" cy="1200329"/>
           </a:xfrm>
           <a:prstGeom prst="rect">
             <a:avLst/>
@@ -23162,7 +20960,7 @@
           <a:p>
             <a:r>
               <a:rPr lang="fr-FR" sz="2400" b="1" dirty="0"/>
-              <a:t>POUR PLUS DE FLEXIBILITE ET MOINS D’APPELS VERS LA BASE DE DONNEES, NOTRE POS EST CE QU’IL FAUT</a:t>
+              <a:t>Application permettant d’établir des factures et de les envoyer par email aux clients s’ils en ont besoin</a:t>
             </a:r>
           </a:p>
         </p:txBody>
@@ -23182,7 +20980,7 @@
         <p:spPr>
           <a:xfrm>
             <a:off x="93789" y="142579"/>
-            <a:ext cx="2259643" cy="461665"/>
+            <a:ext cx="2395411" cy="461665"/>
           </a:xfrm>
           <a:prstGeom prst="rect">
             <a:avLst/>
@@ -23207,7 +21005,7 @@
             <a:pPr algn="ctr"/>
             <a:r>
               <a:rPr lang="fr-FR" sz="2400" b="1" dirty="0"/>
-              <a:t>GENERALITE</a:t>
+              <a:t>PRESENTATION</a:t>
             </a:r>
           </a:p>
         </p:txBody>
@@ -23305,41 +21103,6 @@
       </p:grpSpPr>
       <p:sp>
         <p:nvSpPr>
-          <p:cNvPr id="4" name="ZoneTexte 3">
-            <a:extLst>
-              <a:ext uri="{FF2B5EF4-FFF2-40B4-BE49-F238E27FC236}">
-                <a16:creationId xmlns:a16="http://schemas.microsoft.com/office/drawing/2014/main" id="{985A6530-177A-34B4-EC2A-ACC844F793D6}"/>
-              </a:ext>
-            </a:extLst>
-          </p:cNvPr>
-          <p:cNvSpPr txBox="1"/>
-          <p:nvPr/>
-        </p:nvSpPr>
-        <p:spPr>
-          <a:xfrm>
-            <a:off x="251791" y="662587"/>
-            <a:ext cx="6857852" cy="830997"/>
-          </a:xfrm>
-          <a:prstGeom prst="rect">
-            <a:avLst/>
-          </a:prstGeom>
-          <a:noFill/>
-        </p:spPr>
-        <p:txBody>
-          <a:bodyPr wrap="square" rtlCol="0">
-            <a:spAutoFit/>
-          </a:bodyPr>
-          <a:lstStyle/>
-          <a:p>
-            <a:r>
-              <a:rPr lang="fr-FR" sz="2400" b="1" dirty="0"/>
-              <a:t>L’UTILISATION DE L’APPLICATION NECESSITE UNE CONNEXION AU PREALABLE</a:t>
-            </a:r>
-          </a:p>
-        </p:txBody>
-      </p:sp>
-      <p:sp>
-        <p:nvSpPr>
           <p:cNvPr id="2" name="ZoneTexte 1">
             <a:extLst>
               <a:ext uri="{FF2B5EF4-FFF2-40B4-BE49-F238E27FC236}">
@@ -23352,8 +21115,8 @@
         </p:nvSpPr>
         <p:spPr>
           <a:xfrm>
-            <a:off x="93789" y="142579"/>
-            <a:ext cx="2583150" cy="461665"/>
+            <a:off x="93788" y="142579"/>
+            <a:ext cx="2994851" cy="461665"/>
           </a:xfrm>
           <a:prstGeom prst="rect">
             <a:avLst/>
@@ -23378,39 +21141,497 @@
             <a:pPr algn="ctr"/>
             <a:r>
               <a:rPr lang="fr-FR" sz="2400" b="1" dirty="0"/>
-              <a:t>PRESENTATION</a:t>
+              <a:t>SLACK TECHNIQUE</a:t>
             </a:r>
           </a:p>
         </p:txBody>
       </p:sp>
-      <p:graphicFrame>
-        <p:nvGraphicFramePr>
-          <p:cNvPr id="11" name="Diagramme 10">
+      <p:sp>
+        <p:nvSpPr>
+          <p:cNvPr id="10" name="Rectangle 9">
             <a:extLst>
               <a:ext uri="{FF2B5EF4-FFF2-40B4-BE49-F238E27FC236}">
-                <a16:creationId xmlns:a16="http://schemas.microsoft.com/office/drawing/2014/main" id="{8D9D617D-C1DF-F579-CEC9-EB690A6188C8}"/>
+                <a16:creationId xmlns:a16="http://schemas.microsoft.com/office/drawing/2014/main" id="{351FF898-974A-A976-0080-5598CBCEB888}"/>
               </a:ext>
             </a:extLst>
           </p:cNvPr>
-          <p:cNvGraphicFramePr/>
-          <p:nvPr>
-            <p:extLst>
-              <p:ext uri="{D42A27DB-BD31-4B8C-83A1-F6EECF244321}">
-                <p14:modId xmlns:p14="http://schemas.microsoft.com/office/powerpoint/2010/main" val="4127098219"/>
-              </p:ext>
-            </p:extLst>
-          </p:nvPr>
-        </p:nvGraphicFramePr>
-        <p:xfrm>
-          <a:off x="1786597" y="1182595"/>
-          <a:ext cx="9495692" cy="5266945"/>
-        </p:xfrm>
-        <a:graphic>
-          <a:graphicData uri="http://schemas.openxmlformats.org/drawingml/2006/diagram">
-            <dgm:relIds xmlns:dgm="http://schemas.openxmlformats.org/drawingml/2006/diagram" xmlns:r="http://schemas.openxmlformats.org/officeDocument/2006/relationships" r:dm="rId2" r:lo="rId3" r:qs="rId4" r:cs="rId5"/>
-          </a:graphicData>
-        </a:graphic>
-      </p:graphicFrame>
+          <p:cNvSpPr/>
+          <p:nvPr/>
+        </p:nvSpPr>
+        <p:spPr>
+          <a:xfrm>
+            <a:off x="3180080" y="904238"/>
+            <a:ext cx="7548880" cy="1168400"/>
+          </a:xfrm>
+          <a:prstGeom prst="rect">
+            <a:avLst/>
+          </a:prstGeom>
+        </p:spPr>
+        <p:style>
+          <a:lnRef idx="2">
+            <a:schemeClr val="accent6"/>
+          </a:lnRef>
+          <a:fillRef idx="1">
+            <a:schemeClr val="lt1"/>
+          </a:fillRef>
+          <a:effectRef idx="0">
+            <a:schemeClr val="accent6"/>
+          </a:effectRef>
+          <a:fontRef idx="minor">
+            <a:schemeClr val="dk1"/>
+          </a:fontRef>
+        </p:style>
+        <p:txBody>
+          <a:bodyPr rtlCol="0" anchor="ctr"/>
+          <a:lstStyle/>
+          <a:p>
+            <a:endParaRPr lang="fr-FR" dirty="0"/>
+          </a:p>
+        </p:txBody>
+      </p:sp>
+      <p:pic>
+        <p:nvPicPr>
+          <p:cNvPr id="12" name="Image 11" descr="Une image contenant cercle, Graphique, art, symbole&#10;&#10;Description générée automatiquement">
+            <a:extLst>
+              <a:ext uri="{FF2B5EF4-FFF2-40B4-BE49-F238E27FC236}">
+                <a16:creationId xmlns:a16="http://schemas.microsoft.com/office/drawing/2014/main" id="{98E58DFF-F96F-8DC6-008A-2D3E8EA5FD8B}"/>
+              </a:ext>
+            </a:extLst>
+          </p:cNvPr>
+          <p:cNvPicPr>
+            <a:picLocks noChangeAspect="1"/>
+          </p:cNvPicPr>
+          <p:nvPr/>
+        </p:nvPicPr>
+        <p:blipFill>
+          <a:blip r:embed="rId2">
+            <a:extLst>
+              <a:ext uri="{28A0092B-C50C-407E-A947-70E740481C1C}">
+                <a14:useLocalDpi xmlns:a14="http://schemas.microsoft.com/office/drawing/2010/main" val="0"/>
+              </a:ext>
+            </a:extLst>
+          </a:blip>
+          <a:stretch>
+            <a:fillRect/>
+          </a:stretch>
+        </p:blipFill>
+        <p:spPr>
+          <a:xfrm>
+            <a:off x="3332479" y="938684"/>
+            <a:ext cx="1069023" cy="1069023"/>
+          </a:xfrm>
+          <a:prstGeom prst="rect">
+            <a:avLst/>
+          </a:prstGeom>
+        </p:spPr>
+      </p:pic>
+      <p:sp>
+        <p:nvSpPr>
+          <p:cNvPr id="13" name="ZoneTexte 12">
+            <a:extLst>
+              <a:ext uri="{FF2B5EF4-FFF2-40B4-BE49-F238E27FC236}">
+                <a16:creationId xmlns:a16="http://schemas.microsoft.com/office/drawing/2014/main" id="{8429D2B3-DE86-C3F2-F3BA-00F5DF390CF4}"/>
+              </a:ext>
+            </a:extLst>
+          </p:cNvPr>
+          <p:cNvSpPr txBox="1"/>
+          <p:nvPr/>
+        </p:nvSpPr>
+        <p:spPr>
+          <a:xfrm>
+            <a:off x="4401502" y="1043275"/>
+            <a:ext cx="1694498" cy="707886"/>
+          </a:xfrm>
+          <a:prstGeom prst="rect">
+            <a:avLst/>
+          </a:prstGeom>
+          <a:noFill/>
+        </p:spPr>
+        <p:txBody>
+          <a:bodyPr wrap="square" rtlCol="0">
+            <a:spAutoFit/>
+          </a:bodyPr>
+          <a:lstStyle/>
+          <a:p>
+            <a:r>
+              <a:rPr lang="fr-FR" sz="4000" b="1" u="sng" dirty="0" err="1"/>
+              <a:t>React</a:t>
+            </a:r>
+            <a:r>
+              <a:rPr lang="fr-FR" sz="1600" dirty="0"/>
+              <a:t> </a:t>
+            </a:r>
+            <a:endParaRPr lang="fr-FR" sz="4000" b="1" dirty="0"/>
+          </a:p>
+        </p:txBody>
+      </p:sp>
+      <p:sp>
+        <p:nvSpPr>
+          <p:cNvPr id="14" name="ZoneTexte 13">
+            <a:extLst>
+              <a:ext uri="{FF2B5EF4-FFF2-40B4-BE49-F238E27FC236}">
+                <a16:creationId xmlns:a16="http://schemas.microsoft.com/office/drawing/2014/main" id="{DE9CFECF-7BA9-5BBC-40C4-714E2CAFEA07}"/>
+              </a:ext>
+            </a:extLst>
+          </p:cNvPr>
+          <p:cNvSpPr txBox="1"/>
+          <p:nvPr/>
+        </p:nvSpPr>
+        <p:spPr>
+          <a:xfrm>
+            <a:off x="6352222" y="995420"/>
+            <a:ext cx="4376738" cy="1077218"/>
+          </a:xfrm>
+          <a:prstGeom prst="rect">
+            <a:avLst/>
+          </a:prstGeom>
+          <a:noFill/>
+        </p:spPr>
+        <p:txBody>
+          <a:bodyPr wrap="square" rtlCol="0">
+            <a:spAutoFit/>
+          </a:bodyPr>
+          <a:lstStyle/>
+          <a:p>
+            <a:r>
+              <a:rPr lang="fr-FR" sz="1600" b="1" dirty="0" err="1"/>
+              <a:t>Front-End</a:t>
+            </a:r>
+            <a:r>
+              <a:rPr lang="fr-FR" sz="1600" b="1" dirty="0"/>
+              <a:t> complet de l’application réalisé en </a:t>
+            </a:r>
+            <a:r>
+              <a:rPr lang="fr-FR" sz="1600" b="1" dirty="0" err="1"/>
+              <a:t>React</a:t>
+            </a:r>
+            <a:r>
+              <a:rPr lang="fr-FR" sz="1600" b="1" dirty="0"/>
+              <a:t> afin de me faciliter la gestion du DOM et ainsi rendre l’application complètement dynamique</a:t>
+            </a:r>
+          </a:p>
+        </p:txBody>
+      </p:sp>
+      <p:sp>
+        <p:nvSpPr>
+          <p:cNvPr id="15" name="Rectangle 14">
+            <a:extLst>
+              <a:ext uri="{FF2B5EF4-FFF2-40B4-BE49-F238E27FC236}">
+                <a16:creationId xmlns:a16="http://schemas.microsoft.com/office/drawing/2014/main" id="{46C005F3-9E0E-5CCD-DD8A-9129D55C1017}"/>
+              </a:ext>
+            </a:extLst>
+          </p:cNvPr>
+          <p:cNvSpPr/>
+          <p:nvPr/>
+        </p:nvSpPr>
+        <p:spPr>
+          <a:xfrm>
+            <a:off x="3180080" y="3129278"/>
+            <a:ext cx="7548880" cy="1168400"/>
+          </a:xfrm>
+          <a:prstGeom prst="rect">
+            <a:avLst/>
+          </a:prstGeom>
+        </p:spPr>
+        <p:style>
+          <a:lnRef idx="2">
+            <a:schemeClr val="accent6"/>
+          </a:lnRef>
+          <a:fillRef idx="1">
+            <a:schemeClr val="lt1"/>
+          </a:fillRef>
+          <a:effectRef idx="0">
+            <a:schemeClr val="accent6"/>
+          </a:effectRef>
+          <a:fontRef idx="minor">
+            <a:schemeClr val="dk1"/>
+          </a:fontRef>
+        </p:style>
+        <p:txBody>
+          <a:bodyPr rtlCol="0" anchor="ctr"/>
+          <a:lstStyle/>
+          <a:p>
+            <a:endParaRPr lang="fr-FR" dirty="0"/>
+          </a:p>
+        </p:txBody>
+      </p:sp>
+      <p:pic>
+        <p:nvPicPr>
+          <p:cNvPr id="17" name="Image 16" descr="Une image contenant logo, Graphique, Police, conception&#10;&#10;Description générée automatiquement">
+            <a:extLst>
+              <a:ext uri="{FF2B5EF4-FFF2-40B4-BE49-F238E27FC236}">
+                <a16:creationId xmlns:a16="http://schemas.microsoft.com/office/drawing/2014/main" id="{FA6D38B4-9879-C56E-58D6-D77FF2E0E290}"/>
+              </a:ext>
+            </a:extLst>
+          </p:cNvPr>
+          <p:cNvPicPr>
+            <a:picLocks noChangeAspect="1"/>
+          </p:cNvPicPr>
+          <p:nvPr/>
+        </p:nvPicPr>
+        <p:blipFill>
+          <a:blip r:embed="rId3">
+            <a:extLst>
+              <a:ext uri="{28A0092B-C50C-407E-A947-70E740481C1C}">
+                <a14:useLocalDpi xmlns:a14="http://schemas.microsoft.com/office/drawing/2010/main" val="0"/>
+              </a:ext>
+            </a:extLst>
+          </a:blip>
+          <a:stretch>
+            <a:fillRect/>
+          </a:stretch>
+        </p:blipFill>
+        <p:spPr>
+          <a:xfrm>
+            <a:off x="3282790" y="3129278"/>
+            <a:ext cx="1168400" cy="1168400"/>
+          </a:xfrm>
+          <a:prstGeom prst="rect">
+            <a:avLst/>
+          </a:prstGeom>
+        </p:spPr>
+      </p:pic>
+      <p:sp>
+        <p:nvSpPr>
+          <p:cNvPr id="22" name="ZoneTexte 21">
+            <a:extLst>
+              <a:ext uri="{FF2B5EF4-FFF2-40B4-BE49-F238E27FC236}">
+                <a16:creationId xmlns:a16="http://schemas.microsoft.com/office/drawing/2014/main" id="{24119E96-99C5-008E-7F0A-A9F36FEE2450}"/>
+              </a:ext>
+            </a:extLst>
+          </p:cNvPr>
+          <p:cNvSpPr txBox="1"/>
+          <p:nvPr/>
+        </p:nvSpPr>
+        <p:spPr>
+          <a:xfrm>
+            <a:off x="4401502" y="3359535"/>
+            <a:ext cx="2151698" cy="584775"/>
+          </a:xfrm>
+          <a:prstGeom prst="rect">
+            <a:avLst/>
+          </a:prstGeom>
+          <a:noFill/>
+        </p:spPr>
+        <p:txBody>
+          <a:bodyPr wrap="square" rtlCol="0">
+            <a:spAutoFit/>
+          </a:bodyPr>
+          <a:lstStyle/>
+          <a:p>
+            <a:r>
+              <a:rPr lang="fr-FR" sz="3200" b="1" u="sng" dirty="0"/>
+              <a:t>MongoDB</a:t>
+            </a:r>
+            <a:r>
+              <a:rPr lang="fr-FR" sz="1600" dirty="0"/>
+              <a:t> </a:t>
+            </a:r>
+            <a:endParaRPr lang="fr-FR" sz="4000" b="1" dirty="0"/>
+          </a:p>
+        </p:txBody>
+      </p:sp>
+      <p:sp>
+        <p:nvSpPr>
+          <p:cNvPr id="23" name="ZoneTexte 22">
+            <a:extLst>
+              <a:ext uri="{FF2B5EF4-FFF2-40B4-BE49-F238E27FC236}">
+                <a16:creationId xmlns:a16="http://schemas.microsoft.com/office/drawing/2014/main" id="{AB90448D-B159-A0D0-6D9B-0D7126F7F36B}"/>
+              </a:ext>
+            </a:extLst>
+          </p:cNvPr>
+          <p:cNvSpPr txBox="1"/>
+          <p:nvPr/>
+        </p:nvSpPr>
+        <p:spPr>
+          <a:xfrm>
+            <a:off x="6352222" y="3129278"/>
+            <a:ext cx="4376738" cy="1015663"/>
+          </a:xfrm>
+          <a:prstGeom prst="rect">
+            <a:avLst/>
+          </a:prstGeom>
+          <a:noFill/>
+        </p:spPr>
+        <p:txBody>
+          <a:bodyPr wrap="square" rtlCol="0">
+            <a:spAutoFit/>
+          </a:bodyPr>
+          <a:lstStyle/>
+          <a:p>
+            <a:r>
+              <a:rPr lang="fr-FR" sz="1500" b="1" dirty="0"/>
+              <a:t>Base de données réalisées à partir de MongoDB ce qui est un choix judicieux pour un projet de cette envergure car la quantité de données pourrait être important</a:t>
+            </a:r>
+          </a:p>
+        </p:txBody>
+      </p:sp>
+      <p:sp>
+        <p:nvSpPr>
+          <p:cNvPr id="24" name="Rectangle 23">
+            <a:extLst>
+              <a:ext uri="{FF2B5EF4-FFF2-40B4-BE49-F238E27FC236}">
+                <a16:creationId xmlns:a16="http://schemas.microsoft.com/office/drawing/2014/main" id="{EE3B3E2C-2CB6-F572-FB18-C2B6A08428DC}"/>
+              </a:ext>
+            </a:extLst>
+          </p:cNvPr>
+          <p:cNvSpPr/>
+          <p:nvPr/>
+        </p:nvSpPr>
+        <p:spPr>
+          <a:xfrm>
+            <a:off x="3180080" y="5335116"/>
+            <a:ext cx="7548880" cy="1168400"/>
+          </a:xfrm>
+          <a:prstGeom prst="rect">
+            <a:avLst/>
+          </a:prstGeom>
+        </p:spPr>
+        <p:style>
+          <a:lnRef idx="2">
+            <a:schemeClr val="accent6"/>
+          </a:lnRef>
+          <a:fillRef idx="1">
+            <a:schemeClr val="lt1"/>
+          </a:fillRef>
+          <a:effectRef idx="0">
+            <a:schemeClr val="accent6"/>
+          </a:effectRef>
+          <a:fontRef idx="minor">
+            <a:schemeClr val="dk1"/>
+          </a:fontRef>
+        </p:style>
+        <p:txBody>
+          <a:bodyPr rtlCol="0" anchor="ctr"/>
+          <a:lstStyle/>
+          <a:p>
+            <a:endParaRPr lang="fr-FR" dirty="0"/>
+          </a:p>
+        </p:txBody>
+      </p:sp>
+      <p:pic>
+        <p:nvPicPr>
+          <p:cNvPr id="26" name="Image 25" descr="Une image contenant Graphique, capture d’écran, conception, pixel&#10;&#10;Description générée automatiquement">
+            <a:extLst>
+              <a:ext uri="{FF2B5EF4-FFF2-40B4-BE49-F238E27FC236}">
+                <a16:creationId xmlns:a16="http://schemas.microsoft.com/office/drawing/2014/main" id="{14515CA9-203F-E5B7-DD16-75B8309BAAE1}"/>
+              </a:ext>
+            </a:extLst>
+          </p:cNvPr>
+          <p:cNvPicPr>
+            <a:picLocks noChangeAspect="1"/>
+          </p:cNvPicPr>
+          <p:nvPr/>
+        </p:nvPicPr>
+        <p:blipFill>
+          <a:blip r:embed="rId4">
+            <a:extLst>
+              <a:ext uri="{28A0092B-C50C-407E-A947-70E740481C1C}">
+                <a14:useLocalDpi xmlns:a14="http://schemas.microsoft.com/office/drawing/2010/main" val="0"/>
+              </a:ext>
+            </a:extLst>
+          </a:blip>
+          <a:stretch>
+            <a:fillRect/>
+          </a:stretch>
+        </p:blipFill>
+        <p:spPr>
+          <a:xfrm>
+            <a:off x="3263580" y="5114135"/>
+            <a:ext cx="1735140" cy="1610361"/>
+          </a:xfrm>
+          <a:prstGeom prst="rect">
+            <a:avLst/>
+          </a:prstGeom>
+        </p:spPr>
+      </p:pic>
+      <p:sp>
+        <p:nvSpPr>
+          <p:cNvPr id="27" name="ZoneTexte 26">
+            <a:extLst>
+              <a:ext uri="{FF2B5EF4-FFF2-40B4-BE49-F238E27FC236}">
+                <a16:creationId xmlns:a16="http://schemas.microsoft.com/office/drawing/2014/main" id="{653315FB-38F2-29A0-BA41-A5D107512F37}"/>
+              </a:ext>
+            </a:extLst>
+          </p:cNvPr>
+          <p:cNvSpPr txBox="1"/>
+          <p:nvPr/>
+        </p:nvSpPr>
+        <p:spPr>
+          <a:xfrm>
+            <a:off x="4998720" y="5570192"/>
+            <a:ext cx="1353502" cy="584775"/>
+          </a:xfrm>
+          <a:prstGeom prst="rect">
+            <a:avLst/>
+          </a:prstGeom>
+          <a:noFill/>
+        </p:spPr>
+        <p:txBody>
+          <a:bodyPr wrap="square" rtlCol="0">
+            <a:spAutoFit/>
+          </a:bodyPr>
+          <a:lstStyle/>
+          <a:p>
+            <a:r>
+              <a:rPr lang="fr-FR" sz="3200" b="1" u="sng" dirty="0"/>
+              <a:t>Node</a:t>
+            </a:r>
+            <a:r>
+              <a:rPr lang="fr-FR" sz="3200" dirty="0"/>
+              <a:t> </a:t>
+            </a:r>
+            <a:endParaRPr lang="fr-FR" sz="3200" b="1" dirty="0"/>
+          </a:p>
+        </p:txBody>
+      </p:sp>
+      <p:sp>
+        <p:nvSpPr>
+          <p:cNvPr id="28" name="ZoneTexte 27">
+            <a:extLst>
+              <a:ext uri="{FF2B5EF4-FFF2-40B4-BE49-F238E27FC236}">
+                <a16:creationId xmlns:a16="http://schemas.microsoft.com/office/drawing/2014/main" id="{BE7A6531-0719-E5C0-1690-AC10EEC92436}"/>
+              </a:ext>
+            </a:extLst>
+          </p:cNvPr>
+          <p:cNvSpPr txBox="1"/>
+          <p:nvPr/>
+        </p:nvSpPr>
+        <p:spPr>
+          <a:xfrm>
+            <a:off x="6352222" y="5503816"/>
+            <a:ext cx="4376738" cy="830997"/>
+          </a:xfrm>
+          <a:prstGeom prst="rect">
+            <a:avLst/>
+          </a:prstGeom>
+          <a:noFill/>
+        </p:spPr>
+        <p:txBody>
+          <a:bodyPr wrap="square" rtlCol="0">
+            <a:spAutoFit/>
+          </a:bodyPr>
+          <a:lstStyle/>
+          <a:p>
+            <a:r>
+              <a:rPr lang="fr-FR" sz="1600" b="1" dirty="0" err="1"/>
+              <a:t>Back-End</a:t>
+            </a:r>
+            <a:r>
+              <a:rPr lang="fr-FR" sz="1600" b="1" dirty="0"/>
+              <a:t> réalisé en </a:t>
+            </a:r>
+            <a:r>
+              <a:rPr lang="fr-FR" sz="1600" b="1" dirty="0" err="1"/>
+              <a:t>NodeJs</a:t>
+            </a:r>
+            <a:r>
+              <a:rPr lang="fr-FR" sz="1600" b="1" dirty="0"/>
+              <a:t> afin d’interagir avec la base de données réalisée en MongoDB</a:t>
+            </a:r>
+          </a:p>
+        </p:txBody>
+      </p:sp>
     </p:spTree>
     <p:extLst>
       <p:ext uri="{BB962C8B-B14F-4D97-AF65-F5344CB8AC3E}">
@@ -23459,7 +21680,7 @@
         <p:spPr>
           <a:xfrm>
             <a:off x="93789" y="142579"/>
-            <a:ext cx="2450628" cy="461665"/>
+            <a:ext cx="3152994" cy="461665"/>
           </a:xfrm>
           <a:prstGeom prst="rect">
             <a:avLst/>
@@ -23484,7 +21705,7 @@
             <a:pPr algn="ctr"/>
             <a:r>
               <a:rPr lang="fr-FR" sz="2400" b="1" dirty="0"/>
-              <a:t>PRESENTATION</a:t>
+              <a:t>BASE DE DONNEES</a:t>
             </a:r>
           </a:p>
         </p:txBody>
@@ -23503,7 +21724,7 @@
         </p:nvSpPr>
         <p:spPr>
           <a:xfrm>
-            <a:off x="4456116" y="5748800"/>
+            <a:off x="4679636" y="5901823"/>
             <a:ext cx="4144543" cy="830997"/>
           </a:xfrm>
           <a:prstGeom prst="rect">
@@ -23520,17 +21741,17 @@
             <a:pPr algn="ctr"/>
             <a:r>
               <a:rPr lang="fr-FR" sz="2400" b="1" dirty="0"/>
-              <a:t>UNE LISTE GLOBALE DES PRODUITS</a:t>
+              <a:t>MODELE CONCEPTUEL DES DONNEES</a:t>
             </a:r>
           </a:p>
         </p:txBody>
       </p:sp>
       <p:pic>
         <p:nvPicPr>
-          <p:cNvPr id="8" name="Image 7">
+          <p:cNvPr id="9" name="Image 8">
             <a:extLst>
               <a:ext uri="{FF2B5EF4-FFF2-40B4-BE49-F238E27FC236}">
-                <a16:creationId xmlns:a16="http://schemas.microsoft.com/office/drawing/2014/main" id="{E7D50ED3-AB85-B940-DF8B-0D66FADDB835}"/>
+                <a16:creationId xmlns:a16="http://schemas.microsoft.com/office/drawing/2014/main" id="{FC86D65A-1E51-A972-72DF-98E640167035}"/>
               </a:ext>
             </a:extLst>
           </p:cNvPr>
@@ -23540,51 +21761,15 @@
           <p:nvPr/>
         </p:nvPicPr>
         <p:blipFill>
-          <a:blip r:embed="rId2">
-            <a:extLst>
-              <a:ext uri="{28A0092B-C50C-407E-A947-70E740481C1C}">
-                <a14:useLocalDpi xmlns:a14="http://schemas.microsoft.com/office/drawing/2010/main" val="0"/>
-              </a:ext>
-            </a:extLst>
-          </a:blip>
+          <a:blip r:embed="rId2"/>
           <a:stretch>
             <a:fillRect/>
           </a:stretch>
         </p:blipFill>
         <p:spPr>
           <a:xfrm>
-            <a:off x="3246783" y="383979"/>
-            <a:ext cx="7063408" cy="5259045"/>
-          </a:xfrm>
-          <a:prstGeom prst="rect">
-            <a:avLst/>
-          </a:prstGeom>
-        </p:spPr>
-      </p:pic>
-      <p:pic>
-        <p:nvPicPr>
-          <p:cNvPr id="4" name="Image 3">
-            <a:extLst>
-              <a:ext uri="{FF2B5EF4-FFF2-40B4-BE49-F238E27FC236}">
-                <a16:creationId xmlns:a16="http://schemas.microsoft.com/office/drawing/2014/main" id="{B6E8A132-AB43-91CC-1EAC-103FC4E51EFC}"/>
-              </a:ext>
-            </a:extLst>
-          </p:cNvPr>
-          <p:cNvPicPr>
-            <a:picLocks noChangeAspect="1"/>
-          </p:cNvPicPr>
-          <p:nvPr/>
-        </p:nvPicPr>
-        <p:blipFill>
-          <a:blip r:embed="rId3"/>
-          <a:stretch>
-            <a:fillRect/>
-          </a:stretch>
-        </p:blipFill>
-        <p:spPr>
-          <a:xfrm>
-            <a:off x="3949149" y="1416424"/>
-            <a:ext cx="5705839" cy="2312894"/>
+            <a:off x="2313563" y="757267"/>
+            <a:ext cx="8702794" cy="4991533"/>
           </a:xfrm>
           <a:prstGeom prst="rect">
             <a:avLst/>
@@ -23639,7 +21824,7 @@
         <p:spPr>
           <a:xfrm>
             <a:off x="93789" y="142579"/>
-            <a:ext cx="2450628" cy="461665"/>
+            <a:ext cx="3152994" cy="461665"/>
           </a:xfrm>
           <a:prstGeom prst="rect">
             <a:avLst/>
@@ -23664,7 +21849,7 @@
             <a:pPr algn="ctr"/>
             <a:r>
               <a:rPr lang="fr-FR" sz="2400" b="1" dirty="0"/>
-              <a:t>PRESENTATION</a:t>
+              <a:t>BASE DE DONNEES</a:t>
             </a:r>
           </a:p>
         </p:txBody>
@@ -23683,8 +21868,8 @@
         </p:nvSpPr>
         <p:spPr>
           <a:xfrm>
-            <a:off x="4456116" y="5748800"/>
-            <a:ext cx="4144543" cy="461665"/>
+            <a:off x="5400996" y="6027003"/>
+            <a:ext cx="4144543" cy="830997"/>
           </a:xfrm>
           <a:prstGeom prst="rect">
             <a:avLst/>
@@ -23700,17 +21885,17 @@
             <a:pPr algn="ctr"/>
             <a:r>
               <a:rPr lang="fr-FR" sz="2400" b="1" dirty="0"/>
-              <a:t>DETAILS D’UN PRODUIT</a:t>
+              <a:t>MODELE LOGIQUE DES DONNEES</a:t>
             </a:r>
           </a:p>
         </p:txBody>
       </p:sp>
       <p:pic>
         <p:nvPicPr>
-          <p:cNvPr id="8" name="Image 7">
+          <p:cNvPr id="6" name="Image 5">
             <a:extLst>
               <a:ext uri="{FF2B5EF4-FFF2-40B4-BE49-F238E27FC236}">
-                <a16:creationId xmlns:a16="http://schemas.microsoft.com/office/drawing/2014/main" id="{E7D50ED3-AB85-B940-DF8B-0D66FADDB835}"/>
+                <a16:creationId xmlns:a16="http://schemas.microsoft.com/office/drawing/2014/main" id="{AD6598DF-2B18-0C65-A7BC-4165CF87E3BC}"/>
               </a:ext>
             </a:extLst>
           </p:cNvPr>
@@ -23720,51 +21905,15 @@
           <p:nvPr/>
         </p:nvPicPr>
         <p:blipFill>
-          <a:blip r:embed="rId2">
-            <a:extLst>
-              <a:ext uri="{28A0092B-C50C-407E-A947-70E740481C1C}">
-                <a14:useLocalDpi xmlns:a14="http://schemas.microsoft.com/office/drawing/2010/main" val="0"/>
-              </a:ext>
-            </a:extLst>
-          </a:blip>
+          <a:blip r:embed="rId2"/>
           <a:stretch>
             <a:fillRect/>
           </a:stretch>
         </p:blipFill>
         <p:spPr>
           <a:xfrm>
-            <a:off x="3246783" y="383979"/>
-            <a:ext cx="7063408" cy="5259045"/>
-          </a:xfrm>
-          <a:prstGeom prst="rect">
-            <a:avLst/>
-          </a:prstGeom>
-        </p:spPr>
-      </p:pic>
-      <p:pic>
-        <p:nvPicPr>
-          <p:cNvPr id="5" name="Image 4">
-            <a:extLst>
-              <a:ext uri="{FF2B5EF4-FFF2-40B4-BE49-F238E27FC236}">
-                <a16:creationId xmlns:a16="http://schemas.microsoft.com/office/drawing/2014/main" id="{9E82E3F3-1CD3-FE2D-4BB9-DFD4065AA565}"/>
-              </a:ext>
-            </a:extLst>
-          </p:cNvPr>
-          <p:cNvPicPr>
-            <a:picLocks noChangeAspect="1"/>
-          </p:cNvPicPr>
-          <p:nvPr/>
-        </p:nvPicPr>
-        <p:blipFill>
-          <a:blip r:embed="rId3"/>
-          <a:stretch>
-            <a:fillRect/>
-          </a:stretch>
-        </p:blipFill>
-        <p:spPr>
-          <a:xfrm>
-            <a:off x="3953435" y="1416423"/>
-            <a:ext cx="5674659" cy="2384612"/>
+            <a:off x="2213189" y="705844"/>
+            <a:ext cx="9716342" cy="5121084"/>
           </a:xfrm>
           <a:prstGeom prst="rect">
             <a:avLst/>
@@ -23774,7 +21923,7 @@
     </p:spTree>
     <p:extLst>
       <p:ext uri="{BB962C8B-B14F-4D97-AF65-F5344CB8AC3E}">
-        <p14:creationId xmlns:p14="http://schemas.microsoft.com/office/powerpoint/2010/main" val="1430815766"/>
+        <p14:creationId xmlns:p14="http://schemas.microsoft.com/office/powerpoint/2010/main" val="3222685380"/>
       </p:ext>
     </p:extLst>
   </p:cSld>
@@ -23818,8 +21967,8 @@
         </p:nvSpPr>
         <p:spPr>
           <a:xfrm>
-            <a:off x="93789" y="142579"/>
-            <a:ext cx="2450628" cy="461665"/>
+            <a:off x="93788" y="142579"/>
+            <a:ext cx="2974531" cy="461665"/>
           </a:xfrm>
           <a:prstGeom prst="rect">
             <a:avLst/>
@@ -23844,17 +21993,17 @@
             <a:pPr algn="ctr"/>
             <a:r>
               <a:rPr lang="fr-FR" sz="2400" b="1" dirty="0"/>
-              <a:t>PRESENTATION</a:t>
+              <a:t>FONCTIONNALITES</a:t>
             </a:r>
           </a:p>
         </p:txBody>
       </p:sp>
       <p:sp>
         <p:nvSpPr>
-          <p:cNvPr id="15" name="ZoneTexte 14">
+          <p:cNvPr id="3" name="ZoneTexte 2">
             <a:extLst>
               <a:ext uri="{FF2B5EF4-FFF2-40B4-BE49-F238E27FC236}">
-                <a16:creationId xmlns:a16="http://schemas.microsoft.com/office/drawing/2014/main" id="{99CBDD06-A606-059B-D0B1-10BFC6DB6A79}"/>
+                <a16:creationId xmlns:a16="http://schemas.microsoft.com/office/drawing/2014/main" id="{474927D2-C5D7-91AD-44D2-8C4D691EC160}"/>
               </a:ext>
             </a:extLst>
           </p:cNvPr>
@@ -23863,8 +22012,8 @@
         </p:nvSpPr>
         <p:spPr>
           <a:xfrm>
-            <a:off x="4456116" y="5748800"/>
-            <a:ext cx="4144543" cy="830997"/>
+            <a:off x="3309034" y="1839863"/>
+            <a:ext cx="8642252" cy="523220"/>
           </a:xfrm>
           <a:prstGeom prst="rect">
             <a:avLst/>
@@ -23877,84 +22026,358 @@
           </a:bodyPr>
           <a:lstStyle/>
           <a:p>
-            <a:pPr algn="ctr"/>
             <a:r>
-              <a:rPr lang="fr-FR" sz="2400" b="1" dirty="0"/>
-              <a:t>LISTE DES COMMANDES ENREGISTREES</a:t>
+              <a:rPr lang="fr-FR" sz="2800" b="1" dirty="0"/>
+              <a:t>CREATION DE COMMANDES </a:t>
             </a:r>
           </a:p>
         </p:txBody>
       </p:sp>
-      <p:pic>
-        <p:nvPicPr>
-          <p:cNvPr id="8" name="Image 7">
+      <p:sp>
+        <p:nvSpPr>
+          <p:cNvPr id="4" name="Flèche : droite 3">
             <a:extLst>
               <a:ext uri="{FF2B5EF4-FFF2-40B4-BE49-F238E27FC236}">
-                <a16:creationId xmlns:a16="http://schemas.microsoft.com/office/drawing/2014/main" id="{E7D50ED3-AB85-B940-DF8B-0D66FADDB835}"/>
+                <a16:creationId xmlns:a16="http://schemas.microsoft.com/office/drawing/2014/main" id="{ABED472B-3C5E-317B-B014-0CAC216707E5}"/>
               </a:ext>
             </a:extLst>
           </p:cNvPr>
-          <p:cNvPicPr>
-            <a:picLocks noChangeAspect="1"/>
-          </p:cNvPicPr>
+          <p:cNvSpPr/>
           <p:nvPr/>
-        </p:nvPicPr>
-        <p:blipFill>
-          <a:blip r:embed="rId2">
+        </p:nvSpPr>
+        <p:spPr>
+          <a:xfrm>
+            <a:off x="2049863" y="1975271"/>
+            <a:ext cx="562708" cy="336341"/>
+          </a:xfrm>
+          <a:prstGeom prst="rightArrow">
+            <a:avLst/>
+          </a:prstGeom>
+        </p:spPr>
+        <p:style>
+          <a:lnRef idx="2">
+            <a:schemeClr val="accent1">
+              <a:shade val="50000"/>
+            </a:schemeClr>
+          </a:lnRef>
+          <a:fillRef idx="1">
+            <a:schemeClr val="accent1"/>
+          </a:fillRef>
+          <a:effectRef idx="0">
+            <a:schemeClr val="accent1"/>
+          </a:effectRef>
+          <a:fontRef idx="minor">
+            <a:schemeClr val="lt1"/>
+          </a:fontRef>
+        </p:style>
+        <p:txBody>
+          <a:bodyPr rtlCol="0" anchor="ctr"/>
+          <a:lstStyle/>
+          <a:p>
+            <a:pPr algn="ctr"/>
+            <a:endParaRPr lang="fr-FR">
+              <a:solidFill>
+                <a:srgbClr val="00B0F0"/>
+              </a:solidFill>
+            </a:endParaRPr>
+          </a:p>
+        </p:txBody>
+      </p:sp>
+      <p:sp>
+        <p:nvSpPr>
+          <p:cNvPr id="6" name="ZoneTexte 5">
             <a:extLst>
-              <a:ext uri="{28A0092B-C50C-407E-A947-70E740481C1C}">
-                <a14:useLocalDpi xmlns:a14="http://schemas.microsoft.com/office/drawing/2010/main" val="0"/>
+              <a:ext uri="{FF2B5EF4-FFF2-40B4-BE49-F238E27FC236}">
+                <a16:creationId xmlns:a16="http://schemas.microsoft.com/office/drawing/2014/main" id="{C07B5CC3-C0E0-0809-35E1-50F80055F927}"/>
               </a:ext>
             </a:extLst>
-          </a:blip>
-          <a:stretch>
-            <a:fillRect/>
-          </a:stretch>
-        </p:blipFill>
+          </p:cNvPr>
+          <p:cNvSpPr txBox="1"/>
+          <p:nvPr/>
+        </p:nvSpPr>
         <p:spPr>
           <a:xfrm>
-            <a:off x="3246783" y="383979"/>
-            <a:ext cx="7063408" cy="5259045"/>
+            <a:off x="3309034" y="2725018"/>
+            <a:ext cx="8309320" cy="523220"/>
           </a:xfrm>
           <a:prstGeom prst="rect">
             <a:avLst/>
           </a:prstGeom>
+          <a:noFill/>
         </p:spPr>
-      </p:pic>
-      <p:pic>
-        <p:nvPicPr>
-          <p:cNvPr id="4" name="Image 3">
+        <p:txBody>
+          <a:bodyPr wrap="square" rtlCol="0">
+            <a:spAutoFit/>
+          </a:bodyPr>
+          <a:lstStyle/>
+          <a:p>
+            <a:r>
+              <a:rPr lang="fr-FR" sz="2800" b="1" dirty="0"/>
+              <a:t>IMPRESSIONS DE FACTURES ET ENVOI PAR EMAIL</a:t>
+            </a:r>
+          </a:p>
+        </p:txBody>
+      </p:sp>
+      <p:sp>
+        <p:nvSpPr>
+          <p:cNvPr id="7" name="Flèche : droite 6">
             <a:extLst>
               <a:ext uri="{FF2B5EF4-FFF2-40B4-BE49-F238E27FC236}">
-                <a16:creationId xmlns:a16="http://schemas.microsoft.com/office/drawing/2014/main" id="{DE0657D2-2267-0464-C967-A031FF86B735}"/>
+                <a16:creationId xmlns:a16="http://schemas.microsoft.com/office/drawing/2014/main" id="{FC0AE94B-FFB4-6971-6ABB-3BBB247A7373}"/>
               </a:ext>
             </a:extLst>
           </p:cNvPr>
-          <p:cNvPicPr>
-            <a:picLocks noChangeAspect="1"/>
-          </p:cNvPicPr>
+          <p:cNvSpPr/>
           <p:nvPr/>
-        </p:nvPicPr>
-        <p:blipFill>
-          <a:blip r:embed="rId3"/>
-          <a:stretch>
-            <a:fillRect/>
-          </a:stretch>
-        </p:blipFill>
+        </p:nvSpPr>
         <p:spPr>
           <a:xfrm>
-            <a:off x="3944470" y="1434354"/>
-            <a:ext cx="5710517" cy="2339788"/>
+            <a:off x="2049863" y="2841105"/>
+            <a:ext cx="562708" cy="336341"/>
+          </a:xfrm>
+          <a:prstGeom prst="rightArrow">
+            <a:avLst/>
+          </a:prstGeom>
+        </p:spPr>
+        <p:style>
+          <a:lnRef idx="2">
+            <a:schemeClr val="accent1">
+              <a:shade val="50000"/>
+            </a:schemeClr>
+          </a:lnRef>
+          <a:fillRef idx="1">
+            <a:schemeClr val="accent1"/>
+          </a:fillRef>
+          <a:effectRef idx="0">
+            <a:schemeClr val="accent1"/>
+          </a:effectRef>
+          <a:fontRef idx="minor">
+            <a:schemeClr val="lt1"/>
+          </a:fontRef>
+        </p:style>
+        <p:txBody>
+          <a:bodyPr rtlCol="0" anchor="ctr"/>
+          <a:lstStyle/>
+          <a:p>
+            <a:pPr algn="ctr"/>
+            <a:endParaRPr lang="fr-FR"/>
+          </a:p>
+        </p:txBody>
+      </p:sp>
+      <p:sp>
+        <p:nvSpPr>
+          <p:cNvPr id="9" name="Flèche : droite 8">
+            <a:extLst>
+              <a:ext uri="{FF2B5EF4-FFF2-40B4-BE49-F238E27FC236}">
+                <a16:creationId xmlns:a16="http://schemas.microsoft.com/office/drawing/2014/main" id="{673E9B65-EB02-6BCB-3967-B1947D71EBFD}"/>
+              </a:ext>
+            </a:extLst>
+          </p:cNvPr>
+          <p:cNvSpPr/>
+          <p:nvPr/>
+        </p:nvSpPr>
+        <p:spPr>
+          <a:xfrm>
+            <a:off x="2049863" y="3750475"/>
+            <a:ext cx="562708" cy="336341"/>
+          </a:xfrm>
+          <a:prstGeom prst="rightArrow">
+            <a:avLst/>
+          </a:prstGeom>
+        </p:spPr>
+        <p:style>
+          <a:lnRef idx="2">
+            <a:schemeClr val="accent1">
+              <a:shade val="50000"/>
+            </a:schemeClr>
+          </a:lnRef>
+          <a:fillRef idx="1">
+            <a:schemeClr val="accent1"/>
+          </a:fillRef>
+          <a:effectRef idx="0">
+            <a:schemeClr val="accent1"/>
+          </a:effectRef>
+          <a:fontRef idx="minor">
+            <a:schemeClr val="lt1"/>
+          </a:fontRef>
+        </p:style>
+        <p:txBody>
+          <a:bodyPr rtlCol="0" anchor="ctr"/>
+          <a:lstStyle/>
+          <a:p>
+            <a:pPr algn="ctr"/>
+            <a:endParaRPr lang="fr-FR"/>
+          </a:p>
+        </p:txBody>
+      </p:sp>
+      <p:sp>
+        <p:nvSpPr>
+          <p:cNvPr id="10" name="ZoneTexte 9">
+            <a:extLst>
+              <a:ext uri="{FF2B5EF4-FFF2-40B4-BE49-F238E27FC236}">
+                <a16:creationId xmlns:a16="http://schemas.microsoft.com/office/drawing/2014/main" id="{E24EF3AB-11EB-19CF-B128-ADF0C837E3AB}"/>
+              </a:ext>
+            </a:extLst>
+          </p:cNvPr>
+          <p:cNvSpPr txBox="1"/>
+          <p:nvPr/>
+        </p:nvSpPr>
+        <p:spPr>
+          <a:xfrm>
+            <a:off x="3309032" y="3609763"/>
+            <a:ext cx="8309321" cy="954107"/>
           </a:xfrm>
           <a:prstGeom prst="rect">
             <a:avLst/>
           </a:prstGeom>
+          <a:noFill/>
         </p:spPr>
-      </p:pic>
+        <p:txBody>
+          <a:bodyPr wrap="square" rtlCol="0">
+            <a:spAutoFit/>
+          </a:bodyPr>
+          <a:lstStyle/>
+          <a:p>
+            <a:r>
+              <a:rPr lang="fr-FR" sz="2800" b="1" dirty="0"/>
+              <a:t>GESTION DES UTILISATEURS UNIQUEMENT POUR LES ADMINS</a:t>
+            </a:r>
+          </a:p>
+        </p:txBody>
+      </p:sp>
+      <p:sp>
+        <p:nvSpPr>
+          <p:cNvPr id="11" name="ZoneTexte 10">
+            <a:extLst>
+              <a:ext uri="{FF2B5EF4-FFF2-40B4-BE49-F238E27FC236}">
+                <a16:creationId xmlns:a16="http://schemas.microsoft.com/office/drawing/2014/main" id="{022FCBCF-3D77-B419-5343-5D2014FCD1E7}"/>
+              </a:ext>
+            </a:extLst>
+          </p:cNvPr>
+          <p:cNvSpPr txBox="1"/>
+          <p:nvPr/>
+        </p:nvSpPr>
+        <p:spPr>
+          <a:xfrm>
+            <a:off x="342314" y="708487"/>
+            <a:ext cx="11507372" cy="769441"/>
+          </a:xfrm>
+          <a:prstGeom prst="rect">
+            <a:avLst/>
+          </a:prstGeom>
+          <a:noFill/>
+        </p:spPr>
+        <p:txBody>
+          <a:bodyPr wrap="square">
+            <a:spAutoFit/>
+          </a:bodyPr>
+          <a:lstStyle/>
+          <a:p>
+            <a:pPr algn="ctr"/>
+            <a:r>
+              <a:rPr lang="fr-FR" sz="4400" b="1" dirty="0">
+                <a:solidFill>
+                  <a:srgbClr val="00B0F0"/>
+                </a:solidFill>
+                <a:effectLst>
+                  <a:outerShdw blurRad="38100" dist="38100" dir="2700000" algn="tl">
+                    <a:srgbClr val="000000">
+                      <a:alpha val="43137"/>
+                    </a:srgbClr>
+                  </a:outerShdw>
+                </a:effectLst>
+                <a:latin typeface="Berlin Sans FB" panose="020E0602020502020306" pitchFamily="34" charset="0"/>
+              </a:rPr>
+              <a:t>FONCTIONNALITES CLE</a:t>
+            </a:r>
+          </a:p>
+        </p:txBody>
+      </p:sp>
+      <p:sp>
+        <p:nvSpPr>
+          <p:cNvPr id="12" name="Flèche : droite 11">
+            <a:extLst>
+              <a:ext uri="{FF2B5EF4-FFF2-40B4-BE49-F238E27FC236}">
+                <a16:creationId xmlns:a16="http://schemas.microsoft.com/office/drawing/2014/main" id="{2F85E3D7-E5F8-5A40-BDAD-DA962E53D6AC}"/>
+              </a:ext>
+            </a:extLst>
+          </p:cNvPr>
+          <p:cNvSpPr/>
+          <p:nvPr/>
+        </p:nvSpPr>
+        <p:spPr>
+          <a:xfrm>
+            <a:off x="2131143" y="4974367"/>
+            <a:ext cx="562708" cy="336341"/>
+          </a:xfrm>
+          <a:prstGeom prst="rightArrow">
+            <a:avLst/>
+          </a:prstGeom>
+        </p:spPr>
+        <p:style>
+          <a:lnRef idx="2">
+            <a:schemeClr val="accent1">
+              <a:shade val="50000"/>
+            </a:schemeClr>
+          </a:lnRef>
+          <a:fillRef idx="1">
+            <a:schemeClr val="accent1"/>
+          </a:fillRef>
+          <a:effectRef idx="0">
+            <a:schemeClr val="accent1"/>
+          </a:effectRef>
+          <a:fontRef idx="minor">
+            <a:schemeClr val="lt1"/>
+          </a:fontRef>
+        </p:style>
+        <p:txBody>
+          <a:bodyPr rtlCol="0" anchor="ctr"/>
+          <a:lstStyle/>
+          <a:p>
+            <a:pPr algn="ctr"/>
+            <a:endParaRPr lang="fr-FR"/>
+          </a:p>
+        </p:txBody>
+      </p:sp>
+      <p:sp>
+        <p:nvSpPr>
+          <p:cNvPr id="13" name="ZoneTexte 12">
+            <a:extLst>
+              <a:ext uri="{FF2B5EF4-FFF2-40B4-BE49-F238E27FC236}">
+                <a16:creationId xmlns:a16="http://schemas.microsoft.com/office/drawing/2014/main" id="{4D827610-2146-B2AC-1C76-50E8367199B1}"/>
+              </a:ext>
+            </a:extLst>
+          </p:cNvPr>
+          <p:cNvSpPr txBox="1"/>
+          <p:nvPr/>
+        </p:nvSpPr>
+        <p:spPr>
+          <a:xfrm>
+            <a:off x="3309032" y="4833655"/>
+            <a:ext cx="8309321" cy="954107"/>
+          </a:xfrm>
+          <a:prstGeom prst="rect">
+            <a:avLst/>
+          </a:prstGeom>
+          <a:noFill/>
+        </p:spPr>
+        <p:txBody>
+          <a:bodyPr wrap="square" rtlCol="0">
+            <a:spAutoFit/>
+          </a:bodyPr>
+          <a:lstStyle/>
+          <a:p>
+            <a:r>
+              <a:rPr lang="fr-FR" sz="2800" b="1" dirty="0"/>
+              <a:t>MISE A JOUR DES INFORMATIONS D’UN UTILISATEUR UNIQUEMENT PAR L’UTILISATEUR</a:t>
+            </a:r>
+          </a:p>
+        </p:txBody>
+      </p:sp>
     </p:spTree>
     <p:extLst>
       <p:ext uri="{BB962C8B-B14F-4D97-AF65-F5344CB8AC3E}">
-        <p14:creationId xmlns:p14="http://schemas.microsoft.com/office/powerpoint/2010/main" val="1282915151"/>
+        <p14:creationId xmlns:p14="http://schemas.microsoft.com/office/powerpoint/2010/main" val="1430815766"/>
       </p:ext>
     </p:extLst>
   </p:cSld>
@@ -23998,8 +22421,8 @@
         </p:nvSpPr>
         <p:spPr>
           <a:xfrm>
-            <a:off x="93789" y="142579"/>
-            <a:ext cx="2450628" cy="461665"/>
+            <a:off x="93788" y="142579"/>
+            <a:ext cx="2923731" cy="461665"/>
           </a:xfrm>
           <a:prstGeom prst="rect">
             <a:avLst/>
@@ -24024,187 +22447,7 @@
             <a:pPr algn="ctr"/>
             <a:r>
               <a:rPr lang="fr-FR" sz="2400" b="1" dirty="0"/>
-              <a:t>PRESENTATION</a:t>
-            </a:r>
-          </a:p>
-        </p:txBody>
-      </p:sp>
-      <p:sp>
-        <p:nvSpPr>
-          <p:cNvPr id="15" name="ZoneTexte 14">
-            <a:extLst>
-              <a:ext uri="{FF2B5EF4-FFF2-40B4-BE49-F238E27FC236}">
-                <a16:creationId xmlns:a16="http://schemas.microsoft.com/office/drawing/2014/main" id="{99CBDD06-A606-059B-D0B1-10BFC6DB6A79}"/>
-              </a:ext>
-            </a:extLst>
-          </p:cNvPr>
-          <p:cNvSpPr txBox="1"/>
-          <p:nvPr/>
-        </p:nvSpPr>
-        <p:spPr>
-          <a:xfrm>
-            <a:off x="4456116" y="5748800"/>
-            <a:ext cx="4144543" cy="830997"/>
-          </a:xfrm>
-          <a:prstGeom prst="rect">
-            <a:avLst/>
-          </a:prstGeom>
-          <a:noFill/>
-        </p:spPr>
-        <p:txBody>
-          <a:bodyPr wrap="square" rtlCol="0">
-            <a:spAutoFit/>
-          </a:bodyPr>
-          <a:lstStyle/>
-          <a:p>
-            <a:pPr algn="ctr"/>
-            <a:r>
-              <a:rPr lang="fr-FR" sz="2400" b="1" dirty="0"/>
-              <a:t>DETAILS D’UNE COMMANDE</a:t>
-            </a:r>
-          </a:p>
-        </p:txBody>
-      </p:sp>
-      <p:pic>
-        <p:nvPicPr>
-          <p:cNvPr id="8" name="Image 7">
-            <a:extLst>
-              <a:ext uri="{FF2B5EF4-FFF2-40B4-BE49-F238E27FC236}">
-                <a16:creationId xmlns:a16="http://schemas.microsoft.com/office/drawing/2014/main" id="{E7D50ED3-AB85-B940-DF8B-0D66FADDB835}"/>
-              </a:ext>
-            </a:extLst>
-          </p:cNvPr>
-          <p:cNvPicPr>
-            <a:picLocks noChangeAspect="1"/>
-          </p:cNvPicPr>
-          <p:nvPr/>
-        </p:nvPicPr>
-        <p:blipFill>
-          <a:blip r:embed="rId2">
-            <a:extLst>
-              <a:ext uri="{28A0092B-C50C-407E-A947-70E740481C1C}">
-                <a14:useLocalDpi xmlns:a14="http://schemas.microsoft.com/office/drawing/2010/main" val="0"/>
-              </a:ext>
-            </a:extLst>
-          </a:blip>
-          <a:stretch>
-            <a:fillRect/>
-          </a:stretch>
-        </p:blipFill>
-        <p:spPr>
-          <a:xfrm>
-            <a:off x="3246783" y="383979"/>
-            <a:ext cx="7063408" cy="5259045"/>
-          </a:xfrm>
-          <a:prstGeom prst="rect">
-            <a:avLst/>
-          </a:prstGeom>
-        </p:spPr>
-      </p:pic>
-      <p:pic>
-        <p:nvPicPr>
-          <p:cNvPr id="5" name="Image 4">
-            <a:extLst>
-              <a:ext uri="{FF2B5EF4-FFF2-40B4-BE49-F238E27FC236}">
-                <a16:creationId xmlns:a16="http://schemas.microsoft.com/office/drawing/2014/main" id="{70678CE3-BA01-3518-C68F-7A665133C173}"/>
-              </a:ext>
-            </a:extLst>
-          </p:cNvPr>
-          <p:cNvPicPr>
-            <a:picLocks noChangeAspect="1"/>
-          </p:cNvPicPr>
-          <p:nvPr/>
-        </p:nvPicPr>
-        <p:blipFill>
-          <a:blip r:embed="rId3"/>
-          <a:stretch>
-            <a:fillRect/>
-          </a:stretch>
-        </p:blipFill>
-        <p:spPr>
-          <a:xfrm>
-            <a:off x="3953435" y="1434353"/>
-            <a:ext cx="5710518" cy="2339788"/>
-          </a:xfrm>
-          <a:prstGeom prst="rect">
-            <a:avLst/>
-          </a:prstGeom>
-        </p:spPr>
-      </p:pic>
-    </p:spTree>
-    <p:extLst>
-      <p:ext uri="{BB962C8B-B14F-4D97-AF65-F5344CB8AC3E}">
-        <p14:creationId xmlns:p14="http://schemas.microsoft.com/office/powerpoint/2010/main" val="4246425814"/>
-      </p:ext>
-    </p:extLst>
-  </p:cSld>
-  <p:clrMapOvr>
-    <a:masterClrMapping/>
-  </p:clrMapOvr>
-  <p:transition spd="slow">
-    <p:wipe dir="r"/>
-  </p:transition>
-</p:sld>
-</file>
-
-<file path=ppt/slides/slide9.xml><?xml version="1.0" encoding="utf-8"?>
-<p:sld xmlns:a="http://schemas.openxmlformats.org/drawingml/2006/main" xmlns:r="http://schemas.openxmlformats.org/officeDocument/2006/relationships" xmlns:p="http://schemas.openxmlformats.org/presentationml/2006/main">
-  <p:cSld>
-    <p:spTree>
-      <p:nvGrpSpPr>
-        <p:cNvPr id="1" name=""/>
-        <p:cNvGrpSpPr/>
-        <p:nvPr/>
-      </p:nvGrpSpPr>
-      <p:grpSpPr>
-        <a:xfrm>
-          <a:off x="0" y="0"/>
-          <a:ext cx="0" cy="0"/>
-          <a:chOff x="0" y="0"/>
-          <a:chExt cx="0" cy="0"/>
-        </a:xfrm>
-      </p:grpSpPr>
-      <p:sp>
-        <p:nvSpPr>
-          <p:cNvPr id="2" name="ZoneTexte 1">
-            <a:extLst>
-              <a:ext uri="{FF2B5EF4-FFF2-40B4-BE49-F238E27FC236}">
-                <a16:creationId xmlns:a16="http://schemas.microsoft.com/office/drawing/2014/main" id="{EC0F6978-9C3E-1B5E-C740-E71904B6B80C}"/>
-              </a:ext>
-            </a:extLst>
-          </p:cNvPr>
-          <p:cNvSpPr txBox="1"/>
-          <p:nvPr/>
-        </p:nvSpPr>
-        <p:spPr>
-          <a:xfrm>
-            <a:off x="93789" y="142579"/>
-            <a:ext cx="2475240" cy="461665"/>
-          </a:xfrm>
-          <a:prstGeom prst="rect">
-            <a:avLst/>
-          </a:prstGeom>
-          <a:solidFill>
-            <a:schemeClr val="bg1"/>
-          </a:solidFill>
-          <a:scene3d>
-            <a:camera prst="orthographicFront"/>
-            <a:lightRig rig="threePt" dir="t"/>
-          </a:scene3d>
-          <a:sp3d>
-            <a:bevelT w="165100" prst="coolSlant"/>
-          </a:sp3d>
-        </p:spPr>
-        <p:txBody>
-          <a:bodyPr wrap="square" rtlCol="0">
-            <a:spAutoFit/>
-          </a:bodyPr>
-          <a:lstStyle/>
-          <a:p>
-            <a:pPr algn="ctr"/>
-            <a:r>
-              <a:rPr lang="fr-FR" sz="2400" b="1" dirty="0"/>
-              <a:t>PRESENTATION</a:t>
+              <a:t>FONCTIONNALITES</a:t>
             </a:r>
           </a:p>
         </p:txBody>
@@ -24240,7 +22483,7 @@
             <a:pPr algn="ctr"/>
             <a:r>
               <a:rPr lang="fr-FR" sz="2400" b="1" dirty="0"/>
-              <a:t>INTERFACE DE POINT DE VENTE</a:t>
+              <a:t>INTERFACE CREATION DE COMMANDES</a:t>
             </a:r>
           </a:p>
         </p:txBody>
@@ -24315,6 +22558,150 @@
     <p:extLst>
       <p:ext uri="{BB962C8B-B14F-4D97-AF65-F5344CB8AC3E}">
         <p14:creationId xmlns:p14="http://schemas.microsoft.com/office/powerpoint/2010/main" val="1713794090"/>
+      </p:ext>
+    </p:extLst>
+  </p:cSld>
+  <p:clrMapOvr>
+    <a:masterClrMapping/>
+  </p:clrMapOvr>
+  <p:transition spd="slow">
+    <p:wipe dir="r"/>
+  </p:transition>
+</p:sld>
+</file>
+
+<file path=ppt/slides/slide9.xml><?xml version="1.0" encoding="utf-8"?>
+<p:sld xmlns:a="http://schemas.openxmlformats.org/drawingml/2006/main" xmlns:r="http://schemas.openxmlformats.org/officeDocument/2006/relationships" xmlns:p="http://schemas.openxmlformats.org/presentationml/2006/main">
+  <p:cSld>
+    <p:spTree>
+      <p:nvGrpSpPr>
+        <p:cNvPr id="1" name=""/>
+        <p:cNvGrpSpPr/>
+        <p:nvPr/>
+      </p:nvGrpSpPr>
+      <p:grpSpPr>
+        <a:xfrm>
+          <a:off x="0" y="0"/>
+          <a:ext cx="0" cy="0"/>
+          <a:chOff x="0" y="0"/>
+          <a:chExt cx="0" cy="0"/>
+        </a:xfrm>
+      </p:grpSpPr>
+      <p:sp>
+        <p:nvSpPr>
+          <p:cNvPr id="2" name="ZoneTexte 1">
+            <a:extLst>
+              <a:ext uri="{FF2B5EF4-FFF2-40B4-BE49-F238E27FC236}">
+                <a16:creationId xmlns:a16="http://schemas.microsoft.com/office/drawing/2014/main" id="{EC0F6978-9C3E-1B5E-C740-E71904B6B80C}"/>
+              </a:ext>
+            </a:extLst>
+          </p:cNvPr>
+          <p:cNvSpPr txBox="1"/>
+          <p:nvPr/>
+        </p:nvSpPr>
+        <p:spPr>
+          <a:xfrm>
+            <a:off x="93788" y="142579"/>
+            <a:ext cx="2903411" cy="461665"/>
+          </a:xfrm>
+          <a:prstGeom prst="rect">
+            <a:avLst/>
+          </a:prstGeom>
+          <a:solidFill>
+            <a:schemeClr val="bg1"/>
+          </a:solidFill>
+          <a:scene3d>
+            <a:camera prst="orthographicFront"/>
+            <a:lightRig rig="threePt" dir="t"/>
+          </a:scene3d>
+          <a:sp3d>
+            <a:bevelT w="165100" prst="coolSlant"/>
+          </a:sp3d>
+        </p:spPr>
+        <p:txBody>
+          <a:bodyPr wrap="square" rtlCol="0">
+            <a:spAutoFit/>
+          </a:bodyPr>
+          <a:lstStyle/>
+          <a:p>
+            <a:pPr algn="ctr"/>
+            <a:r>
+              <a:rPr lang="fr-FR" sz="2400" b="1" dirty="0"/>
+              <a:t>FONCTIONNALITES</a:t>
+            </a:r>
+          </a:p>
+        </p:txBody>
+      </p:sp>
+      <p:sp>
+        <p:nvSpPr>
+          <p:cNvPr id="15" name="ZoneTexte 14">
+            <a:extLst>
+              <a:ext uri="{FF2B5EF4-FFF2-40B4-BE49-F238E27FC236}">
+                <a16:creationId xmlns:a16="http://schemas.microsoft.com/office/drawing/2014/main" id="{99CBDD06-A606-059B-D0B1-10BFC6DB6A79}"/>
+              </a:ext>
+            </a:extLst>
+          </p:cNvPr>
+          <p:cNvSpPr txBox="1"/>
+          <p:nvPr/>
+        </p:nvSpPr>
+        <p:spPr>
+          <a:xfrm>
+            <a:off x="2763520" y="5583196"/>
+            <a:ext cx="7579360" cy="830997"/>
+          </a:xfrm>
+          <a:prstGeom prst="rect">
+            <a:avLst/>
+          </a:prstGeom>
+          <a:noFill/>
+        </p:spPr>
+        <p:txBody>
+          <a:bodyPr wrap="square" rtlCol="0">
+            <a:spAutoFit/>
+          </a:bodyPr>
+          <a:lstStyle/>
+          <a:p>
+            <a:pPr algn="ctr"/>
+            <a:r>
+              <a:rPr lang="fr-FR" sz="2400" b="1" dirty="0"/>
+              <a:t>BOUT DE CODE MONTRANT COMMENT SONT GEREES LES ACTIONS SUR LES BOUTONS</a:t>
+            </a:r>
+          </a:p>
+        </p:txBody>
+      </p:sp>
+      <p:pic>
+        <p:nvPicPr>
+          <p:cNvPr id="9" name="Image 8">
+            <a:extLst>
+              <a:ext uri="{FF2B5EF4-FFF2-40B4-BE49-F238E27FC236}">
+                <a16:creationId xmlns:a16="http://schemas.microsoft.com/office/drawing/2014/main" id="{F4B338F6-2E94-16D7-D97A-FDA26659F62B}"/>
+              </a:ext>
+            </a:extLst>
+          </p:cNvPr>
+          <p:cNvPicPr>
+            <a:picLocks noChangeAspect="1"/>
+          </p:cNvPicPr>
+          <p:nvPr/>
+        </p:nvPicPr>
+        <p:blipFill>
+          <a:blip r:embed="rId2"/>
+          <a:stretch>
+            <a:fillRect/>
+          </a:stretch>
+        </p:blipFill>
+        <p:spPr>
+          <a:xfrm>
+            <a:off x="1852479" y="704643"/>
+            <a:ext cx="9648642" cy="4778154"/>
+          </a:xfrm>
+          <a:prstGeom prst="rect">
+            <a:avLst/>
+          </a:prstGeom>
+        </p:spPr>
+      </p:pic>
+    </p:spTree>
+    <p:extLst>
+      <p:ext uri="{BB962C8B-B14F-4D97-AF65-F5344CB8AC3E}">
+        <p14:creationId xmlns:p14="http://schemas.microsoft.com/office/powerpoint/2010/main" val="1282915151"/>
       </p:ext>
     </p:extLst>
   </p:cSld>
